--- a/DeliveryFolder/Presentation.pptx
+++ b/DeliveryFolder/Presentation.pptx
@@ -5,10 +5,10 @@
     <p:sldMasterId id="2147483658" r:id="rId4"/>
   </p:sldMasterIdLst>
   <p:notesMasterIdLst>
-    <p:notesMasterId r:id="rId27"/>
+    <p:notesMasterId r:id="rId30"/>
   </p:notesMasterIdLst>
   <p:handoutMasterIdLst>
-    <p:handoutMasterId r:id="rId28"/>
+    <p:handoutMasterId r:id="rId31"/>
   </p:handoutMasterIdLst>
   <p:sldIdLst>
     <p:sldId id="350" r:id="rId5"/>
@@ -22,17 +22,20 @@
     <p:sldId id="372" r:id="rId13"/>
     <p:sldId id="373" r:id="rId14"/>
     <p:sldId id="375" r:id="rId15"/>
-    <p:sldId id="361" r:id="rId16"/>
-    <p:sldId id="334" r:id="rId17"/>
-    <p:sldId id="353" r:id="rId18"/>
-    <p:sldId id="354" r:id="rId19"/>
-    <p:sldId id="355" r:id="rId20"/>
-    <p:sldId id="356" r:id="rId21"/>
-    <p:sldId id="357" r:id="rId22"/>
-    <p:sldId id="362" r:id="rId23"/>
-    <p:sldId id="363" r:id="rId24"/>
-    <p:sldId id="364" r:id="rId25"/>
-    <p:sldId id="343" r:id="rId26"/>
+    <p:sldId id="376" r:id="rId16"/>
+    <p:sldId id="377" r:id="rId17"/>
+    <p:sldId id="378" r:id="rId18"/>
+    <p:sldId id="361" r:id="rId19"/>
+    <p:sldId id="334" r:id="rId20"/>
+    <p:sldId id="353" r:id="rId21"/>
+    <p:sldId id="354" r:id="rId22"/>
+    <p:sldId id="355" r:id="rId23"/>
+    <p:sldId id="356" r:id="rId24"/>
+    <p:sldId id="357" r:id="rId25"/>
+    <p:sldId id="362" r:id="rId26"/>
+    <p:sldId id="363" r:id="rId27"/>
+    <p:sldId id="364" r:id="rId28"/>
+    <p:sldId id="343" r:id="rId29"/>
   </p:sldIdLst>
   <p:sldSz cx="12192000" cy="6858000"/>
   <p:notesSz cx="6858000" cy="9144000"/>
@@ -1515,7 +1518,7 @@
             <a:pPr rtl="0"/>
             <a:fld id="{AD5349E3-2257-46A2-87AA-98208788B886}" type="datetime1">
               <a:rPr lang="it-IT" noProof="0" smtClean="0"/>
-              <a:t>08/02/2024</a:t>
+              <a:t>09/02/2024</a:t>
             </a:fld>
             <a:endParaRPr lang="it-IT" noProof="0"/>
           </a:p>
@@ -1937,7 +1940,7 @@
             <a:pPr rtl="0"/>
             <a:fld id="{A89C7E07-3C67-C64C-8DA0-0404F6303970}" type="slidenum">
               <a:rPr lang="it-IT" smtClean="0"/>
-              <a:t>17</a:t>
+              <a:t>20</a:t>
             </a:fld>
             <a:endParaRPr lang="it-IT"/>
           </a:p>
@@ -2022,7 +2025,7 @@
             <a:pPr rtl="0"/>
             <a:fld id="{A89C7E07-3C67-C64C-8DA0-0404F6303970}" type="slidenum">
               <a:rPr lang="it-IT" smtClean="0"/>
-              <a:t>18</a:t>
+              <a:t>21</a:t>
             </a:fld>
             <a:endParaRPr lang="it-IT"/>
           </a:p>
@@ -2107,7 +2110,7 @@
             <a:pPr rtl="0"/>
             <a:fld id="{A89C7E07-3C67-C64C-8DA0-0404F6303970}" type="slidenum">
               <a:rPr lang="it-IT" smtClean="0"/>
-              <a:t>19</a:t>
+              <a:t>22</a:t>
             </a:fld>
             <a:endParaRPr lang="it-IT"/>
           </a:p>
@@ -2192,7 +2195,7 @@
             <a:pPr rtl="0"/>
             <a:fld id="{A89C7E07-3C67-C64C-8DA0-0404F6303970}" type="slidenum">
               <a:rPr lang="it-IT" smtClean="0"/>
-              <a:t>20</a:t>
+              <a:t>23</a:t>
             </a:fld>
             <a:endParaRPr lang="it-IT"/>
           </a:p>
@@ -2277,7 +2280,7 @@
             <a:pPr rtl="0"/>
             <a:fld id="{A89C7E07-3C67-C64C-8DA0-0404F6303970}" type="slidenum">
               <a:rPr lang="it-IT" smtClean="0"/>
-              <a:t>21</a:t>
+              <a:t>24</a:t>
             </a:fld>
             <a:endParaRPr lang="it-IT"/>
           </a:p>
@@ -2363,7 +2366,7 @@
             <a:pPr rtl="0"/>
             <a:fld id="{A89C7E07-3C67-C64C-8DA0-0404F6303970}" type="slidenum">
               <a:rPr lang="it-IT" smtClean="0"/>
-              <a:t>22</a:t>
+              <a:t>25</a:t>
             </a:fld>
             <a:endParaRPr lang="it-IT"/>
           </a:p>
@@ -3126,7 +3129,7 @@
             <a:pPr rtl="0"/>
             <a:fld id="{A89C7E07-3C67-C64C-8DA0-0404F6303970}" type="slidenum">
               <a:rPr lang="it-IT" smtClean="0"/>
-              <a:t>12</a:t>
+              <a:t>15</a:t>
             </a:fld>
             <a:endParaRPr lang="it-IT"/>
           </a:p>
@@ -3212,7 +3215,7 @@
             <a:pPr rtl="0"/>
             <a:fld id="{A89C7E07-3C67-C64C-8DA0-0404F6303970}" type="slidenum">
               <a:rPr lang="it-IT" smtClean="0"/>
-              <a:t>13</a:t>
+              <a:t>16</a:t>
             </a:fld>
             <a:endParaRPr lang="it-IT"/>
           </a:p>
@@ -3297,7 +3300,7 @@
             <a:pPr rtl="0"/>
             <a:fld id="{A89C7E07-3C67-C64C-8DA0-0404F6303970}" type="slidenum">
               <a:rPr lang="it-IT" smtClean="0"/>
-              <a:t>14</a:t>
+              <a:t>17</a:t>
             </a:fld>
             <a:endParaRPr lang="it-IT"/>
           </a:p>
@@ -3382,7 +3385,7 @@
             <a:pPr rtl="0"/>
             <a:fld id="{A89C7E07-3C67-C64C-8DA0-0404F6303970}" type="slidenum">
               <a:rPr lang="it-IT" smtClean="0"/>
-              <a:t>15</a:t>
+              <a:t>18</a:t>
             </a:fld>
             <a:endParaRPr lang="it-IT"/>
           </a:p>
@@ -3467,7 +3470,7 @@
             <a:pPr rtl="0"/>
             <a:fld id="{A89C7E07-3C67-C64C-8DA0-0404F6303970}" type="slidenum">
               <a:rPr lang="it-IT" smtClean="0"/>
-              <a:t>16</a:t>
+              <a:t>19</a:t>
             </a:fld>
             <a:endParaRPr lang="it-IT"/>
           </a:p>
@@ -4764,7 +4767,7 @@
               <a:rPr lang="it-IT" noProof="0" smtClean="0">
                 <a:latin typeface="+mn-lt"/>
               </a:rPr>
-              <a:t>8 febbraio 2024</a:t>
+              <a:t>9 febbraio 2024</a:t>
             </a:fld>
             <a:endParaRPr lang="it-IT" noProof="0" dirty="0">
               <a:latin typeface="+mn-lt"/>
@@ -5900,7 +5903,7 @@
               <a:rPr lang="it-IT" noProof="0" smtClean="0">
                 <a:latin typeface="+mn-lt"/>
               </a:rPr>
-              <a:t>8 febbraio 2024</a:t>
+              <a:t>9 febbraio 2024</a:t>
             </a:fld>
             <a:endParaRPr lang="it-IT" noProof="0" dirty="0">
               <a:latin typeface="+mn-lt"/>
@@ -7035,7 +7038,7 @@
               <a:rPr lang="it-IT" noProof="0" smtClean="0">
                 <a:latin typeface="+mn-lt"/>
               </a:rPr>
-              <a:t>8 febbraio 2024</a:t>
+              <a:t>9 febbraio 2024</a:t>
             </a:fld>
             <a:endParaRPr lang="it-IT" noProof="0" dirty="0">
               <a:latin typeface="+mn-lt"/>
@@ -15980,7 +15983,7 @@
               <a:rPr lang="it-IT" noProof="0" smtClean="0">
                 <a:latin typeface="+mn-lt"/>
               </a:rPr>
-              <a:t>8 febbraio 2024</a:t>
+              <a:t>9 febbraio 2024</a:t>
             </a:fld>
             <a:endParaRPr lang="it-IT" noProof="0" dirty="0">
               <a:latin typeface="+mn-lt"/>
@@ -17157,7 +17160,7 @@
               <a:rPr lang="it-IT" noProof="0" smtClean="0">
                 <a:latin typeface="+mn-lt"/>
               </a:rPr>
-              <a:t>8 febbraio 2024</a:t>
+              <a:t>9 febbraio 2024</a:t>
             </a:fld>
             <a:endParaRPr lang="it-IT" noProof="0">
               <a:latin typeface="+mn-lt"/>
@@ -18403,6 +18406,1683 @@
           <p:cNvPr id="3" name="Titolo 2">
             <a:extLst>
               <a:ext uri="{FF2B5EF4-FFF2-40B4-BE49-F238E27FC236}">
+                <a16:creationId xmlns:a16="http://schemas.microsoft.com/office/drawing/2014/main" id="{39BC3A39-BCD7-6D3F-CC36-A3BDE3B38C6F}"/>
+              </a:ext>
+            </a:extLst>
+          </p:cNvPr>
+          <p:cNvSpPr>
+            <a:spLocks noGrp="1"/>
+          </p:cNvSpPr>
+          <p:nvPr>
+            <p:ph type="title"/>
+          </p:nvPr>
+        </p:nvSpPr>
+        <p:spPr/>
+        <p:txBody>
+          <a:bodyPr>
+            <a:normAutofit fontScale="90000"/>
+          </a:bodyPr>
+          <a:lstStyle/>
+          <a:p>
+            <a:r>
+              <a:rPr lang="it-IT" dirty="0"/>
+              <a:t>Software </a:t>
+            </a:r>
+            <a:r>
+              <a:rPr lang="it-IT" dirty="0" err="1"/>
+              <a:t>components</a:t>
+            </a:r>
+            <a:endParaRPr lang="it-IT" dirty="0"/>
+          </a:p>
+        </p:txBody>
+      </p:sp>
+      <p:sp>
+        <p:nvSpPr>
+          <p:cNvPr id="4" name="Segnaposto numero diapositiva 3">
+            <a:extLst>
+              <a:ext uri="{FF2B5EF4-FFF2-40B4-BE49-F238E27FC236}">
+                <a16:creationId xmlns:a16="http://schemas.microsoft.com/office/drawing/2014/main" id="{4DA27893-7E13-1672-D2DF-E29AA9B7317E}"/>
+              </a:ext>
+            </a:extLst>
+          </p:cNvPr>
+          <p:cNvSpPr>
+            <a:spLocks noGrp="1"/>
+          </p:cNvSpPr>
+          <p:nvPr>
+            <p:ph type="sldNum" sz="quarter" idx="13"/>
+          </p:nvPr>
+        </p:nvSpPr>
+        <p:spPr/>
+        <p:txBody>
+          <a:bodyPr/>
+          <a:lstStyle/>
+          <a:p>
+            <a:pPr rtl="0"/>
+            <a:fld id="{294A09A9-5501-47C1-A89A-A340965A2BE2}" type="slidenum">
+              <a:rPr lang="it-IT" noProof="0" smtClean="0"/>
+              <a:pPr rtl="0"/>
+              <a:t>12</a:t>
+            </a:fld>
+            <a:endParaRPr lang="it-IT" noProof="0">
+              <a:latin typeface="+mn-lt"/>
+            </a:endParaRPr>
+          </a:p>
+        </p:txBody>
+      </p:sp>
+      <p:sp>
+        <p:nvSpPr>
+          <p:cNvPr id="5" name="Segnaposto data 4">
+            <a:extLst>
+              <a:ext uri="{FF2B5EF4-FFF2-40B4-BE49-F238E27FC236}">
+                <a16:creationId xmlns:a16="http://schemas.microsoft.com/office/drawing/2014/main" id="{0AEA7C2F-EE40-C389-36C8-B20F7FC410D0}"/>
+              </a:ext>
+            </a:extLst>
+          </p:cNvPr>
+          <p:cNvSpPr>
+            <a:spLocks noGrp="1"/>
+          </p:cNvSpPr>
+          <p:nvPr>
+            <p:ph type="dt" sz="half" idx="2"/>
+          </p:nvPr>
+        </p:nvSpPr>
+        <p:spPr/>
+        <p:txBody>
+          <a:bodyPr/>
+          <a:lstStyle/>
+          <a:p>
+            <a:r>
+              <a:rPr lang="it-IT"/>
+              <a:t>15 February 2024</a:t>
+            </a:r>
+            <a:endParaRPr lang="it-IT" dirty="0"/>
+          </a:p>
+        </p:txBody>
+      </p:sp>
+      <p:sp>
+        <p:nvSpPr>
+          <p:cNvPr id="6" name="Segnaposto piè di pagina 5">
+            <a:extLst>
+              <a:ext uri="{FF2B5EF4-FFF2-40B4-BE49-F238E27FC236}">
+                <a16:creationId xmlns:a16="http://schemas.microsoft.com/office/drawing/2014/main" id="{47DBA516-137D-32C7-8FA1-038B55C49964}"/>
+              </a:ext>
+            </a:extLst>
+          </p:cNvPr>
+          <p:cNvSpPr>
+            <a:spLocks noGrp="1"/>
+          </p:cNvSpPr>
+          <p:nvPr>
+            <p:ph type="ftr" sz="quarter" idx="3"/>
+          </p:nvPr>
+        </p:nvSpPr>
+        <p:spPr/>
+        <p:txBody>
+          <a:bodyPr/>
+          <a:lstStyle/>
+          <a:p>
+            <a:r>
+              <a:rPr lang="it-IT"/>
+              <a:t>CKB Platform</a:t>
+            </a:r>
+            <a:endParaRPr lang="it-IT" dirty="0"/>
+          </a:p>
+        </p:txBody>
+      </p:sp>
+      <p:pic>
+        <p:nvPicPr>
+          <p:cNvPr id="12" name="Immagine 11" descr="Immagine che contiene testo, schermata, diagramma, Rettangolo&#10;&#10;Descrizione generata automaticamente">
+            <a:extLst>
+              <a:ext uri="{FF2B5EF4-FFF2-40B4-BE49-F238E27FC236}">
+                <a16:creationId xmlns:a16="http://schemas.microsoft.com/office/drawing/2014/main" id="{3C326504-76BB-5962-4C59-F9B8D3D093D0}"/>
+              </a:ext>
+            </a:extLst>
+          </p:cNvPr>
+          <p:cNvPicPr>
+            <a:picLocks noChangeAspect="1"/>
+          </p:cNvPicPr>
+          <p:nvPr/>
+        </p:nvPicPr>
+        <p:blipFill>
+          <a:blip r:embed="rId2">
+            <a:extLst>
+              <a:ext uri="{28A0092B-C50C-407E-A947-70E740481C1C}">
+                <a14:useLocalDpi xmlns:a14="http://schemas.microsoft.com/office/drawing/2010/main" val="0"/>
+              </a:ext>
+            </a:extLst>
+          </a:blip>
+          <a:stretch>
+            <a:fillRect/>
+          </a:stretch>
+        </p:blipFill>
+        <p:spPr>
+          <a:xfrm>
+            <a:off x="4025552" y="559837"/>
+            <a:ext cx="5689778" cy="5738326"/>
+          </a:xfrm>
+          <a:prstGeom prst="rect">
+            <a:avLst/>
+          </a:prstGeom>
+        </p:spPr>
+      </p:pic>
+    </p:spTree>
+    <p:extLst>
+      <p:ext uri="{BB962C8B-B14F-4D97-AF65-F5344CB8AC3E}">
+        <p14:creationId xmlns:p14="http://schemas.microsoft.com/office/powerpoint/2010/main" val="920422892"/>
+      </p:ext>
+    </p:extLst>
+  </p:cSld>
+  <p:clrMapOvr>
+    <a:masterClrMapping/>
+  </p:clrMapOvr>
+</p:sld>
+</file>
+
+<file path=ppt/slides/slide13.xml><?xml version="1.0" encoding="utf-8"?>
+<p:sld xmlns:a="http://schemas.openxmlformats.org/drawingml/2006/main" xmlns:r="http://schemas.openxmlformats.org/officeDocument/2006/relationships" xmlns:p="http://schemas.openxmlformats.org/presentationml/2006/main">
+  <p:cSld>
+    <p:spTree>
+      <p:nvGrpSpPr>
+        <p:cNvPr id="1" name="">
+          <a:extLst>
+            <a:ext uri="{FF2B5EF4-FFF2-40B4-BE49-F238E27FC236}">
+              <a16:creationId xmlns:a16="http://schemas.microsoft.com/office/drawing/2014/main" id="{C4D81BCB-5079-6373-A42F-919A7649C961}"/>
+            </a:ext>
+          </a:extLst>
+        </p:cNvPr>
+        <p:cNvGrpSpPr/>
+        <p:nvPr/>
+      </p:nvGrpSpPr>
+      <p:grpSpPr>
+        <a:xfrm>
+          <a:off x="0" y="0"/>
+          <a:ext cx="0" cy="0"/>
+          <a:chOff x="0" y="0"/>
+          <a:chExt cx="0" cy="0"/>
+        </a:xfrm>
+      </p:grpSpPr>
+      <p:sp>
+        <p:nvSpPr>
+          <p:cNvPr id="3" name="Titolo 2">
+            <a:extLst>
+              <a:ext uri="{FF2B5EF4-FFF2-40B4-BE49-F238E27FC236}">
+                <a16:creationId xmlns:a16="http://schemas.microsoft.com/office/drawing/2014/main" id="{AA921B51-A678-B258-7E40-36D30AD3C860}"/>
+              </a:ext>
+            </a:extLst>
+          </p:cNvPr>
+          <p:cNvSpPr>
+            <a:spLocks noGrp="1"/>
+          </p:cNvSpPr>
+          <p:nvPr>
+            <p:ph type="title"/>
+          </p:nvPr>
+        </p:nvSpPr>
+        <p:spPr/>
+        <p:txBody>
+          <a:bodyPr>
+            <a:normAutofit fontScale="90000"/>
+          </a:bodyPr>
+          <a:lstStyle/>
+          <a:p>
+            <a:r>
+              <a:rPr lang="it-IT" dirty="0" err="1"/>
+              <a:t>Interfaces</a:t>
+            </a:r>
+            <a:r>
+              <a:rPr lang="it-IT" dirty="0"/>
+              <a:t> to </a:t>
+            </a:r>
+            <a:r>
+              <a:rPr lang="it-IT" dirty="0" err="1"/>
+              <a:t>WebApps</a:t>
+            </a:r>
+            <a:endParaRPr lang="it-IT" dirty="0"/>
+          </a:p>
+        </p:txBody>
+      </p:sp>
+      <p:sp>
+        <p:nvSpPr>
+          <p:cNvPr id="4" name="Segnaposto numero diapositiva 3">
+            <a:extLst>
+              <a:ext uri="{FF2B5EF4-FFF2-40B4-BE49-F238E27FC236}">
+                <a16:creationId xmlns:a16="http://schemas.microsoft.com/office/drawing/2014/main" id="{64DCE4C6-75D3-A42E-3EA2-EF12F7F86AD9}"/>
+              </a:ext>
+            </a:extLst>
+          </p:cNvPr>
+          <p:cNvSpPr>
+            <a:spLocks noGrp="1"/>
+          </p:cNvSpPr>
+          <p:nvPr>
+            <p:ph type="sldNum" sz="quarter" idx="13"/>
+          </p:nvPr>
+        </p:nvSpPr>
+        <p:spPr/>
+        <p:txBody>
+          <a:bodyPr/>
+          <a:lstStyle/>
+          <a:p>
+            <a:pPr rtl="0"/>
+            <a:fld id="{294A09A9-5501-47C1-A89A-A340965A2BE2}" type="slidenum">
+              <a:rPr lang="it-IT" noProof="0" smtClean="0"/>
+              <a:pPr rtl="0"/>
+              <a:t>13</a:t>
+            </a:fld>
+            <a:endParaRPr lang="it-IT" noProof="0">
+              <a:latin typeface="+mn-lt"/>
+            </a:endParaRPr>
+          </a:p>
+        </p:txBody>
+      </p:sp>
+      <p:sp>
+        <p:nvSpPr>
+          <p:cNvPr id="5" name="Segnaposto data 4">
+            <a:extLst>
+              <a:ext uri="{FF2B5EF4-FFF2-40B4-BE49-F238E27FC236}">
+                <a16:creationId xmlns:a16="http://schemas.microsoft.com/office/drawing/2014/main" id="{230E08B9-ED34-DB39-0B91-916E102C6654}"/>
+              </a:ext>
+            </a:extLst>
+          </p:cNvPr>
+          <p:cNvSpPr>
+            <a:spLocks noGrp="1"/>
+          </p:cNvSpPr>
+          <p:nvPr>
+            <p:ph type="dt" sz="half" idx="2"/>
+          </p:nvPr>
+        </p:nvSpPr>
+        <p:spPr/>
+        <p:txBody>
+          <a:bodyPr/>
+          <a:lstStyle/>
+          <a:p>
+            <a:r>
+              <a:rPr lang="it-IT"/>
+              <a:t>15 February 2024</a:t>
+            </a:r>
+            <a:endParaRPr lang="it-IT" dirty="0"/>
+          </a:p>
+        </p:txBody>
+      </p:sp>
+      <p:sp>
+        <p:nvSpPr>
+          <p:cNvPr id="6" name="Segnaposto piè di pagina 5">
+            <a:extLst>
+              <a:ext uri="{FF2B5EF4-FFF2-40B4-BE49-F238E27FC236}">
+                <a16:creationId xmlns:a16="http://schemas.microsoft.com/office/drawing/2014/main" id="{6B62AA78-F0DE-80D2-DF5E-9A2827BED208}"/>
+              </a:ext>
+            </a:extLst>
+          </p:cNvPr>
+          <p:cNvSpPr>
+            <a:spLocks noGrp="1"/>
+          </p:cNvSpPr>
+          <p:nvPr>
+            <p:ph type="ftr" sz="quarter" idx="3"/>
+          </p:nvPr>
+        </p:nvSpPr>
+        <p:spPr/>
+        <p:txBody>
+          <a:bodyPr/>
+          <a:lstStyle/>
+          <a:p>
+            <a:r>
+              <a:rPr lang="it-IT"/>
+              <a:t>CKB Platform</a:t>
+            </a:r>
+            <a:endParaRPr lang="it-IT" dirty="0"/>
+          </a:p>
+        </p:txBody>
+      </p:sp>
+      <p:pic>
+        <p:nvPicPr>
+          <p:cNvPr id="12" name="Immagine 11" descr="Immagine che contiene testo, schermata, diagramma, Rettangolo&#10;&#10;Descrizione generata automaticamente">
+            <a:extLst>
+              <a:ext uri="{FF2B5EF4-FFF2-40B4-BE49-F238E27FC236}">
+                <a16:creationId xmlns:a16="http://schemas.microsoft.com/office/drawing/2014/main" id="{851BE503-E241-BCAE-EEB3-6684A40A4C29}"/>
+              </a:ext>
+            </a:extLst>
+          </p:cNvPr>
+          <p:cNvPicPr>
+            <a:picLocks noChangeAspect="1"/>
+          </p:cNvPicPr>
+          <p:nvPr/>
+        </p:nvPicPr>
+        <p:blipFill>
+          <a:blip r:embed="rId2">
+            <a:extLst>
+              <a:ext uri="{28A0092B-C50C-407E-A947-70E740481C1C}">
+                <a14:useLocalDpi xmlns:a14="http://schemas.microsoft.com/office/drawing/2010/main" val="0"/>
+              </a:ext>
+            </a:extLst>
+          </a:blip>
+          <a:stretch>
+            <a:fillRect/>
+          </a:stretch>
+        </p:blipFill>
+        <p:spPr>
+          <a:xfrm>
+            <a:off x="4025552" y="559837"/>
+            <a:ext cx="5689778" cy="5738326"/>
+          </a:xfrm>
+          <a:prstGeom prst="rect">
+            <a:avLst/>
+          </a:prstGeom>
+        </p:spPr>
+      </p:pic>
+      <p:pic>
+        <p:nvPicPr>
+          <p:cNvPr id="11" name="Immagine 10">
+            <a:extLst>
+              <a:ext uri="{FF2B5EF4-FFF2-40B4-BE49-F238E27FC236}">
+                <a16:creationId xmlns:a16="http://schemas.microsoft.com/office/drawing/2014/main" id="{958E499A-5134-5361-FCF3-DE50FF9DC5B4}"/>
+              </a:ext>
+            </a:extLst>
+          </p:cNvPr>
+          <p:cNvPicPr>
+            <a:picLocks noChangeAspect="1"/>
+          </p:cNvPicPr>
+          <p:nvPr/>
+        </p:nvPicPr>
+        <p:blipFill rotWithShape="1">
+          <a:blip r:embed="rId3">
+            <a:extLst>
+              <a:ext uri="{28A0092B-C50C-407E-A947-70E740481C1C}">
+                <a14:useLocalDpi xmlns:a14="http://schemas.microsoft.com/office/drawing/2010/main" val="0"/>
+              </a:ext>
+            </a:extLst>
+          </a:blip>
+          <a:srcRect l="32276"/>
+          <a:stretch/>
+        </p:blipFill>
+        <p:spPr>
+          <a:xfrm>
+            <a:off x="3270250" y="2916371"/>
+            <a:ext cx="1435660" cy="236719"/>
+          </a:xfrm>
+          <a:prstGeom prst="rect">
+            <a:avLst/>
+          </a:prstGeom>
+        </p:spPr>
+      </p:pic>
+      <p:sp>
+        <p:nvSpPr>
+          <p:cNvPr id="13" name="CasellaDiTesto 12">
+            <a:extLst>
+              <a:ext uri="{FF2B5EF4-FFF2-40B4-BE49-F238E27FC236}">
+                <a16:creationId xmlns:a16="http://schemas.microsoft.com/office/drawing/2014/main" id="{093CB655-1F00-3676-3B91-2B29AB404881}"/>
+              </a:ext>
+            </a:extLst>
+          </p:cNvPr>
+          <p:cNvSpPr txBox="1"/>
+          <p:nvPr/>
+        </p:nvSpPr>
+        <p:spPr>
+          <a:xfrm>
+            <a:off x="1749425" y="2916371"/>
+            <a:ext cx="1520825" cy="200055"/>
+          </a:xfrm>
+          <a:prstGeom prst="rect">
+            <a:avLst/>
+          </a:prstGeom>
+          <a:noFill/>
+        </p:spPr>
+        <p:txBody>
+          <a:bodyPr wrap="square" rtlCol="0">
+            <a:spAutoFit/>
+          </a:bodyPr>
+          <a:lstStyle/>
+          <a:p>
+            <a:pPr algn="r"/>
+            <a:r>
+              <a:rPr lang="it-IT" sz="700" dirty="0" err="1">
+                <a:solidFill>
+                  <a:schemeClr val="bg1"/>
+                </a:solidFill>
+              </a:rPr>
+              <a:t>Profile</a:t>
+            </a:r>
+            <a:r>
+              <a:rPr lang="it-IT" sz="700" dirty="0">
+                <a:solidFill>
+                  <a:schemeClr val="bg1"/>
+                </a:solidFill>
+              </a:rPr>
+              <a:t> </a:t>
+            </a:r>
+            <a:r>
+              <a:rPr lang="it-IT" sz="700" dirty="0" err="1">
+                <a:solidFill>
+                  <a:schemeClr val="bg1"/>
+                </a:solidFill>
+              </a:rPr>
+              <a:t>inspector</a:t>
+            </a:r>
+            <a:r>
+              <a:rPr lang="it-IT" sz="700" dirty="0">
+                <a:solidFill>
+                  <a:schemeClr val="bg1"/>
+                </a:solidFill>
+              </a:rPr>
+              <a:t> </a:t>
+            </a:r>
+            <a:r>
+              <a:rPr lang="it-IT" sz="700" dirty="0" err="1">
+                <a:solidFill>
+                  <a:schemeClr val="bg1"/>
+                </a:solidFill>
+              </a:rPr>
+              <a:t>interface</a:t>
+            </a:r>
+            <a:endParaRPr lang="it-IT" sz="700" dirty="0">
+              <a:solidFill>
+                <a:schemeClr val="bg1"/>
+              </a:solidFill>
+            </a:endParaRPr>
+          </a:p>
+        </p:txBody>
+      </p:sp>
+      <p:pic>
+        <p:nvPicPr>
+          <p:cNvPr id="14" name="Immagine 13">
+            <a:extLst>
+              <a:ext uri="{FF2B5EF4-FFF2-40B4-BE49-F238E27FC236}">
+                <a16:creationId xmlns:a16="http://schemas.microsoft.com/office/drawing/2014/main" id="{501597A9-5D16-7202-F858-5E48461FA3F9}"/>
+              </a:ext>
+            </a:extLst>
+          </p:cNvPr>
+          <p:cNvPicPr>
+            <a:picLocks noChangeAspect="1"/>
+          </p:cNvPicPr>
+          <p:nvPr/>
+        </p:nvPicPr>
+        <p:blipFill rotWithShape="1">
+          <a:blip r:embed="rId3">
+            <a:extLst>
+              <a:ext uri="{28A0092B-C50C-407E-A947-70E740481C1C}">
+                <a14:useLocalDpi xmlns:a14="http://schemas.microsoft.com/office/drawing/2010/main" val="0"/>
+              </a:ext>
+            </a:extLst>
+          </a:blip>
+          <a:srcRect l="32276"/>
+          <a:stretch/>
+        </p:blipFill>
+        <p:spPr>
+          <a:xfrm>
+            <a:off x="3270250" y="3429000"/>
+            <a:ext cx="1435660" cy="236719"/>
+          </a:xfrm>
+          <a:prstGeom prst="rect">
+            <a:avLst/>
+          </a:prstGeom>
+        </p:spPr>
+      </p:pic>
+      <p:sp>
+        <p:nvSpPr>
+          <p:cNvPr id="15" name="CasellaDiTesto 14">
+            <a:extLst>
+              <a:ext uri="{FF2B5EF4-FFF2-40B4-BE49-F238E27FC236}">
+                <a16:creationId xmlns:a16="http://schemas.microsoft.com/office/drawing/2014/main" id="{C071665D-61C6-510C-846E-76DCC2FCB2FF}"/>
+              </a:ext>
+            </a:extLst>
+          </p:cNvPr>
+          <p:cNvSpPr txBox="1"/>
+          <p:nvPr/>
+        </p:nvSpPr>
+        <p:spPr>
+          <a:xfrm>
+            <a:off x="1749425" y="3429000"/>
+            <a:ext cx="1520825" cy="200055"/>
+          </a:xfrm>
+          <a:prstGeom prst="rect">
+            <a:avLst/>
+          </a:prstGeom>
+          <a:noFill/>
+        </p:spPr>
+        <p:txBody>
+          <a:bodyPr wrap="square" rtlCol="0">
+            <a:spAutoFit/>
+          </a:bodyPr>
+          <a:lstStyle/>
+          <a:p>
+            <a:pPr algn="r"/>
+            <a:r>
+              <a:rPr lang="it-IT" sz="700" dirty="0">
+                <a:solidFill>
+                  <a:schemeClr val="bg1"/>
+                </a:solidFill>
+              </a:rPr>
+              <a:t>Badges action </a:t>
+            </a:r>
+            <a:r>
+              <a:rPr lang="it-IT" sz="700" dirty="0" err="1">
+                <a:solidFill>
+                  <a:schemeClr val="bg1"/>
+                </a:solidFill>
+              </a:rPr>
+              <a:t>interface</a:t>
+            </a:r>
+            <a:endParaRPr lang="it-IT" sz="700" dirty="0">
+              <a:solidFill>
+                <a:schemeClr val="bg1"/>
+              </a:solidFill>
+            </a:endParaRPr>
+          </a:p>
+        </p:txBody>
+      </p:sp>
+      <p:pic>
+        <p:nvPicPr>
+          <p:cNvPr id="16" name="Immagine 15">
+            <a:extLst>
+              <a:ext uri="{FF2B5EF4-FFF2-40B4-BE49-F238E27FC236}">
+                <a16:creationId xmlns:a16="http://schemas.microsoft.com/office/drawing/2014/main" id="{790E52D0-BEA1-96B4-1E77-D4314E2A9601}"/>
+              </a:ext>
+            </a:extLst>
+          </p:cNvPr>
+          <p:cNvPicPr>
+            <a:picLocks noChangeAspect="1"/>
+          </p:cNvPicPr>
+          <p:nvPr/>
+        </p:nvPicPr>
+        <p:blipFill rotWithShape="1">
+          <a:blip r:embed="rId3">
+            <a:extLst>
+              <a:ext uri="{28A0092B-C50C-407E-A947-70E740481C1C}">
+                <a14:useLocalDpi xmlns:a14="http://schemas.microsoft.com/office/drawing/2010/main" val="0"/>
+              </a:ext>
+            </a:extLst>
+          </a:blip>
+          <a:srcRect l="32276"/>
+          <a:stretch/>
+        </p:blipFill>
+        <p:spPr>
+          <a:xfrm>
+            <a:off x="3270250" y="4038067"/>
+            <a:ext cx="1435660" cy="236719"/>
+          </a:xfrm>
+          <a:prstGeom prst="rect">
+            <a:avLst/>
+          </a:prstGeom>
+        </p:spPr>
+      </p:pic>
+      <p:sp>
+        <p:nvSpPr>
+          <p:cNvPr id="17" name="CasellaDiTesto 16">
+            <a:extLst>
+              <a:ext uri="{FF2B5EF4-FFF2-40B4-BE49-F238E27FC236}">
+                <a16:creationId xmlns:a16="http://schemas.microsoft.com/office/drawing/2014/main" id="{A271C565-9915-17FA-EAF5-C4F6F259704A}"/>
+              </a:ext>
+            </a:extLst>
+          </p:cNvPr>
+          <p:cNvSpPr txBox="1"/>
+          <p:nvPr/>
+        </p:nvSpPr>
+        <p:spPr>
+          <a:xfrm>
+            <a:off x="1749425" y="4038067"/>
+            <a:ext cx="1520825" cy="200055"/>
+          </a:xfrm>
+          <a:prstGeom prst="rect">
+            <a:avLst/>
+          </a:prstGeom>
+          <a:noFill/>
+        </p:spPr>
+        <p:txBody>
+          <a:bodyPr wrap="square" rtlCol="0">
+            <a:spAutoFit/>
+          </a:bodyPr>
+          <a:lstStyle/>
+          <a:p>
+            <a:pPr algn="r"/>
+            <a:r>
+              <a:rPr lang="it-IT" sz="700" dirty="0" err="1">
+                <a:solidFill>
+                  <a:schemeClr val="bg1"/>
+                </a:solidFill>
+              </a:rPr>
+              <a:t>Battles</a:t>
+            </a:r>
+            <a:r>
+              <a:rPr lang="it-IT" sz="700" dirty="0">
+                <a:solidFill>
+                  <a:schemeClr val="bg1"/>
+                </a:solidFill>
+              </a:rPr>
+              <a:t> action </a:t>
+            </a:r>
+            <a:r>
+              <a:rPr lang="it-IT" sz="700" dirty="0" err="1">
+                <a:solidFill>
+                  <a:schemeClr val="bg1"/>
+                </a:solidFill>
+              </a:rPr>
+              <a:t>interface</a:t>
+            </a:r>
+            <a:endParaRPr lang="it-IT" sz="700" dirty="0">
+              <a:solidFill>
+                <a:schemeClr val="bg1"/>
+              </a:solidFill>
+            </a:endParaRPr>
+          </a:p>
+        </p:txBody>
+      </p:sp>
+      <p:pic>
+        <p:nvPicPr>
+          <p:cNvPr id="18" name="Immagine 17">
+            <a:extLst>
+              <a:ext uri="{FF2B5EF4-FFF2-40B4-BE49-F238E27FC236}">
+                <a16:creationId xmlns:a16="http://schemas.microsoft.com/office/drawing/2014/main" id="{A46A760B-43B5-743C-AB72-57795BD311A5}"/>
+              </a:ext>
+            </a:extLst>
+          </p:cNvPr>
+          <p:cNvPicPr>
+            <a:picLocks noChangeAspect="1"/>
+          </p:cNvPicPr>
+          <p:nvPr/>
+        </p:nvPicPr>
+        <p:blipFill rotWithShape="1">
+          <a:blip r:embed="rId3">
+            <a:extLst>
+              <a:ext uri="{28A0092B-C50C-407E-A947-70E740481C1C}">
+                <a14:useLocalDpi xmlns:a14="http://schemas.microsoft.com/office/drawing/2010/main" val="0"/>
+              </a:ext>
+            </a:extLst>
+          </a:blip>
+          <a:srcRect l="32276"/>
+          <a:stretch/>
+        </p:blipFill>
+        <p:spPr>
+          <a:xfrm>
+            <a:off x="3270250" y="5010469"/>
+            <a:ext cx="1435660" cy="236719"/>
+          </a:xfrm>
+          <a:prstGeom prst="rect">
+            <a:avLst/>
+          </a:prstGeom>
+        </p:spPr>
+      </p:pic>
+      <p:sp>
+        <p:nvSpPr>
+          <p:cNvPr id="19" name="CasellaDiTesto 18">
+            <a:extLst>
+              <a:ext uri="{FF2B5EF4-FFF2-40B4-BE49-F238E27FC236}">
+                <a16:creationId xmlns:a16="http://schemas.microsoft.com/office/drawing/2014/main" id="{B6182ACF-C9B8-62A6-F331-15681CC9173E}"/>
+              </a:ext>
+            </a:extLst>
+          </p:cNvPr>
+          <p:cNvSpPr txBox="1"/>
+          <p:nvPr/>
+        </p:nvSpPr>
+        <p:spPr>
+          <a:xfrm>
+            <a:off x="1749425" y="5010469"/>
+            <a:ext cx="1520825" cy="200055"/>
+          </a:xfrm>
+          <a:prstGeom prst="rect">
+            <a:avLst/>
+          </a:prstGeom>
+          <a:noFill/>
+        </p:spPr>
+        <p:txBody>
+          <a:bodyPr wrap="square" rtlCol="0">
+            <a:spAutoFit/>
+          </a:bodyPr>
+          <a:lstStyle/>
+          <a:p>
+            <a:pPr algn="r"/>
+            <a:r>
+              <a:rPr lang="it-IT" sz="700" dirty="0" err="1">
+                <a:solidFill>
+                  <a:schemeClr val="bg1"/>
+                </a:solidFill>
+              </a:rPr>
+              <a:t>Tournaments</a:t>
+            </a:r>
+            <a:r>
+              <a:rPr lang="it-IT" sz="700" dirty="0">
+                <a:solidFill>
+                  <a:schemeClr val="bg1"/>
+                </a:solidFill>
+              </a:rPr>
+              <a:t> action </a:t>
+            </a:r>
+            <a:r>
+              <a:rPr lang="it-IT" sz="700" dirty="0" err="1">
+                <a:solidFill>
+                  <a:schemeClr val="bg1"/>
+                </a:solidFill>
+              </a:rPr>
+              <a:t>interface</a:t>
+            </a:r>
+            <a:endParaRPr lang="it-IT" sz="700" dirty="0">
+              <a:solidFill>
+                <a:schemeClr val="bg1"/>
+              </a:solidFill>
+            </a:endParaRPr>
+          </a:p>
+        </p:txBody>
+      </p:sp>
+      <p:pic>
+        <p:nvPicPr>
+          <p:cNvPr id="20" name="Immagine 19">
+            <a:extLst>
+              <a:ext uri="{FF2B5EF4-FFF2-40B4-BE49-F238E27FC236}">
+                <a16:creationId xmlns:a16="http://schemas.microsoft.com/office/drawing/2014/main" id="{B79BD2FA-8358-BE3A-9946-7BB9552A9A8D}"/>
+              </a:ext>
+            </a:extLst>
+          </p:cNvPr>
+          <p:cNvPicPr>
+            <a:picLocks noChangeAspect="1"/>
+          </p:cNvPicPr>
+          <p:nvPr/>
+        </p:nvPicPr>
+        <p:blipFill rotWithShape="1">
+          <a:blip r:embed="rId3">
+            <a:extLst>
+              <a:ext uri="{28A0092B-C50C-407E-A947-70E740481C1C}">
+                <a14:useLocalDpi xmlns:a14="http://schemas.microsoft.com/office/drawing/2010/main" val="0"/>
+              </a:ext>
+            </a:extLst>
+          </a:blip>
+          <a:srcRect l="32276"/>
+          <a:stretch/>
+        </p:blipFill>
+        <p:spPr>
+          <a:xfrm rot="10800000">
+            <a:off x="8153400" y="4038066"/>
+            <a:ext cx="1435660" cy="236719"/>
+          </a:xfrm>
+          <a:prstGeom prst="rect">
+            <a:avLst/>
+          </a:prstGeom>
+        </p:spPr>
+      </p:pic>
+      <p:sp>
+        <p:nvSpPr>
+          <p:cNvPr id="21" name="CasellaDiTesto 20">
+            <a:extLst>
+              <a:ext uri="{FF2B5EF4-FFF2-40B4-BE49-F238E27FC236}">
+                <a16:creationId xmlns:a16="http://schemas.microsoft.com/office/drawing/2014/main" id="{15C0280C-9B96-F676-2E23-6BCF40B2A239}"/>
+              </a:ext>
+            </a:extLst>
+          </p:cNvPr>
+          <p:cNvSpPr txBox="1"/>
+          <p:nvPr/>
+        </p:nvSpPr>
+        <p:spPr>
+          <a:xfrm>
+            <a:off x="9521825" y="4038066"/>
+            <a:ext cx="1520825" cy="200055"/>
+          </a:xfrm>
+          <a:prstGeom prst="rect">
+            <a:avLst/>
+          </a:prstGeom>
+          <a:noFill/>
+        </p:spPr>
+        <p:txBody>
+          <a:bodyPr wrap="square" rtlCol="0">
+            <a:spAutoFit/>
+          </a:bodyPr>
+          <a:lstStyle/>
+          <a:p>
+            <a:r>
+              <a:rPr lang="it-IT" sz="700" dirty="0" err="1">
+                <a:solidFill>
+                  <a:schemeClr val="bg1"/>
+                </a:solidFill>
+              </a:rPr>
+              <a:t>Auth</a:t>
+            </a:r>
+            <a:r>
+              <a:rPr lang="it-IT" sz="700" dirty="0">
+                <a:solidFill>
+                  <a:schemeClr val="bg1"/>
+                </a:solidFill>
+              </a:rPr>
+              <a:t> manager </a:t>
+            </a:r>
+            <a:r>
+              <a:rPr lang="it-IT" sz="700" dirty="0" err="1">
+                <a:solidFill>
+                  <a:schemeClr val="bg1"/>
+                </a:solidFill>
+              </a:rPr>
+              <a:t>interface</a:t>
+            </a:r>
+            <a:endParaRPr lang="it-IT" sz="700" dirty="0">
+              <a:solidFill>
+                <a:schemeClr val="bg1"/>
+              </a:solidFill>
+            </a:endParaRPr>
+          </a:p>
+        </p:txBody>
+      </p:sp>
+    </p:spTree>
+    <p:extLst>
+      <p:ext uri="{BB962C8B-B14F-4D97-AF65-F5344CB8AC3E}">
+        <p14:creationId xmlns:p14="http://schemas.microsoft.com/office/powerpoint/2010/main" val="3241994233"/>
+      </p:ext>
+    </p:extLst>
+  </p:cSld>
+  <p:clrMapOvr>
+    <a:masterClrMapping/>
+  </p:clrMapOvr>
+  <mc:AlternateContent xmlns:mc="http://schemas.openxmlformats.org/markup-compatibility/2006">
+    <mc:Choice xmlns:p14="http://schemas.microsoft.com/office/powerpoint/2010/main" Requires="p14">
+      <p:transition spd="med" p14:dur="700">
+        <p:fade/>
+      </p:transition>
+    </mc:Choice>
+    <mc:Fallback>
+      <p:transition spd="med">
+        <p:fade/>
+      </p:transition>
+    </mc:Fallback>
+  </mc:AlternateContent>
+</p:sld>
+</file>
+
+<file path=ppt/slides/slide14.xml><?xml version="1.0" encoding="utf-8"?>
+<p:sld xmlns:a="http://schemas.openxmlformats.org/drawingml/2006/main" xmlns:r="http://schemas.openxmlformats.org/officeDocument/2006/relationships" xmlns:p="http://schemas.openxmlformats.org/presentationml/2006/main">
+  <p:cSld>
+    <p:spTree>
+      <p:nvGrpSpPr>
+        <p:cNvPr id="1" name="">
+          <a:extLst>
+            <a:ext uri="{FF2B5EF4-FFF2-40B4-BE49-F238E27FC236}">
+              <a16:creationId xmlns:a16="http://schemas.microsoft.com/office/drawing/2014/main" id="{4F4D6626-278D-10D9-65ED-FC8ACE7E189B}"/>
+            </a:ext>
+          </a:extLst>
+        </p:cNvPr>
+        <p:cNvGrpSpPr/>
+        <p:nvPr/>
+      </p:nvGrpSpPr>
+      <p:grpSpPr>
+        <a:xfrm>
+          <a:off x="0" y="0"/>
+          <a:ext cx="0" cy="0"/>
+          <a:chOff x="0" y="0"/>
+          <a:chExt cx="0" cy="0"/>
+        </a:xfrm>
+      </p:grpSpPr>
+      <p:sp>
+        <p:nvSpPr>
+          <p:cNvPr id="3" name="Titolo 2">
+            <a:extLst>
+              <a:ext uri="{FF2B5EF4-FFF2-40B4-BE49-F238E27FC236}">
+                <a16:creationId xmlns:a16="http://schemas.microsoft.com/office/drawing/2014/main" id="{F114AFEB-49AA-8791-0CAD-59CA9BC630F1}"/>
+              </a:ext>
+            </a:extLst>
+          </p:cNvPr>
+          <p:cNvSpPr>
+            <a:spLocks noGrp="1"/>
+          </p:cNvSpPr>
+          <p:nvPr>
+            <p:ph type="title"/>
+          </p:nvPr>
+        </p:nvSpPr>
+        <p:spPr/>
+        <p:txBody>
+          <a:bodyPr>
+            <a:normAutofit/>
+          </a:bodyPr>
+          <a:lstStyle/>
+          <a:p>
+            <a:r>
+              <a:rPr lang="it-IT" dirty="0" err="1"/>
+              <a:t>External</a:t>
+            </a:r>
+            <a:r>
+              <a:rPr lang="it-IT" dirty="0"/>
+              <a:t> </a:t>
+            </a:r>
+            <a:r>
+              <a:rPr lang="it-IT" dirty="0" err="1"/>
+              <a:t>interfaces</a:t>
+            </a:r>
+            <a:endParaRPr lang="it-IT" dirty="0"/>
+          </a:p>
+        </p:txBody>
+      </p:sp>
+      <p:sp>
+        <p:nvSpPr>
+          <p:cNvPr id="4" name="Segnaposto numero diapositiva 3">
+            <a:extLst>
+              <a:ext uri="{FF2B5EF4-FFF2-40B4-BE49-F238E27FC236}">
+                <a16:creationId xmlns:a16="http://schemas.microsoft.com/office/drawing/2014/main" id="{10EED9C0-E5CF-66DD-54F1-77DFA813228D}"/>
+              </a:ext>
+            </a:extLst>
+          </p:cNvPr>
+          <p:cNvSpPr>
+            <a:spLocks noGrp="1"/>
+          </p:cNvSpPr>
+          <p:nvPr>
+            <p:ph type="sldNum" sz="quarter" idx="13"/>
+          </p:nvPr>
+        </p:nvSpPr>
+        <p:spPr/>
+        <p:txBody>
+          <a:bodyPr/>
+          <a:lstStyle/>
+          <a:p>
+            <a:pPr rtl="0"/>
+            <a:fld id="{294A09A9-5501-47C1-A89A-A340965A2BE2}" type="slidenum">
+              <a:rPr lang="it-IT" noProof="0" smtClean="0"/>
+              <a:pPr rtl="0"/>
+              <a:t>14</a:t>
+            </a:fld>
+            <a:endParaRPr lang="it-IT" noProof="0">
+              <a:latin typeface="+mn-lt"/>
+            </a:endParaRPr>
+          </a:p>
+        </p:txBody>
+      </p:sp>
+      <p:sp>
+        <p:nvSpPr>
+          <p:cNvPr id="5" name="Segnaposto data 4">
+            <a:extLst>
+              <a:ext uri="{FF2B5EF4-FFF2-40B4-BE49-F238E27FC236}">
+                <a16:creationId xmlns:a16="http://schemas.microsoft.com/office/drawing/2014/main" id="{A0C19E64-3FD5-FDDD-527F-6A7D420FE7FD}"/>
+              </a:ext>
+            </a:extLst>
+          </p:cNvPr>
+          <p:cNvSpPr>
+            <a:spLocks noGrp="1"/>
+          </p:cNvSpPr>
+          <p:nvPr>
+            <p:ph type="dt" sz="half" idx="2"/>
+          </p:nvPr>
+        </p:nvSpPr>
+        <p:spPr/>
+        <p:txBody>
+          <a:bodyPr/>
+          <a:lstStyle/>
+          <a:p>
+            <a:r>
+              <a:rPr lang="it-IT"/>
+              <a:t>15 February 2024</a:t>
+            </a:r>
+            <a:endParaRPr lang="it-IT" dirty="0"/>
+          </a:p>
+        </p:txBody>
+      </p:sp>
+      <p:sp>
+        <p:nvSpPr>
+          <p:cNvPr id="6" name="Segnaposto piè di pagina 5">
+            <a:extLst>
+              <a:ext uri="{FF2B5EF4-FFF2-40B4-BE49-F238E27FC236}">
+                <a16:creationId xmlns:a16="http://schemas.microsoft.com/office/drawing/2014/main" id="{32821EC3-C9B2-EE4C-93B9-14AAE031EB26}"/>
+              </a:ext>
+            </a:extLst>
+          </p:cNvPr>
+          <p:cNvSpPr>
+            <a:spLocks noGrp="1"/>
+          </p:cNvSpPr>
+          <p:nvPr>
+            <p:ph type="ftr" sz="quarter" idx="3"/>
+          </p:nvPr>
+        </p:nvSpPr>
+        <p:spPr/>
+        <p:txBody>
+          <a:bodyPr/>
+          <a:lstStyle/>
+          <a:p>
+            <a:r>
+              <a:rPr lang="it-IT"/>
+              <a:t>CKB Platform</a:t>
+            </a:r>
+            <a:endParaRPr lang="it-IT" dirty="0"/>
+          </a:p>
+        </p:txBody>
+      </p:sp>
+      <p:pic>
+        <p:nvPicPr>
+          <p:cNvPr id="12" name="Immagine 11" descr="Immagine che contiene testo, schermata, diagramma, Rettangolo&#10;&#10;Descrizione generata automaticamente">
+            <a:extLst>
+              <a:ext uri="{FF2B5EF4-FFF2-40B4-BE49-F238E27FC236}">
+                <a16:creationId xmlns:a16="http://schemas.microsoft.com/office/drawing/2014/main" id="{A7A2518F-6B43-855F-B922-A9A34153A427}"/>
+              </a:ext>
+            </a:extLst>
+          </p:cNvPr>
+          <p:cNvPicPr>
+            <a:picLocks noChangeAspect="1"/>
+          </p:cNvPicPr>
+          <p:nvPr/>
+        </p:nvPicPr>
+        <p:blipFill>
+          <a:blip r:embed="rId2">
+            <a:extLst>
+              <a:ext uri="{28A0092B-C50C-407E-A947-70E740481C1C}">
+                <a14:useLocalDpi xmlns:a14="http://schemas.microsoft.com/office/drawing/2010/main" val="0"/>
+              </a:ext>
+            </a:extLst>
+          </a:blip>
+          <a:stretch>
+            <a:fillRect/>
+          </a:stretch>
+        </p:blipFill>
+        <p:spPr>
+          <a:xfrm>
+            <a:off x="4025552" y="559837"/>
+            <a:ext cx="5689778" cy="5738326"/>
+          </a:xfrm>
+          <a:prstGeom prst="rect">
+            <a:avLst/>
+          </a:prstGeom>
+        </p:spPr>
+      </p:pic>
+      <p:pic>
+        <p:nvPicPr>
+          <p:cNvPr id="11" name="Immagine 10">
+            <a:extLst>
+              <a:ext uri="{FF2B5EF4-FFF2-40B4-BE49-F238E27FC236}">
+                <a16:creationId xmlns:a16="http://schemas.microsoft.com/office/drawing/2014/main" id="{04A7611F-A57A-BF6A-5CDC-F1514412CB8A}"/>
+              </a:ext>
+            </a:extLst>
+          </p:cNvPr>
+          <p:cNvPicPr>
+            <a:picLocks noChangeAspect="1"/>
+          </p:cNvPicPr>
+          <p:nvPr/>
+        </p:nvPicPr>
+        <p:blipFill rotWithShape="1">
+          <a:blip r:embed="rId3">
+            <a:alphaModFix amt="35000"/>
+            <a:extLst>
+              <a:ext uri="{28A0092B-C50C-407E-A947-70E740481C1C}">
+                <a14:useLocalDpi xmlns:a14="http://schemas.microsoft.com/office/drawing/2010/main" val="0"/>
+              </a:ext>
+            </a:extLst>
+          </a:blip>
+          <a:srcRect l="32276"/>
+          <a:stretch/>
+        </p:blipFill>
+        <p:spPr>
+          <a:xfrm>
+            <a:off x="3270250" y="2916371"/>
+            <a:ext cx="1435660" cy="236719"/>
+          </a:xfrm>
+          <a:prstGeom prst="rect">
+            <a:avLst/>
+          </a:prstGeom>
+        </p:spPr>
+      </p:pic>
+      <p:sp>
+        <p:nvSpPr>
+          <p:cNvPr id="13" name="CasellaDiTesto 12">
+            <a:extLst>
+              <a:ext uri="{FF2B5EF4-FFF2-40B4-BE49-F238E27FC236}">
+                <a16:creationId xmlns:a16="http://schemas.microsoft.com/office/drawing/2014/main" id="{A09F5451-1349-243D-F00F-42409D5F54FD}"/>
+              </a:ext>
+            </a:extLst>
+          </p:cNvPr>
+          <p:cNvSpPr txBox="1"/>
+          <p:nvPr/>
+        </p:nvSpPr>
+        <p:spPr>
+          <a:xfrm>
+            <a:off x="1749425" y="2916371"/>
+            <a:ext cx="1520825" cy="200055"/>
+          </a:xfrm>
+          <a:prstGeom prst="rect">
+            <a:avLst/>
+          </a:prstGeom>
+          <a:noFill/>
+        </p:spPr>
+        <p:txBody>
+          <a:bodyPr wrap="square" rtlCol="0">
+            <a:spAutoFit/>
+          </a:bodyPr>
+          <a:lstStyle/>
+          <a:p>
+            <a:pPr algn="r"/>
+            <a:r>
+              <a:rPr lang="it-IT" sz="700" dirty="0" err="1">
+                <a:solidFill>
+                  <a:schemeClr val="tx1">
+                    <a:lumMod val="75000"/>
+                  </a:schemeClr>
+                </a:solidFill>
+              </a:rPr>
+              <a:t>Profile</a:t>
+            </a:r>
+            <a:r>
+              <a:rPr lang="it-IT" sz="700" dirty="0">
+                <a:solidFill>
+                  <a:schemeClr val="tx1">
+                    <a:lumMod val="75000"/>
+                  </a:schemeClr>
+                </a:solidFill>
+              </a:rPr>
+              <a:t> </a:t>
+            </a:r>
+            <a:r>
+              <a:rPr lang="it-IT" sz="700" dirty="0" err="1">
+                <a:solidFill>
+                  <a:schemeClr val="tx1">
+                    <a:lumMod val="75000"/>
+                  </a:schemeClr>
+                </a:solidFill>
+              </a:rPr>
+              <a:t>inspector</a:t>
+            </a:r>
+            <a:r>
+              <a:rPr lang="it-IT" sz="700" dirty="0">
+                <a:solidFill>
+                  <a:schemeClr val="tx1">
+                    <a:lumMod val="75000"/>
+                  </a:schemeClr>
+                </a:solidFill>
+              </a:rPr>
+              <a:t> </a:t>
+            </a:r>
+            <a:r>
+              <a:rPr lang="it-IT" sz="700" dirty="0" err="1">
+                <a:solidFill>
+                  <a:schemeClr val="tx1">
+                    <a:lumMod val="75000"/>
+                  </a:schemeClr>
+                </a:solidFill>
+              </a:rPr>
+              <a:t>interface</a:t>
+            </a:r>
+            <a:endParaRPr lang="it-IT" sz="700" dirty="0">
+              <a:solidFill>
+                <a:schemeClr val="tx1">
+                  <a:lumMod val="75000"/>
+                </a:schemeClr>
+              </a:solidFill>
+            </a:endParaRPr>
+          </a:p>
+        </p:txBody>
+      </p:sp>
+      <p:pic>
+        <p:nvPicPr>
+          <p:cNvPr id="14" name="Immagine 13">
+            <a:extLst>
+              <a:ext uri="{FF2B5EF4-FFF2-40B4-BE49-F238E27FC236}">
+                <a16:creationId xmlns:a16="http://schemas.microsoft.com/office/drawing/2014/main" id="{7B800AC2-D493-B08E-2A7D-A8BF281D6B28}"/>
+              </a:ext>
+            </a:extLst>
+          </p:cNvPr>
+          <p:cNvPicPr>
+            <a:picLocks noChangeAspect="1"/>
+          </p:cNvPicPr>
+          <p:nvPr/>
+        </p:nvPicPr>
+        <p:blipFill rotWithShape="1">
+          <a:blip r:embed="rId3">
+            <a:alphaModFix amt="35000"/>
+            <a:extLst>
+              <a:ext uri="{28A0092B-C50C-407E-A947-70E740481C1C}">
+                <a14:useLocalDpi xmlns:a14="http://schemas.microsoft.com/office/drawing/2010/main" val="0"/>
+              </a:ext>
+            </a:extLst>
+          </a:blip>
+          <a:srcRect l="32276"/>
+          <a:stretch/>
+        </p:blipFill>
+        <p:spPr>
+          <a:xfrm>
+            <a:off x="3270250" y="3429000"/>
+            <a:ext cx="1435660" cy="236719"/>
+          </a:xfrm>
+          <a:prstGeom prst="rect">
+            <a:avLst/>
+          </a:prstGeom>
+        </p:spPr>
+      </p:pic>
+      <p:sp>
+        <p:nvSpPr>
+          <p:cNvPr id="15" name="CasellaDiTesto 14">
+            <a:extLst>
+              <a:ext uri="{FF2B5EF4-FFF2-40B4-BE49-F238E27FC236}">
+                <a16:creationId xmlns:a16="http://schemas.microsoft.com/office/drawing/2014/main" id="{7F47C833-CC74-D6E0-B4A9-D9D65AF7BD85}"/>
+              </a:ext>
+            </a:extLst>
+          </p:cNvPr>
+          <p:cNvSpPr txBox="1"/>
+          <p:nvPr/>
+        </p:nvSpPr>
+        <p:spPr>
+          <a:xfrm>
+            <a:off x="1749425" y="3429000"/>
+            <a:ext cx="1520825" cy="200055"/>
+          </a:xfrm>
+          <a:prstGeom prst="rect">
+            <a:avLst/>
+          </a:prstGeom>
+          <a:noFill/>
+        </p:spPr>
+        <p:txBody>
+          <a:bodyPr wrap="square" rtlCol="0">
+            <a:spAutoFit/>
+          </a:bodyPr>
+          <a:lstStyle/>
+          <a:p>
+            <a:pPr algn="r"/>
+            <a:r>
+              <a:rPr lang="it-IT" sz="700" dirty="0">
+                <a:solidFill>
+                  <a:schemeClr val="tx1">
+                    <a:lumMod val="75000"/>
+                  </a:schemeClr>
+                </a:solidFill>
+              </a:rPr>
+              <a:t>Badges action </a:t>
+            </a:r>
+            <a:r>
+              <a:rPr lang="it-IT" sz="700" dirty="0" err="1">
+                <a:solidFill>
+                  <a:schemeClr val="tx1">
+                    <a:lumMod val="75000"/>
+                  </a:schemeClr>
+                </a:solidFill>
+              </a:rPr>
+              <a:t>interface</a:t>
+            </a:r>
+            <a:endParaRPr lang="it-IT" sz="700" dirty="0">
+              <a:solidFill>
+                <a:schemeClr val="tx1">
+                  <a:lumMod val="75000"/>
+                </a:schemeClr>
+              </a:solidFill>
+            </a:endParaRPr>
+          </a:p>
+        </p:txBody>
+      </p:sp>
+      <p:pic>
+        <p:nvPicPr>
+          <p:cNvPr id="16" name="Immagine 15">
+            <a:extLst>
+              <a:ext uri="{FF2B5EF4-FFF2-40B4-BE49-F238E27FC236}">
+                <a16:creationId xmlns:a16="http://schemas.microsoft.com/office/drawing/2014/main" id="{925DAA32-549D-5BBE-90ED-1EA17DBC6BC6}"/>
+              </a:ext>
+            </a:extLst>
+          </p:cNvPr>
+          <p:cNvPicPr>
+            <a:picLocks noChangeAspect="1"/>
+          </p:cNvPicPr>
+          <p:nvPr/>
+        </p:nvPicPr>
+        <p:blipFill rotWithShape="1">
+          <a:blip r:embed="rId3">
+            <a:alphaModFix amt="35000"/>
+            <a:extLst>
+              <a:ext uri="{28A0092B-C50C-407E-A947-70E740481C1C}">
+                <a14:useLocalDpi xmlns:a14="http://schemas.microsoft.com/office/drawing/2010/main" val="0"/>
+              </a:ext>
+            </a:extLst>
+          </a:blip>
+          <a:srcRect l="32276"/>
+          <a:stretch/>
+        </p:blipFill>
+        <p:spPr>
+          <a:xfrm>
+            <a:off x="3270250" y="4038067"/>
+            <a:ext cx="1435660" cy="236719"/>
+          </a:xfrm>
+          <a:prstGeom prst="rect">
+            <a:avLst/>
+          </a:prstGeom>
+        </p:spPr>
+      </p:pic>
+      <p:sp>
+        <p:nvSpPr>
+          <p:cNvPr id="17" name="CasellaDiTesto 16">
+            <a:extLst>
+              <a:ext uri="{FF2B5EF4-FFF2-40B4-BE49-F238E27FC236}">
+                <a16:creationId xmlns:a16="http://schemas.microsoft.com/office/drawing/2014/main" id="{90FADC01-13DC-5F7A-A859-678BFFFC318B}"/>
+              </a:ext>
+            </a:extLst>
+          </p:cNvPr>
+          <p:cNvSpPr txBox="1"/>
+          <p:nvPr/>
+        </p:nvSpPr>
+        <p:spPr>
+          <a:xfrm>
+            <a:off x="1749425" y="4038067"/>
+            <a:ext cx="1520825" cy="200055"/>
+          </a:xfrm>
+          <a:prstGeom prst="rect">
+            <a:avLst/>
+          </a:prstGeom>
+          <a:noFill/>
+        </p:spPr>
+        <p:txBody>
+          <a:bodyPr wrap="square" rtlCol="0">
+            <a:spAutoFit/>
+          </a:bodyPr>
+          <a:lstStyle/>
+          <a:p>
+            <a:pPr algn="r"/>
+            <a:r>
+              <a:rPr lang="it-IT" sz="700" dirty="0" err="1">
+                <a:solidFill>
+                  <a:schemeClr val="tx1">
+                    <a:lumMod val="75000"/>
+                  </a:schemeClr>
+                </a:solidFill>
+              </a:rPr>
+              <a:t>Battles</a:t>
+            </a:r>
+            <a:r>
+              <a:rPr lang="it-IT" sz="700" dirty="0">
+                <a:solidFill>
+                  <a:schemeClr val="tx1">
+                    <a:lumMod val="75000"/>
+                  </a:schemeClr>
+                </a:solidFill>
+              </a:rPr>
+              <a:t> action </a:t>
+            </a:r>
+            <a:r>
+              <a:rPr lang="it-IT" sz="700" dirty="0" err="1">
+                <a:solidFill>
+                  <a:schemeClr val="tx1">
+                    <a:lumMod val="75000"/>
+                  </a:schemeClr>
+                </a:solidFill>
+              </a:rPr>
+              <a:t>interface</a:t>
+            </a:r>
+            <a:endParaRPr lang="it-IT" sz="700" dirty="0">
+              <a:solidFill>
+                <a:schemeClr val="tx1">
+                  <a:lumMod val="75000"/>
+                </a:schemeClr>
+              </a:solidFill>
+            </a:endParaRPr>
+          </a:p>
+        </p:txBody>
+      </p:sp>
+      <p:pic>
+        <p:nvPicPr>
+          <p:cNvPr id="18" name="Immagine 17">
+            <a:extLst>
+              <a:ext uri="{FF2B5EF4-FFF2-40B4-BE49-F238E27FC236}">
+                <a16:creationId xmlns:a16="http://schemas.microsoft.com/office/drawing/2014/main" id="{4364330B-C299-30E5-4DD6-FD83E486D6C2}"/>
+              </a:ext>
+            </a:extLst>
+          </p:cNvPr>
+          <p:cNvPicPr>
+            <a:picLocks noChangeAspect="1"/>
+          </p:cNvPicPr>
+          <p:nvPr/>
+        </p:nvPicPr>
+        <p:blipFill rotWithShape="1">
+          <a:blip r:embed="rId3">
+            <a:alphaModFix amt="35000"/>
+            <a:extLst>
+              <a:ext uri="{28A0092B-C50C-407E-A947-70E740481C1C}">
+                <a14:useLocalDpi xmlns:a14="http://schemas.microsoft.com/office/drawing/2010/main" val="0"/>
+              </a:ext>
+            </a:extLst>
+          </a:blip>
+          <a:srcRect l="32276"/>
+          <a:stretch/>
+        </p:blipFill>
+        <p:spPr>
+          <a:xfrm>
+            <a:off x="3270250" y="5010469"/>
+            <a:ext cx="1435660" cy="236719"/>
+          </a:xfrm>
+          <a:prstGeom prst="rect">
+            <a:avLst/>
+          </a:prstGeom>
+        </p:spPr>
+      </p:pic>
+      <p:sp>
+        <p:nvSpPr>
+          <p:cNvPr id="19" name="CasellaDiTesto 18">
+            <a:extLst>
+              <a:ext uri="{FF2B5EF4-FFF2-40B4-BE49-F238E27FC236}">
+                <a16:creationId xmlns:a16="http://schemas.microsoft.com/office/drawing/2014/main" id="{6E160CAC-DEA1-5079-0C82-52DDF7472142}"/>
+              </a:ext>
+            </a:extLst>
+          </p:cNvPr>
+          <p:cNvSpPr txBox="1"/>
+          <p:nvPr/>
+        </p:nvSpPr>
+        <p:spPr>
+          <a:xfrm>
+            <a:off x="1749425" y="5010469"/>
+            <a:ext cx="1520825" cy="200055"/>
+          </a:xfrm>
+          <a:prstGeom prst="rect">
+            <a:avLst/>
+          </a:prstGeom>
+          <a:noFill/>
+        </p:spPr>
+        <p:txBody>
+          <a:bodyPr wrap="square" rtlCol="0">
+            <a:spAutoFit/>
+          </a:bodyPr>
+          <a:lstStyle/>
+          <a:p>
+            <a:pPr algn="r"/>
+            <a:r>
+              <a:rPr lang="it-IT" sz="700" dirty="0" err="1">
+                <a:solidFill>
+                  <a:schemeClr val="tx1">
+                    <a:lumMod val="75000"/>
+                  </a:schemeClr>
+                </a:solidFill>
+              </a:rPr>
+              <a:t>Tournaments</a:t>
+            </a:r>
+            <a:r>
+              <a:rPr lang="it-IT" sz="700" dirty="0">
+                <a:solidFill>
+                  <a:schemeClr val="tx1">
+                    <a:lumMod val="75000"/>
+                  </a:schemeClr>
+                </a:solidFill>
+              </a:rPr>
+              <a:t> action </a:t>
+            </a:r>
+            <a:r>
+              <a:rPr lang="it-IT" sz="700" dirty="0" err="1">
+                <a:solidFill>
+                  <a:schemeClr val="tx1">
+                    <a:lumMod val="75000"/>
+                  </a:schemeClr>
+                </a:solidFill>
+              </a:rPr>
+              <a:t>interface</a:t>
+            </a:r>
+            <a:endParaRPr lang="it-IT" sz="700" dirty="0">
+              <a:solidFill>
+                <a:schemeClr val="tx1">
+                  <a:lumMod val="75000"/>
+                </a:schemeClr>
+              </a:solidFill>
+            </a:endParaRPr>
+          </a:p>
+        </p:txBody>
+      </p:sp>
+      <p:pic>
+        <p:nvPicPr>
+          <p:cNvPr id="20" name="Immagine 19">
+            <a:extLst>
+              <a:ext uri="{FF2B5EF4-FFF2-40B4-BE49-F238E27FC236}">
+                <a16:creationId xmlns:a16="http://schemas.microsoft.com/office/drawing/2014/main" id="{E97B763C-EF8E-2592-86BF-DB6FF0476016}"/>
+              </a:ext>
+            </a:extLst>
+          </p:cNvPr>
+          <p:cNvPicPr>
+            <a:picLocks noChangeAspect="1"/>
+          </p:cNvPicPr>
+          <p:nvPr/>
+        </p:nvPicPr>
+        <p:blipFill rotWithShape="1">
+          <a:blip r:embed="rId3">
+            <a:alphaModFix amt="35000"/>
+            <a:extLst>
+              <a:ext uri="{28A0092B-C50C-407E-A947-70E740481C1C}">
+                <a14:useLocalDpi xmlns:a14="http://schemas.microsoft.com/office/drawing/2010/main" val="0"/>
+              </a:ext>
+            </a:extLst>
+          </a:blip>
+          <a:srcRect l="32276"/>
+          <a:stretch/>
+        </p:blipFill>
+        <p:spPr>
+          <a:xfrm rot="10800000">
+            <a:off x="8153400" y="4038066"/>
+            <a:ext cx="1435660" cy="236719"/>
+          </a:xfrm>
+          <a:prstGeom prst="rect">
+            <a:avLst/>
+          </a:prstGeom>
+        </p:spPr>
+      </p:pic>
+      <p:sp>
+        <p:nvSpPr>
+          <p:cNvPr id="21" name="CasellaDiTesto 20">
+            <a:extLst>
+              <a:ext uri="{FF2B5EF4-FFF2-40B4-BE49-F238E27FC236}">
+                <a16:creationId xmlns:a16="http://schemas.microsoft.com/office/drawing/2014/main" id="{D3398F1A-091E-FAC9-01ED-CC214DC779FE}"/>
+              </a:ext>
+            </a:extLst>
+          </p:cNvPr>
+          <p:cNvSpPr txBox="1"/>
+          <p:nvPr/>
+        </p:nvSpPr>
+        <p:spPr>
+          <a:xfrm>
+            <a:off x="9521825" y="4038066"/>
+            <a:ext cx="1520825" cy="200055"/>
+          </a:xfrm>
+          <a:prstGeom prst="rect">
+            <a:avLst/>
+          </a:prstGeom>
+          <a:noFill/>
+        </p:spPr>
+        <p:txBody>
+          <a:bodyPr wrap="square" rtlCol="0">
+            <a:spAutoFit/>
+          </a:bodyPr>
+          <a:lstStyle/>
+          <a:p>
+            <a:r>
+              <a:rPr lang="it-IT" sz="700" dirty="0" err="1">
+                <a:solidFill>
+                  <a:schemeClr val="tx1">
+                    <a:lumMod val="75000"/>
+                  </a:schemeClr>
+                </a:solidFill>
+              </a:rPr>
+              <a:t>Auth</a:t>
+            </a:r>
+            <a:r>
+              <a:rPr lang="it-IT" sz="700" dirty="0">
+                <a:solidFill>
+                  <a:schemeClr val="tx1">
+                    <a:lumMod val="75000"/>
+                  </a:schemeClr>
+                </a:solidFill>
+              </a:rPr>
+              <a:t> manager </a:t>
+            </a:r>
+            <a:r>
+              <a:rPr lang="it-IT" sz="700" dirty="0" err="1">
+                <a:solidFill>
+                  <a:schemeClr val="tx1">
+                    <a:lumMod val="75000"/>
+                  </a:schemeClr>
+                </a:solidFill>
+              </a:rPr>
+              <a:t>interface</a:t>
+            </a:r>
+            <a:endParaRPr lang="it-IT" sz="700" dirty="0">
+              <a:solidFill>
+                <a:schemeClr val="tx1">
+                  <a:lumMod val="75000"/>
+                </a:schemeClr>
+              </a:solidFill>
+            </a:endParaRPr>
+          </a:p>
+        </p:txBody>
+      </p:sp>
+      <p:pic>
+        <p:nvPicPr>
+          <p:cNvPr id="7" name="Immagine 6" descr="Immagine che contiene schermata, nero, testo&#10;&#10;Descrizione generata automaticamente">
+            <a:extLst>
+              <a:ext uri="{FF2B5EF4-FFF2-40B4-BE49-F238E27FC236}">
+                <a16:creationId xmlns:a16="http://schemas.microsoft.com/office/drawing/2014/main" id="{337303D7-7A86-D195-22AD-4864A38CCC39}"/>
+              </a:ext>
+            </a:extLst>
+          </p:cNvPr>
+          <p:cNvPicPr>
+            <a:picLocks noChangeAspect="1"/>
+          </p:cNvPicPr>
+          <p:nvPr/>
+        </p:nvPicPr>
+        <p:blipFill>
+          <a:blip r:embed="rId4">
+            <a:extLst>
+              <a:ext uri="{28A0092B-C50C-407E-A947-70E740481C1C}">
+                <a14:useLocalDpi xmlns:a14="http://schemas.microsoft.com/office/drawing/2010/main" val="0"/>
+              </a:ext>
+            </a:extLst>
+          </a:blip>
+          <a:stretch>
+            <a:fillRect/>
+          </a:stretch>
+        </p:blipFill>
+        <p:spPr>
+          <a:xfrm rot="16200000">
+            <a:off x="6489292" y="5873023"/>
+            <a:ext cx="1138360" cy="237232"/>
+          </a:xfrm>
+          <a:prstGeom prst="rect">
+            <a:avLst/>
+          </a:prstGeom>
+        </p:spPr>
+      </p:pic>
+    </p:spTree>
+    <p:extLst>
+      <p:ext uri="{BB962C8B-B14F-4D97-AF65-F5344CB8AC3E}">
+        <p14:creationId xmlns:p14="http://schemas.microsoft.com/office/powerpoint/2010/main" val="1652039143"/>
+      </p:ext>
+    </p:extLst>
+  </p:cSld>
+  <p:clrMapOvr>
+    <a:masterClrMapping/>
+  </p:clrMapOvr>
+  <mc:AlternateContent xmlns:mc="http://schemas.openxmlformats.org/markup-compatibility/2006">
+    <mc:Choice xmlns:p14="http://schemas.microsoft.com/office/powerpoint/2010/main" Requires="p14">
+      <p:transition spd="med" p14:dur="700">
+        <p:fade/>
+      </p:transition>
+    </mc:Choice>
+    <mc:Fallback>
+      <p:transition spd="med">
+        <p:fade/>
+      </p:transition>
+    </mc:Fallback>
+  </mc:AlternateContent>
+</p:sld>
+</file>
+
+<file path=ppt/slides/slide15.xml><?xml version="1.0" encoding="utf-8"?>
+<p:sld xmlns:a="http://schemas.openxmlformats.org/drawingml/2006/main" xmlns:r="http://schemas.openxmlformats.org/officeDocument/2006/relationships" xmlns:p="http://schemas.openxmlformats.org/presentationml/2006/main">
+  <p:cSld>
+    <p:spTree>
+      <p:nvGrpSpPr>
+        <p:cNvPr id="1" name=""/>
+        <p:cNvGrpSpPr/>
+        <p:nvPr/>
+      </p:nvGrpSpPr>
+      <p:grpSpPr>
+        <a:xfrm>
+          <a:off x="0" y="0"/>
+          <a:ext cx="0" cy="0"/>
+          <a:chOff x="0" y="0"/>
+          <a:chExt cx="0" cy="0"/>
+        </a:xfrm>
+      </p:grpSpPr>
+      <p:sp>
+        <p:nvSpPr>
+          <p:cNvPr id="3" name="Titolo 2">
+            <a:extLst>
+              <a:ext uri="{FF2B5EF4-FFF2-40B4-BE49-F238E27FC236}">
                 <a16:creationId xmlns:a16="http://schemas.microsoft.com/office/drawing/2014/main" id="{1353F689-2E51-BF4F-AE47-7CEB7CC4C52A}"/>
               </a:ext>
             </a:extLst>
@@ -18490,7 +20170,7 @@
             <a:fld id="{294A09A9-5501-47C1-A89A-A340965A2BE2}" type="slidenum">
               <a:rPr lang="it-IT" smtClean="0"/>
               <a:pPr rtl="0"/>
-              <a:t>12</a:t>
+              <a:t>15</a:t>
             </a:fld>
             <a:endParaRPr lang="it-IT"/>
           </a:p>
@@ -18559,7 +20239,7 @@
             <a:pPr rtl="0"/>
             <a:fld id="{B7909059-8104-4590-BD91-254A7C1B3A73}" type="datetime4">
               <a:rPr lang="it-IT" smtClean="0"/>
-              <a:t>8 febbraio 2024</a:t>
+              <a:t>9 febbraio 2024</a:t>
             </a:fld>
             <a:endParaRPr lang="it-IT"/>
           </a:p>
@@ -18609,7 +20289,7 @@
 </p:sld>
 </file>
 
-<file path=ppt/slides/slide13.xml><?xml version="1.0" encoding="utf-8"?>
+<file path=ppt/slides/slide16.xml><?xml version="1.0" encoding="utf-8"?>
 <p:sld xmlns:a="http://schemas.openxmlformats.org/drawingml/2006/main" xmlns:r="http://schemas.openxmlformats.org/officeDocument/2006/relationships" xmlns:p="http://schemas.openxmlformats.org/presentationml/2006/main">
   <p:cSld>
     <p:bg>
@@ -18761,7 +20441,7 @@
 </p:sld>
 </file>
 
-<file path=ppt/slides/slide14.xml><?xml version="1.0" encoding="utf-8"?>
+<file path=ppt/slides/slide17.xml><?xml version="1.0" encoding="utf-8"?>
 <p:sld xmlns:a="http://schemas.openxmlformats.org/drawingml/2006/main" xmlns:r="http://schemas.openxmlformats.org/officeDocument/2006/relationships" xmlns:p="http://schemas.openxmlformats.org/presentationml/2006/main">
   <p:cSld>
     <p:spTree>
@@ -18878,7 +20558,7 @@
             <a:fld id="{294A09A9-5501-47C1-A89A-A340965A2BE2}" type="slidenum">
               <a:rPr lang="it-IT" smtClean="0"/>
               <a:pPr rtl="0"/>
-              <a:t>14</a:t>
+              <a:t>17</a:t>
             </a:fld>
             <a:endParaRPr lang="it-IT" dirty="0"/>
           </a:p>
@@ -18947,7 +20627,7 @@
             <a:pPr rtl="0"/>
             <a:fld id="{F0B847ED-5244-47E3-B60B-10B5D88F0067}" type="datetime4">
               <a:rPr lang="it-IT" smtClean="0"/>
-              <a:t>8 febbraio 2024</a:t>
+              <a:t>9 febbraio 2024</a:t>
             </a:fld>
             <a:endParaRPr lang="it-IT" dirty="0"/>
           </a:p>
@@ -18966,7 +20646,7 @@
 </p:sld>
 </file>
 
-<file path=ppt/slides/slide15.xml><?xml version="1.0" encoding="utf-8"?>
+<file path=ppt/slides/slide18.xml><?xml version="1.0" encoding="utf-8"?>
 <p:sld xmlns:a="http://schemas.openxmlformats.org/drawingml/2006/main" xmlns:r="http://schemas.openxmlformats.org/officeDocument/2006/relationships" xmlns:p="http://schemas.openxmlformats.org/presentationml/2006/main">
   <p:cSld>
     <p:spTree>
@@ -20403,7 +22083,7 @@
             <a:fld id="{294A09A9-5501-47C1-A89A-A340965A2BE2}" type="slidenum">
               <a:rPr lang="it-IT" smtClean="0"/>
               <a:pPr rtl="0"/>
-              <a:t>15</a:t>
+              <a:t>18</a:t>
             </a:fld>
             <a:endParaRPr lang="it-IT"/>
           </a:p>
@@ -20472,7 +22152,7 @@
             <a:pPr rtl="0"/>
             <a:fld id="{0A4F2767-5A6E-4CE1-9466-60A9FD38B915}" type="datetime4">
               <a:rPr lang="it-IT" smtClean="0"/>
-              <a:t>8 febbraio 2024</a:t>
+              <a:t>9 febbraio 2024</a:t>
             </a:fld>
             <a:endParaRPr lang="it-IT"/>
           </a:p>
@@ -20482,1223 +22162,6 @@
     <p:extLst>
       <p:ext uri="{BB962C8B-B14F-4D97-AF65-F5344CB8AC3E}">
         <p14:creationId xmlns:p14="http://schemas.microsoft.com/office/powerpoint/2010/main" val="1556310685"/>
-      </p:ext>
-    </p:extLst>
-  </p:cSld>
-  <p:clrMapOvr>
-    <a:masterClrMapping/>
-  </p:clrMapOvr>
-</p:sld>
-</file>
-
-<file path=ppt/slides/slide16.xml><?xml version="1.0" encoding="utf-8"?>
-<p:sld xmlns:a="http://schemas.openxmlformats.org/drawingml/2006/main" xmlns:r="http://schemas.openxmlformats.org/officeDocument/2006/relationships" xmlns:p="http://schemas.openxmlformats.org/presentationml/2006/main">
-  <p:cSld>
-    <p:spTree>
-      <p:nvGrpSpPr>
-        <p:cNvPr id="1" name=""/>
-        <p:cNvGrpSpPr/>
-        <p:nvPr/>
-      </p:nvGrpSpPr>
-      <p:grpSpPr>
-        <a:xfrm>
-          <a:off x="0" y="0"/>
-          <a:ext cx="0" cy="0"/>
-          <a:chOff x="0" y="0"/>
-          <a:chExt cx="0" cy="0"/>
-        </a:xfrm>
-      </p:grpSpPr>
-      <p:sp>
-        <p:nvSpPr>
-          <p:cNvPr id="2" name="Titolo 1">
-            <a:extLst>
-              <a:ext uri="{FF2B5EF4-FFF2-40B4-BE49-F238E27FC236}">
-                <a16:creationId xmlns:a16="http://schemas.microsoft.com/office/drawing/2014/main" id="{737728DC-195E-4A4E-AEBA-5E0D1DB03B76}"/>
-              </a:ext>
-            </a:extLst>
-          </p:cNvPr>
-          <p:cNvSpPr>
-            <a:spLocks noGrp="1"/>
-          </p:cNvSpPr>
-          <p:nvPr>
-            <p:ph type="title"/>
-          </p:nvPr>
-        </p:nvSpPr>
-        <p:spPr>
-          <a:xfrm>
-            <a:off x="964022" y="2476500"/>
-            <a:ext cx="7132320" cy="3289971"/>
-          </a:xfrm>
-        </p:spPr>
-        <p:txBody>
-          <a:bodyPr rtlCol="0"/>
-          <a:lstStyle/>
-          <a:p>
-            <a:pPr rtl="0"/>
-            <a:r>
-              <a:rPr lang="it-IT"/>
-              <a:t>Lavorare con Contoso è stato fantastico. </a:t>
-            </a:r>
-            <a:br>
-              <a:rPr lang="it-IT"/>
-            </a:br>
-            <a:r>
-              <a:rPr lang="it-IT"/>
-              <a:t>Filippa era la mia rappresentante e ha anticipato ogni mia esigenza, lavorando diligentemente alla soluzione del problema.</a:t>
-            </a:r>
-            <a:br>
-              <a:rPr lang="it-IT"/>
-            </a:br>
-            <a:endParaRPr lang="it-IT"/>
-          </a:p>
-        </p:txBody>
-      </p:sp>
-    </p:spTree>
-    <p:extLst>
-      <p:ext uri="{BB962C8B-B14F-4D97-AF65-F5344CB8AC3E}">
-        <p14:creationId xmlns:p14="http://schemas.microsoft.com/office/powerpoint/2010/main" val="4206035864"/>
-      </p:ext>
-    </p:extLst>
-  </p:cSld>
-  <p:clrMapOvr>
-    <a:masterClrMapping/>
-  </p:clrMapOvr>
-</p:sld>
-</file>
-
-<file path=ppt/slides/slide17.xml><?xml version="1.0" encoding="utf-8"?>
-<p:sld xmlns:a="http://schemas.openxmlformats.org/drawingml/2006/main" xmlns:r="http://schemas.openxmlformats.org/officeDocument/2006/relationships" xmlns:p="http://schemas.openxmlformats.org/presentationml/2006/main">
-  <p:cSld>
-    <p:spTree>
-      <p:nvGrpSpPr>
-        <p:cNvPr id="1" name=""/>
-        <p:cNvGrpSpPr/>
-        <p:nvPr/>
-      </p:nvGrpSpPr>
-      <p:grpSpPr>
-        <a:xfrm>
-          <a:off x="0" y="0"/>
-          <a:ext cx="0" cy="0"/>
-          <a:chOff x="0" y="0"/>
-          <a:chExt cx="0" cy="0"/>
-        </a:xfrm>
-      </p:grpSpPr>
-      <p:sp>
-        <p:nvSpPr>
-          <p:cNvPr id="3" name="Titolo 2">
-            <a:extLst>
-              <a:ext uri="{FF2B5EF4-FFF2-40B4-BE49-F238E27FC236}">
-                <a16:creationId xmlns:a16="http://schemas.microsoft.com/office/drawing/2014/main" id="{01EB1D7F-284F-6F46-99FA-EBB8ED69D7EA}"/>
-              </a:ext>
-            </a:extLst>
-          </p:cNvPr>
-          <p:cNvSpPr>
-            <a:spLocks noGrp="1"/>
-          </p:cNvSpPr>
-          <p:nvPr>
-            <p:ph type="title"/>
-          </p:nvPr>
-        </p:nvSpPr>
-        <p:spPr>
-          <a:xfrm>
-            <a:off x="964022" y="879063"/>
-            <a:ext cx="7532277" cy="610863"/>
-          </a:xfrm>
-        </p:spPr>
-        <p:txBody>
-          <a:bodyPr rtlCol="0"/>
-          <a:lstStyle/>
-          <a:p>
-            <a:pPr rtl="0"/>
-            <a:r>
-              <a:rPr lang="it-IT" dirty="0"/>
-              <a:t>Il nostro team</a:t>
-            </a:r>
-          </a:p>
-        </p:txBody>
-      </p:sp>
-      <p:pic>
-        <p:nvPicPr>
-          <p:cNvPr id="37" name="Segnaposto immagine 36" descr="Ritratto di un membro del team">
-            <a:extLst>
-              <a:ext uri="{FF2B5EF4-FFF2-40B4-BE49-F238E27FC236}">
-                <a16:creationId xmlns:a16="http://schemas.microsoft.com/office/drawing/2014/main" id="{A6DA57CA-945B-4A0F-8110-3C4D57993698}"/>
-              </a:ext>
-            </a:extLst>
-          </p:cNvPr>
-          <p:cNvPicPr>
-            <a:picLocks noGrp="1" noChangeAspect="1"/>
-          </p:cNvPicPr>
-          <p:nvPr>
-            <p:ph type="pic" sz="quarter" idx="18"/>
-          </p:nvPr>
-        </p:nvPicPr>
-        <p:blipFill rotWithShape="1">
-          <a:blip r:embed="rId3">
-            <a:extLst>
-              <a:ext uri="{28A0092B-C50C-407E-A947-70E740481C1C}">
-                <a14:useLocalDpi xmlns:a14="http://schemas.microsoft.com/office/drawing/2010/main" val="0"/>
-              </a:ext>
-            </a:extLst>
-          </a:blip>
-          <a:srcRect/>
-          <a:stretch/>
-        </p:blipFill>
-        <p:spPr>
-          <a:xfrm>
-            <a:off x="954268" y="2572883"/>
-            <a:ext cx="2118245" cy="2037217"/>
-          </a:xfrm>
-        </p:spPr>
-      </p:pic>
-      <p:sp>
-        <p:nvSpPr>
-          <p:cNvPr id="6" name="Segnaposto testo 5">
-            <a:extLst>
-              <a:ext uri="{FF2B5EF4-FFF2-40B4-BE49-F238E27FC236}">
-                <a16:creationId xmlns:a16="http://schemas.microsoft.com/office/drawing/2014/main" id="{EA1E2644-1BD8-DB4D-B01F-F617AABF793F}"/>
-              </a:ext>
-            </a:extLst>
-          </p:cNvPr>
-          <p:cNvSpPr>
-            <a:spLocks noGrp="1"/>
-          </p:cNvSpPr>
-          <p:nvPr>
-            <p:ph type="body" sz="quarter" idx="11"/>
-          </p:nvPr>
-        </p:nvSpPr>
-        <p:spPr>
-          <a:xfrm>
-            <a:off x="952500" y="4986745"/>
-            <a:ext cx="2133600" cy="205837"/>
-          </a:xfrm>
-        </p:spPr>
-        <p:txBody>
-          <a:bodyPr rtlCol="0"/>
-          <a:lstStyle/>
-          <a:p>
-            <a:pPr rtl="0"/>
-            <a:r>
-              <a:rPr lang="it-IT"/>
-              <a:t>Anna</a:t>
-            </a:r>
-          </a:p>
-          <a:p>
-            <a:pPr rtl="0"/>
-            <a:endParaRPr lang="it-IT"/>
-          </a:p>
-        </p:txBody>
-      </p:sp>
-      <p:sp>
-        <p:nvSpPr>
-          <p:cNvPr id="5" name="Segnaposto testo 4">
-            <a:extLst>
-              <a:ext uri="{FF2B5EF4-FFF2-40B4-BE49-F238E27FC236}">
-                <a16:creationId xmlns:a16="http://schemas.microsoft.com/office/drawing/2014/main" id="{9642AB8A-80CA-C941-A861-E9F7C174A121}"/>
-              </a:ext>
-            </a:extLst>
-          </p:cNvPr>
-          <p:cNvSpPr>
-            <a:spLocks noGrp="1"/>
-          </p:cNvSpPr>
-          <p:nvPr>
-            <p:ph type="body" sz="quarter" idx="12"/>
-          </p:nvPr>
-        </p:nvSpPr>
-        <p:spPr>
-          <a:xfrm>
-            <a:off x="952500" y="5393169"/>
-            <a:ext cx="2133600" cy="369332"/>
-          </a:xfrm>
-        </p:spPr>
-        <p:txBody>
-          <a:bodyPr rtlCol="0"/>
-          <a:lstStyle/>
-          <a:p>
-            <a:pPr rtl="0"/>
-            <a:r>
-              <a:rPr lang="it-IT"/>
-              <a:t>CEO</a:t>
-            </a:r>
-          </a:p>
-        </p:txBody>
-      </p:sp>
-      <p:pic>
-        <p:nvPicPr>
-          <p:cNvPr id="19" name="Segnaposto immagine 13" descr="Ritratto di un membro del team">
-            <a:extLst>
-              <a:ext uri="{FF2B5EF4-FFF2-40B4-BE49-F238E27FC236}">
-                <a16:creationId xmlns:a16="http://schemas.microsoft.com/office/drawing/2014/main" id="{EF9CA003-7E17-ED41-92AE-D8D98C0825A7}"/>
-              </a:ext>
-            </a:extLst>
-          </p:cNvPr>
-          <p:cNvPicPr>
-            <a:picLocks noGrp="1" noChangeAspect="1"/>
-          </p:cNvPicPr>
-          <p:nvPr>
-            <p:ph type="pic" sz="quarter" idx="24"/>
-          </p:nvPr>
-        </p:nvPicPr>
-        <p:blipFill rotWithShape="1">
-          <a:blip r:embed="rId4">
-            <a:extLst>
-              <a:ext uri="{BEBA8EAE-BF5A-486C-A8C5-ECC9F3942E4B}">
-                <a14:imgProps xmlns:a14="http://schemas.microsoft.com/office/drawing/2010/main">
-                  <a14:imgLayer r:embed="rId5">
-                    <a14:imgEffect>
-                      <a14:saturation sat="0"/>
-                    </a14:imgEffect>
-                  </a14:imgLayer>
-                </a14:imgProps>
-              </a:ext>
-              <a:ext uri="{28A0092B-C50C-407E-A947-70E740481C1C}">
-                <a14:useLocalDpi xmlns:a14="http://schemas.microsoft.com/office/drawing/2010/main" val="0"/>
-              </a:ext>
-            </a:extLst>
-          </a:blip>
-          <a:srcRect/>
-          <a:stretch/>
-        </p:blipFill>
-        <p:spPr>
-          <a:xfrm>
-            <a:off x="3658280" y="2572883"/>
-            <a:ext cx="2118245" cy="2037217"/>
-          </a:xfrm>
-        </p:spPr>
-      </p:pic>
-      <p:sp>
-        <p:nvSpPr>
-          <p:cNvPr id="8" name="Segnaposto testo 7">
-            <a:extLst>
-              <a:ext uri="{FF2B5EF4-FFF2-40B4-BE49-F238E27FC236}">
-                <a16:creationId xmlns:a16="http://schemas.microsoft.com/office/drawing/2014/main" id="{AF43A531-88E8-744E-9BB5-FD05029B1D21}"/>
-              </a:ext>
-            </a:extLst>
-          </p:cNvPr>
-          <p:cNvSpPr>
-            <a:spLocks noGrp="1"/>
-          </p:cNvSpPr>
-          <p:nvPr>
-            <p:ph type="body" sz="quarter" idx="15"/>
-          </p:nvPr>
-        </p:nvSpPr>
-        <p:spPr>
-          <a:xfrm>
-            <a:off x="3663042" y="4986745"/>
-            <a:ext cx="2128157" cy="205837"/>
-          </a:xfrm>
-        </p:spPr>
-        <p:txBody>
-          <a:bodyPr rtlCol="0"/>
-          <a:lstStyle/>
-          <a:p>
-            <a:pPr rtl="0"/>
-            <a:r>
-              <a:rPr lang="it-IT"/>
-              <a:t>Larissa</a:t>
-            </a:r>
-          </a:p>
-        </p:txBody>
-      </p:sp>
-      <p:sp>
-        <p:nvSpPr>
-          <p:cNvPr id="7" name="Segnaposto testo 6">
-            <a:extLst>
-              <a:ext uri="{FF2B5EF4-FFF2-40B4-BE49-F238E27FC236}">
-                <a16:creationId xmlns:a16="http://schemas.microsoft.com/office/drawing/2014/main" id="{3590C1A1-4321-EC41-8248-D3B566DD51BD}"/>
-              </a:ext>
-            </a:extLst>
-          </p:cNvPr>
-          <p:cNvSpPr>
-            <a:spLocks noGrp="1"/>
-          </p:cNvSpPr>
-          <p:nvPr>
-            <p:ph type="body" sz="quarter" idx="13"/>
-          </p:nvPr>
-        </p:nvSpPr>
-        <p:spPr>
-          <a:xfrm>
-            <a:off x="3663042" y="5393169"/>
-            <a:ext cx="2128157" cy="369332"/>
-          </a:xfrm>
-        </p:spPr>
-        <p:txBody>
-          <a:bodyPr rtlCol="0"/>
-          <a:lstStyle/>
-          <a:p>
-            <a:pPr rtl="0"/>
-            <a:r>
-              <a:rPr lang="it-IT"/>
-              <a:t>CFO</a:t>
-            </a:r>
-          </a:p>
-        </p:txBody>
-      </p:sp>
-      <p:pic>
-        <p:nvPicPr>
-          <p:cNvPr id="41" name="Segnaposto immagine 40" descr="Ritratto di un membro del team">
-            <a:extLst>
-              <a:ext uri="{FF2B5EF4-FFF2-40B4-BE49-F238E27FC236}">
-                <a16:creationId xmlns:a16="http://schemas.microsoft.com/office/drawing/2014/main" id="{74EB486D-4A8D-4B29-8FD0-B96906E3E283}"/>
-              </a:ext>
-            </a:extLst>
-          </p:cNvPr>
-          <p:cNvPicPr>
-            <a:picLocks noGrp="1" noChangeAspect="1"/>
-          </p:cNvPicPr>
-          <p:nvPr>
-            <p:ph type="pic" sz="quarter" idx="27"/>
-          </p:nvPr>
-        </p:nvPicPr>
-        <p:blipFill rotWithShape="1">
-          <a:blip r:embed="rId6">
-            <a:extLst>
-              <a:ext uri="{28A0092B-C50C-407E-A947-70E740481C1C}">
-                <a14:useLocalDpi xmlns:a14="http://schemas.microsoft.com/office/drawing/2010/main" val="0"/>
-              </a:ext>
-            </a:extLst>
-          </a:blip>
-          <a:srcRect/>
-          <a:stretch/>
-        </p:blipFill>
-        <p:spPr>
-          <a:xfrm>
-            <a:off x="6362292" y="2572883"/>
-            <a:ext cx="2118245" cy="2037217"/>
-          </a:xfrm>
-        </p:spPr>
-      </p:pic>
-      <p:sp>
-        <p:nvSpPr>
-          <p:cNvPr id="10" name="Segnaposto testo 9">
-            <a:extLst>
-              <a:ext uri="{FF2B5EF4-FFF2-40B4-BE49-F238E27FC236}">
-                <a16:creationId xmlns:a16="http://schemas.microsoft.com/office/drawing/2014/main" id="{1DF7B21D-37D3-8344-AC78-C169C79D3D2A}"/>
-              </a:ext>
-            </a:extLst>
-          </p:cNvPr>
-          <p:cNvSpPr>
-            <a:spLocks noGrp="1"/>
-          </p:cNvSpPr>
-          <p:nvPr>
-            <p:ph type="body" sz="quarter" idx="31"/>
-          </p:nvPr>
-        </p:nvSpPr>
-        <p:spPr>
-          <a:xfrm>
-            <a:off x="6367054" y="4986745"/>
-            <a:ext cx="2129245" cy="205837"/>
-          </a:xfrm>
-        </p:spPr>
-        <p:txBody>
-          <a:bodyPr rtlCol="0"/>
-          <a:lstStyle/>
-          <a:p>
-            <a:pPr rtl="0"/>
-            <a:r>
-              <a:rPr lang="it-IT"/>
-              <a:t>Gerolamo</a:t>
-            </a:r>
-          </a:p>
-        </p:txBody>
-      </p:sp>
-      <p:sp>
-        <p:nvSpPr>
-          <p:cNvPr id="9" name="Segnaposto testo 8">
-            <a:extLst>
-              <a:ext uri="{FF2B5EF4-FFF2-40B4-BE49-F238E27FC236}">
-                <a16:creationId xmlns:a16="http://schemas.microsoft.com/office/drawing/2014/main" id="{2581095F-0795-744B-A3E7-94DFB3CBF331}"/>
-              </a:ext>
-            </a:extLst>
-          </p:cNvPr>
-          <p:cNvSpPr>
-            <a:spLocks noGrp="1"/>
-          </p:cNvSpPr>
-          <p:nvPr>
-            <p:ph type="body" sz="quarter" idx="16"/>
-          </p:nvPr>
-        </p:nvSpPr>
-        <p:spPr>
-          <a:xfrm>
-            <a:off x="6367054" y="5393169"/>
-            <a:ext cx="2129245" cy="369332"/>
-          </a:xfrm>
-        </p:spPr>
-        <p:txBody>
-          <a:bodyPr rtlCol="0"/>
-          <a:lstStyle/>
-          <a:p>
-            <a:pPr rtl="0"/>
-            <a:r>
-              <a:rPr lang="it-IT"/>
-              <a:t>COO</a:t>
-            </a:r>
-          </a:p>
-        </p:txBody>
-      </p:sp>
-      <p:pic>
-        <p:nvPicPr>
-          <p:cNvPr id="21" name="Segnaposto immagine 18" descr="Ritratto di un membro del team">
-            <a:extLst>
-              <a:ext uri="{FF2B5EF4-FFF2-40B4-BE49-F238E27FC236}">
-                <a16:creationId xmlns:a16="http://schemas.microsoft.com/office/drawing/2014/main" id="{17C96991-59CF-8142-BA51-B8B56EE23D65}"/>
-              </a:ext>
-            </a:extLst>
-          </p:cNvPr>
-          <p:cNvPicPr>
-            <a:picLocks noGrp="1" noChangeAspect="1"/>
-          </p:cNvPicPr>
-          <p:nvPr>
-            <p:ph type="pic" sz="quarter" idx="30"/>
-          </p:nvPr>
-        </p:nvPicPr>
-        <p:blipFill rotWithShape="1">
-          <a:blip r:embed="rId7">
-            <a:extLst>
-              <a:ext uri="{BEBA8EAE-BF5A-486C-A8C5-ECC9F3942E4B}">
-                <a14:imgProps xmlns:a14="http://schemas.microsoft.com/office/drawing/2010/main">
-                  <a14:imgLayer r:embed="rId8">
-                    <a14:imgEffect>
-                      <a14:saturation sat="0"/>
-                    </a14:imgEffect>
-                  </a14:imgLayer>
-                </a14:imgProps>
-              </a:ext>
-              <a:ext uri="{28A0092B-C50C-407E-A947-70E740481C1C}">
-                <a14:useLocalDpi xmlns:a14="http://schemas.microsoft.com/office/drawing/2010/main" val="0"/>
-              </a:ext>
-            </a:extLst>
-          </a:blip>
-          <a:srcRect/>
-          <a:stretch/>
-        </p:blipFill>
-        <p:spPr>
-          <a:xfrm>
-            <a:off x="9112023" y="2572883"/>
-            <a:ext cx="2118245" cy="2037217"/>
-          </a:xfrm>
-        </p:spPr>
-      </p:pic>
-      <p:sp>
-        <p:nvSpPr>
-          <p:cNvPr id="12" name="Segnaposto testo 11">
-            <a:extLst>
-              <a:ext uri="{FF2B5EF4-FFF2-40B4-BE49-F238E27FC236}">
-                <a16:creationId xmlns:a16="http://schemas.microsoft.com/office/drawing/2014/main" id="{70695B8F-A3CD-4845-8150-758480179C28}"/>
-              </a:ext>
-            </a:extLst>
-          </p:cNvPr>
-          <p:cNvSpPr>
-            <a:spLocks noGrp="1"/>
-          </p:cNvSpPr>
-          <p:nvPr>
-            <p:ph type="body" sz="quarter" idx="21"/>
-          </p:nvPr>
-        </p:nvSpPr>
-        <p:spPr>
-          <a:xfrm>
-            <a:off x="9110254" y="4986745"/>
-            <a:ext cx="2129245" cy="205837"/>
-          </a:xfrm>
-        </p:spPr>
-        <p:txBody>
-          <a:bodyPr rtlCol="0"/>
-          <a:lstStyle/>
-          <a:p>
-            <a:pPr rtl="0"/>
-            <a:r>
-              <a:rPr lang="it-IT"/>
-              <a:t>Federico</a:t>
-            </a:r>
-          </a:p>
-        </p:txBody>
-      </p:sp>
-      <p:sp>
-        <p:nvSpPr>
-          <p:cNvPr id="11" name="Segnaposto testo 10">
-            <a:extLst>
-              <a:ext uri="{FF2B5EF4-FFF2-40B4-BE49-F238E27FC236}">
-                <a16:creationId xmlns:a16="http://schemas.microsoft.com/office/drawing/2014/main" id="{69B26C61-D5D7-CC42-848C-158367DB8216}"/>
-              </a:ext>
-            </a:extLst>
-          </p:cNvPr>
-          <p:cNvSpPr>
-            <a:spLocks noGrp="1"/>
-          </p:cNvSpPr>
-          <p:nvPr>
-            <p:ph type="body" sz="quarter" idx="19"/>
-          </p:nvPr>
-        </p:nvSpPr>
-        <p:spPr>
-          <a:xfrm>
-            <a:off x="9110254" y="5393169"/>
-            <a:ext cx="2129245" cy="369332"/>
-          </a:xfrm>
-        </p:spPr>
-        <p:txBody>
-          <a:bodyPr rtlCol="0"/>
-          <a:lstStyle/>
-          <a:p>
-            <a:pPr rtl="0"/>
-            <a:r>
-              <a:rPr lang="it-IT"/>
-              <a:t>CTO</a:t>
-            </a:r>
-          </a:p>
-        </p:txBody>
-      </p:sp>
-      <p:sp>
-        <p:nvSpPr>
-          <p:cNvPr id="17" name="Segnaposto numero diapositiva 16">
-            <a:extLst>
-              <a:ext uri="{FF2B5EF4-FFF2-40B4-BE49-F238E27FC236}">
-                <a16:creationId xmlns:a16="http://schemas.microsoft.com/office/drawing/2014/main" id="{32DA2B67-BDBB-C945-988B-6C0D86F697CE}"/>
-              </a:ext>
-            </a:extLst>
-          </p:cNvPr>
-          <p:cNvSpPr>
-            <a:spLocks noGrp="1"/>
-          </p:cNvSpPr>
-          <p:nvPr>
-            <p:ph type="sldNum" sz="quarter" idx="34"/>
-          </p:nvPr>
-        </p:nvSpPr>
-        <p:spPr>
-          <a:xfrm>
-            <a:off x="971550" y="6332220"/>
-            <a:ext cx="523240" cy="247651"/>
-          </a:xfrm>
-        </p:spPr>
-        <p:txBody>
-          <a:bodyPr rtlCol="0"/>
-          <a:lstStyle/>
-          <a:p>
-            <a:pPr rtl="0"/>
-            <a:fld id="{294A09A9-5501-47C1-A89A-A340965A2BE2}" type="slidenum">
-              <a:rPr lang="it-IT" smtClean="0"/>
-              <a:pPr rtl="0"/>
-              <a:t>17</a:t>
-            </a:fld>
-            <a:endParaRPr lang="it-IT"/>
-          </a:p>
-        </p:txBody>
-      </p:sp>
-      <p:sp>
-        <p:nvSpPr>
-          <p:cNvPr id="16" name="Segnaposto piè di pagina 15">
-            <a:extLst>
-              <a:ext uri="{FF2B5EF4-FFF2-40B4-BE49-F238E27FC236}">
-                <a16:creationId xmlns:a16="http://schemas.microsoft.com/office/drawing/2014/main" id="{1EAEE347-BDD8-5349-BB37-C8938BFCFF4C}"/>
-              </a:ext>
-            </a:extLst>
-          </p:cNvPr>
-          <p:cNvSpPr>
-            <a:spLocks noGrp="1"/>
-          </p:cNvSpPr>
-          <p:nvPr>
-            <p:ph type="ftr" sz="quarter" idx="33"/>
-          </p:nvPr>
-        </p:nvSpPr>
-        <p:spPr>
-          <a:xfrm>
-            <a:off x="1494790" y="6332220"/>
-            <a:ext cx="1497330" cy="247651"/>
-          </a:xfrm>
-        </p:spPr>
-        <p:txBody>
-          <a:bodyPr rtlCol="0"/>
-          <a:lstStyle/>
-          <a:p>
-            <a:pPr rtl="0"/>
-            <a:r>
-              <a:rPr lang="it-IT"/>
-              <a:t>Relazione annuale</a:t>
-            </a:r>
-          </a:p>
-        </p:txBody>
-      </p:sp>
-      <p:sp>
-        <p:nvSpPr>
-          <p:cNvPr id="15" name="Segnaposto data 14">
-            <a:extLst>
-              <a:ext uri="{FF2B5EF4-FFF2-40B4-BE49-F238E27FC236}">
-                <a16:creationId xmlns:a16="http://schemas.microsoft.com/office/drawing/2014/main" id="{B160BE06-EC01-1145-BF3B-C02AC24955C4}"/>
-              </a:ext>
-            </a:extLst>
-          </p:cNvPr>
-          <p:cNvSpPr>
-            <a:spLocks noGrp="1"/>
-          </p:cNvSpPr>
-          <p:nvPr>
-            <p:ph type="dt" sz="half" idx="32"/>
-          </p:nvPr>
-        </p:nvSpPr>
-        <p:spPr>
-          <a:xfrm>
-            <a:off x="2992120" y="6332220"/>
-            <a:ext cx="1313180" cy="247651"/>
-          </a:xfrm>
-        </p:spPr>
-        <p:txBody>
-          <a:bodyPr rtlCol="0"/>
-          <a:lstStyle/>
-          <a:p>
-            <a:pPr rtl="0"/>
-            <a:fld id="{02F484EB-7C75-4C92-BF6F-0EA6345DD9AE}" type="datetime4">
-              <a:rPr lang="it-IT" smtClean="0"/>
-              <a:t>8 febbraio 2024</a:t>
-            </a:fld>
-            <a:endParaRPr lang="it-IT"/>
-          </a:p>
-        </p:txBody>
-      </p:sp>
-    </p:spTree>
-    <p:extLst>
-      <p:ext uri="{BB962C8B-B14F-4D97-AF65-F5344CB8AC3E}">
-        <p14:creationId xmlns:p14="http://schemas.microsoft.com/office/powerpoint/2010/main" val="188845726"/>
-      </p:ext>
-    </p:extLst>
-  </p:cSld>
-  <p:clrMapOvr>
-    <a:masterClrMapping/>
-  </p:clrMapOvr>
-</p:sld>
-</file>
-
-<file path=ppt/slides/slide18.xml><?xml version="1.0" encoding="utf-8"?>
-<p:sld xmlns:a="http://schemas.openxmlformats.org/drawingml/2006/main" xmlns:r="http://schemas.openxmlformats.org/officeDocument/2006/relationships" xmlns:p="http://schemas.openxmlformats.org/presentationml/2006/main">
-  <p:cSld>
-    <p:spTree>
-      <p:nvGrpSpPr>
-        <p:cNvPr id="1" name=""/>
-        <p:cNvGrpSpPr/>
-        <p:nvPr/>
-      </p:nvGrpSpPr>
-      <p:grpSpPr>
-        <a:xfrm>
-          <a:off x="0" y="0"/>
-          <a:ext cx="0" cy="0"/>
-          <a:chOff x="0" y="0"/>
-          <a:chExt cx="0" cy="0"/>
-        </a:xfrm>
-      </p:grpSpPr>
-      <p:sp>
-        <p:nvSpPr>
-          <p:cNvPr id="2" name="Titolo 1">
-            <a:extLst>
-              <a:ext uri="{FF2B5EF4-FFF2-40B4-BE49-F238E27FC236}">
-                <a16:creationId xmlns:a16="http://schemas.microsoft.com/office/drawing/2014/main" id="{00319620-6CCC-A34D-9D45-D6B57F800708}"/>
-              </a:ext>
-            </a:extLst>
-          </p:cNvPr>
-          <p:cNvSpPr>
-            <a:spLocks noGrp="1"/>
-          </p:cNvSpPr>
-          <p:nvPr>
-            <p:ph type="title"/>
-          </p:nvPr>
-        </p:nvSpPr>
-        <p:spPr>
-          <a:xfrm>
-            <a:off x="964023" y="879063"/>
-            <a:ext cx="6400604" cy="610863"/>
-          </a:xfrm>
-        </p:spPr>
-        <p:txBody>
-          <a:bodyPr rtlCol="0">
-            <a:normAutofit/>
-          </a:bodyPr>
-          <a:lstStyle/>
-          <a:p>
-            <a:pPr rtl="0"/>
-            <a:r>
-              <a:rPr lang="it-IT" dirty="0"/>
-              <a:t>Sequenza temporale</a:t>
-            </a:r>
-          </a:p>
-        </p:txBody>
-      </p:sp>
-      <p:sp>
-        <p:nvSpPr>
-          <p:cNvPr id="4" name="Segnaposto testo 3">
-            <a:extLst>
-              <a:ext uri="{FF2B5EF4-FFF2-40B4-BE49-F238E27FC236}">
-                <a16:creationId xmlns:a16="http://schemas.microsoft.com/office/drawing/2014/main" id="{86655189-E7B2-3A4A-99EE-997592791F7D}"/>
-              </a:ext>
-            </a:extLst>
-          </p:cNvPr>
-          <p:cNvSpPr>
-            <a:spLocks noGrp="1"/>
-          </p:cNvSpPr>
-          <p:nvPr>
-            <p:ph type="body" sz="quarter" idx="11"/>
-          </p:nvPr>
-        </p:nvSpPr>
-        <p:spPr>
-          <a:xfrm>
-            <a:off x="1296955" y="2568686"/>
-            <a:ext cx="2508926" cy="205837"/>
-          </a:xfrm>
-        </p:spPr>
-        <p:txBody>
-          <a:bodyPr rtlCol="0"/>
-          <a:lstStyle/>
-          <a:p>
-            <a:pPr rtl="0"/>
-            <a:r>
-              <a:rPr lang="it-IT"/>
-              <a:t>T1 Luglio - Settembre</a:t>
-            </a:r>
-          </a:p>
-        </p:txBody>
-      </p:sp>
-      <p:sp>
-        <p:nvSpPr>
-          <p:cNvPr id="3" name="Segnaposto testo 2">
-            <a:extLst>
-              <a:ext uri="{FF2B5EF4-FFF2-40B4-BE49-F238E27FC236}">
-                <a16:creationId xmlns:a16="http://schemas.microsoft.com/office/drawing/2014/main" id="{6873C602-BA59-1744-B258-B489E00A3E14}"/>
-              </a:ext>
-            </a:extLst>
-          </p:cNvPr>
-          <p:cNvSpPr>
-            <a:spLocks noGrp="1"/>
-          </p:cNvSpPr>
-          <p:nvPr>
-            <p:ph type="body" sz="quarter" idx="12"/>
-          </p:nvPr>
-        </p:nvSpPr>
-        <p:spPr>
-          <a:xfrm>
-            <a:off x="1296955" y="2934856"/>
-            <a:ext cx="2133600" cy="819202"/>
-          </a:xfrm>
-        </p:spPr>
-        <p:txBody>
-          <a:bodyPr rtlCol="0"/>
-          <a:lstStyle/>
-          <a:p>
-            <a:pPr rtl="0"/>
-            <a:r>
-              <a:rPr lang="it-IT" dirty="0" err="1"/>
-              <a:t>Lorem</a:t>
-            </a:r>
-            <a:r>
-              <a:rPr lang="it-IT" dirty="0"/>
-              <a:t> </a:t>
-            </a:r>
-            <a:r>
-              <a:rPr lang="it-IT" dirty="0" err="1"/>
-              <a:t>ipsum</a:t>
-            </a:r>
-            <a:r>
-              <a:rPr lang="it-IT" dirty="0"/>
-              <a:t> </a:t>
-            </a:r>
-            <a:r>
-              <a:rPr lang="it-IT" dirty="0" err="1"/>
-              <a:t>dolor</a:t>
-            </a:r>
-            <a:r>
-              <a:rPr lang="it-IT" dirty="0"/>
-              <a:t> </a:t>
-            </a:r>
-            <a:r>
-              <a:rPr lang="it-IT" dirty="0" err="1"/>
-              <a:t>sit</a:t>
-            </a:r>
-            <a:r>
-              <a:rPr lang="it-IT" dirty="0"/>
-              <a:t> </a:t>
-            </a:r>
-            <a:r>
-              <a:rPr lang="it-IT" dirty="0" err="1"/>
-              <a:t>amet</a:t>
-            </a:r>
-            <a:r>
-              <a:rPr lang="it-IT" dirty="0"/>
-              <a:t>, </a:t>
-            </a:r>
-            <a:r>
-              <a:rPr lang="it-IT" dirty="0" err="1"/>
-              <a:t>consectetuer</a:t>
-            </a:r>
-            <a:r>
-              <a:rPr lang="it-IT" dirty="0"/>
-              <a:t> </a:t>
-            </a:r>
-            <a:r>
-              <a:rPr lang="it-IT" dirty="0" err="1"/>
-              <a:t>adipiscing</a:t>
-            </a:r>
-            <a:r>
-              <a:rPr lang="it-IT" dirty="0"/>
-              <a:t> </a:t>
-            </a:r>
-            <a:r>
-              <a:rPr lang="it-IT" dirty="0" err="1"/>
-              <a:t>elit</a:t>
-            </a:r>
-            <a:r>
-              <a:rPr lang="it-IT" dirty="0"/>
-              <a:t>, sed </a:t>
-            </a:r>
-            <a:r>
-              <a:rPr lang="it-IT" dirty="0" err="1"/>
-              <a:t>diam</a:t>
-            </a:r>
-            <a:r>
-              <a:rPr lang="it-IT" dirty="0"/>
-              <a:t> </a:t>
-            </a:r>
-            <a:r>
-              <a:rPr lang="it-IT" dirty="0" err="1"/>
-              <a:t>nonummy</a:t>
-            </a:r>
-            <a:r>
-              <a:rPr lang="it-IT" dirty="0"/>
-              <a:t> </a:t>
-            </a:r>
-            <a:r>
-              <a:rPr lang="it-IT" dirty="0" err="1"/>
-              <a:t>nibh</a:t>
-            </a:r>
-            <a:r>
-              <a:rPr lang="it-IT" dirty="0"/>
-              <a:t>.</a:t>
-            </a:r>
-          </a:p>
-          <a:p>
-            <a:pPr rtl="0"/>
-            <a:endParaRPr lang="it-IT" dirty="0"/>
-          </a:p>
-        </p:txBody>
-      </p:sp>
-      <p:sp>
-        <p:nvSpPr>
-          <p:cNvPr id="6" name="Segnaposto testo 5">
-            <a:extLst>
-              <a:ext uri="{FF2B5EF4-FFF2-40B4-BE49-F238E27FC236}">
-                <a16:creationId xmlns:a16="http://schemas.microsoft.com/office/drawing/2014/main" id="{8D4284CF-DF13-E947-ADA5-0FD9AAC03C23}"/>
-              </a:ext>
-            </a:extLst>
-          </p:cNvPr>
-          <p:cNvSpPr>
-            <a:spLocks noGrp="1"/>
-          </p:cNvSpPr>
-          <p:nvPr>
-            <p:ph type="body" sz="quarter" idx="31"/>
-          </p:nvPr>
-        </p:nvSpPr>
-        <p:spPr>
-          <a:xfrm>
-            <a:off x="3897798" y="4701908"/>
-            <a:ext cx="2931369" cy="205837"/>
-          </a:xfrm>
-        </p:spPr>
-        <p:txBody>
-          <a:bodyPr rtlCol="0"/>
-          <a:lstStyle/>
-          <a:p>
-            <a:pPr rtl="0"/>
-            <a:r>
-              <a:rPr lang="it-IT"/>
-              <a:t>T2 Ottobre -Dicembre	</a:t>
-            </a:r>
-          </a:p>
-        </p:txBody>
-      </p:sp>
-      <p:sp>
-        <p:nvSpPr>
-          <p:cNvPr id="5" name="Segnaposto testo 4">
-            <a:extLst>
-              <a:ext uri="{FF2B5EF4-FFF2-40B4-BE49-F238E27FC236}">
-                <a16:creationId xmlns:a16="http://schemas.microsoft.com/office/drawing/2014/main" id="{FA4FEC49-A0F0-FB4E-9A87-B2EF11364721}"/>
-              </a:ext>
-            </a:extLst>
-          </p:cNvPr>
-          <p:cNvSpPr>
-            <a:spLocks noGrp="1"/>
-          </p:cNvSpPr>
-          <p:nvPr>
-            <p:ph type="body" sz="quarter" idx="30"/>
-          </p:nvPr>
-        </p:nvSpPr>
-        <p:spPr>
-          <a:xfrm>
-            <a:off x="3897799" y="5087328"/>
-            <a:ext cx="2133600" cy="819202"/>
-          </a:xfrm>
-        </p:spPr>
-        <p:txBody>
-          <a:bodyPr rtlCol="0"/>
-          <a:lstStyle/>
-          <a:p>
-            <a:pPr rtl="0"/>
-            <a:r>
-              <a:rPr lang="it-IT"/>
-              <a:t>Lorem ipsum dolor sit amet, consectetuer adipiscing elit, sed diam nonummy nibh.</a:t>
-            </a:r>
-          </a:p>
-          <a:p>
-            <a:pPr rtl="0"/>
-            <a:endParaRPr lang="it-IT"/>
-          </a:p>
-        </p:txBody>
-      </p:sp>
-      <p:sp>
-        <p:nvSpPr>
-          <p:cNvPr id="10" name="Segnaposto testo 9">
-            <a:extLst>
-              <a:ext uri="{FF2B5EF4-FFF2-40B4-BE49-F238E27FC236}">
-                <a16:creationId xmlns:a16="http://schemas.microsoft.com/office/drawing/2014/main" id="{9C396C20-F6DF-C940-BE16-6E008BFF9CB9}"/>
-              </a:ext>
-            </a:extLst>
-          </p:cNvPr>
-          <p:cNvSpPr>
-            <a:spLocks noGrp="1"/>
-          </p:cNvSpPr>
-          <p:nvPr>
-            <p:ph type="body" sz="quarter" idx="35"/>
-          </p:nvPr>
-        </p:nvSpPr>
-        <p:spPr>
-          <a:xfrm>
-            <a:off x="6438143" y="2568686"/>
-            <a:ext cx="2133600" cy="205837"/>
-          </a:xfrm>
-        </p:spPr>
-        <p:txBody>
-          <a:bodyPr rtlCol="0"/>
-          <a:lstStyle/>
-          <a:p>
-            <a:pPr rtl="0"/>
-            <a:r>
-              <a:rPr lang="it-IT"/>
-              <a:t>T3 Gennaio - Marzo	</a:t>
-            </a:r>
-          </a:p>
-        </p:txBody>
-      </p:sp>
-      <p:sp>
-        <p:nvSpPr>
-          <p:cNvPr id="9" name="Segnaposto testo 8">
-            <a:extLst>
-              <a:ext uri="{FF2B5EF4-FFF2-40B4-BE49-F238E27FC236}">
-                <a16:creationId xmlns:a16="http://schemas.microsoft.com/office/drawing/2014/main" id="{55F2A68F-70C1-7F46-9A1C-586701744F58}"/>
-              </a:ext>
-            </a:extLst>
-          </p:cNvPr>
-          <p:cNvSpPr>
-            <a:spLocks noGrp="1"/>
-          </p:cNvSpPr>
-          <p:nvPr>
-            <p:ph type="body" sz="quarter" idx="34"/>
-          </p:nvPr>
-        </p:nvSpPr>
-        <p:spPr>
-          <a:xfrm>
-            <a:off x="6438143" y="2934856"/>
-            <a:ext cx="2133600" cy="819202"/>
-          </a:xfrm>
-        </p:spPr>
-        <p:txBody>
-          <a:bodyPr rtlCol="0"/>
-          <a:lstStyle/>
-          <a:p>
-            <a:pPr rtl="0"/>
-            <a:r>
-              <a:rPr lang="it-IT"/>
-              <a:t>Lorem ipsum dolor sit amet, consectetuer adipiscing elit, sed diam nonummy nibh.</a:t>
-            </a:r>
-          </a:p>
-          <a:p>
-            <a:pPr rtl="0"/>
-            <a:endParaRPr lang="it-IT"/>
-          </a:p>
-        </p:txBody>
-      </p:sp>
-      <p:sp>
-        <p:nvSpPr>
-          <p:cNvPr id="8" name="Segnaposto testo 7">
-            <a:extLst>
-              <a:ext uri="{FF2B5EF4-FFF2-40B4-BE49-F238E27FC236}">
-                <a16:creationId xmlns:a16="http://schemas.microsoft.com/office/drawing/2014/main" id="{58554997-3B04-634C-A36E-69B03113315A}"/>
-              </a:ext>
-            </a:extLst>
-          </p:cNvPr>
-          <p:cNvSpPr>
-            <a:spLocks noGrp="1"/>
-          </p:cNvSpPr>
-          <p:nvPr>
-            <p:ph type="body" sz="quarter" idx="33"/>
-          </p:nvPr>
-        </p:nvSpPr>
-        <p:spPr>
-          <a:xfrm>
-            <a:off x="9001711" y="4701908"/>
-            <a:ext cx="2133600" cy="205837"/>
-          </a:xfrm>
-        </p:spPr>
-        <p:txBody>
-          <a:bodyPr rtlCol="0"/>
-          <a:lstStyle/>
-          <a:p>
-            <a:pPr rtl="0"/>
-            <a:r>
-              <a:rPr lang="it-IT"/>
-              <a:t>T4 Aprile - Giugno	</a:t>
-            </a:r>
-          </a:p>
-        </p:txBody>
-      </p:sp>
-      <p:sp>
-        <p:nvSpPr>
-          <p:cNvPr id="7" name="Segnaposto testo 6">
-            <a:extLst>
-              <a:ext uri="{FF2B5EF4-FFF2-40B4-BE49-F238E27FC236}">
-                <a16:creationId xmlns:a16="http://schemas.microsoft.com/office/drawing/2014/main" id="{4E355B93-F7B4-8649-8BBF-819B529D7EC7}"/>
-              </a:ext>
-            </a:extLst>
-          </p:cNvPr>
-          <p:cNvSpPr>
-            <a:spLocks noGrp="1"/>
-          </p:cNvSpPr>
-          <p:nvPr>
-            <p:ph type="body" sz="quarter" idx="32"/>
-          </p:nvPr>
-        </p:nvSpPr>
-        <p:spPr>
-          <a:xfrm>
-            <a:off x="9001711" y="5087328"/>
-            <a:ext cx="2133600" cy="819202"/>
-          </a:xfrm>
-        </p:spPr>
-        <p:txBody>
-          <a:bodyPr rtlCol="0"/>
-          <a:lstStyle/>
-          <a:p>
-            <a:pPr rtl="0"/>
-            <a:r>
-              <a:rPr lang="it-IT"/>
-              <a:t>Lorem ipsum dolor sit amet, consectetuer adipiscing elit, sed diam nonummy nibh.</a:t>
-            </a:r>
-          </a:p>
-          <a:p>
-            <a:pPr rtl="0"/>
-            <a:endParaRPr lang="it-IT"/>
-          </a:p>
-        </p:txBody>
-      </p:sp>
-      <p:sp>
-        <p:nvSpPr>
-          <p:cNvPr id="13" name="Segnaposto numero diapositiva 12">
-            <a:extLst>
-              <a:ext uri="{FF2B5EF4-FFF2-40B4-BE49-F238E27FC236}">
-                <a16:creationId xmlns:a16="http://schemas.microsoft.com/office/drawing/2014/main" id="{B2B0E625-26CC-9744-9B92-56905E797B65}"/>
-              </a:ext>
-            </a:extLst>
-          </p:cNvPr>
-          <p:cNvSpPr>
-            <a:spLocks noGrp="1"/>
-          </p:cNvSpPr>
-          <p:nvPr>
-            <p:ph type="sldNum" sz="quarter" idx="38"/>
-          </p:nvPr>
-        </p:nvSpPr>
-        <p:spPr>
-          <a:xfrm>
-            <a:off x="971550" y="6332220"/>
-            <a:ext cx="523240" cy="247651"/>
-          </a:xfrm>
-        </p:spPr>
-        <p:txBody>
-          <a:bodyPr rtlCol="0"/>
-          <a:lstStyle/>
-          <a:p>
-            <a:pPr rtl="0"/>
-            <a:fld id="{294A09A9-5501-47C1-A89A-A340965A2BE2}" type="slidenum">
-              <a:rPr lang="it-IT" smtClean="0"/>
-              <a:pPr rtl="0"/>
-              <a:t>18</a:t>
-            </a:fld>
-            <a:endParaRPr lang="it-IT"/>
-          </a:p>
-        </p:txBody>
-      </p:sp>
-      <p:sp>
-        <p:nvSpPr>
-          <p:cNvPr id="12" name="Segnaposto piè di pagina 11">
-            <a:extLst>
-              <a:ext uri="{FF2B5EF4-FFF2-40B4-BE49-F238E27FC236}">
-                <a16:creationId xmlns:a16="http://schemas.microsoft.com/office/drawing/2014/main" id="{6F29C953-E914-EE4E-B001-1E1EAD7BFD8A}"/>
-              </a:ext>
-            </a:extLst>
-          </p:cNvPr>
-          <p:cNvSpPr>
-            <a:spLocks noGrp="1"/>
-          </p:cNvSpPr>
-          <p:nvPr>
-            <p:ph type="ftr" sz="quarter" idx="37"/>
-          </p:nvPr>
-        </p:nvSpPr>
-        <p:spPr>
-          <a:xfrm>
-            <a:off x="1494790" y="6332220"/>
-            <a:ext cx="1497330" cy="247651"/>
-          </a:xfrm>
-        </p:spPr>
-        <p:txBody>
-          <a:bodyPr rtlCol="0"/>
-          <a:lstStyle/>
-          <a:p>
-            <a:pPr rtl="0"/>
-            <a:r>
-              <a:rPr lang="it-IT"/>
-              <a:t>Relazione annuale</a:t>
-            </a:r>
-          </a:p>
-        </p:txBody>
-      </p:sp>
-      <p:sp>
-        <p:nvSpPr>
-          <p:cNvPr id="11" name="Segnaposto data 10">
-            <a:extLst>
-              <a:ext uri="{FF2B5EF4-FFF2-40B4-BE49-F238E27FC236}">
-                <a16:creationId xmlns:a16="http://schemas.microsoft.com/office/drawing/2014/main" id="{188C120B-6FFA-9C42-80DF-9F19DE9503F4}"/>
-              </a:ext>
-            </a:extLst>
-          </p:cNvPr>
-          <p:cNvSpPr>
-            <a:spLocks noGrp="1"/>
-          </p:cNvSpPr>
-          <p:nvPr>
-            <p:ph type="dt" sz="half" idx="36"/>
-          </p:nvPr>
-        </p:nvSpPr>
-        <p:spPr>
-          <a:xfrm>
-            <a:off x="2992120" y="6332220"/>
-            <a:ext cx="1313180" cy="247651"/>
-          </a:xfrm>
-        </p:spPr>
-        <p:txBody>
-          <a:bodyPr rtlCol="0"/>
-          <a:lstStyle/>
-          <a:p>
-            <a:pPr rtl="0"/>
-            <a:fld id="{6485A693-B538-4016-B2AD-9C857E455526}" type="datetime4">
-              <a:rPr lang="it-IT" smtClean="0"/>
-              <a:t>8 febbraio 2024</a:t>
-            </a:fld>
-            <a:endParaRPr lang="it-IT"/>
-          </a:p>
-        </p:txBody>
-      </p:sp>
-    </p:spTree>
-    <p:extLst>
-      <p:ext uri="{BB962C8B-B14F-4D97-AF65-F5344CB8AC3E}">
-        <p14:creationId xmlns:p14="http://schemas.microsoft.com/office/powerpoint/2010/main" val="2509101887"/>
       </p:ext>
     </p:extLst>
   </p:cSld>
@@ -21730,7 +22193,7 @@
           <p:cNvPr id="2" name="Titolo 1">
             <a:extLst>
               <a:ext uri="{FF2B5EF4-FFF2-40B4-BE49-F238E27FC236}">
-                <a16:creationId xmlns:a16="http://schemas.microsoft.com/office/drawing/2014/main" id="{68F0FA04-6227-9040-92A6-9514A59B8E7B}"/>
+                <a16:creationId xmlns:a16="http://schemas.microsoft.com/office/drawing/2014/main" id="{737728DC-195E-4A4E-AEBA-5E0D1DB03B76}"/>
               </a:ext>
             </a:extLst>
           </p:cNvPr>
@@ -21741,68 +22204,10 @@
             <p:ph type="title"/>
           </p:nvPr>
         </p:nvSpPr>
-        <p:spPr/>
-        <p:txBody>
-          <a:bodyPr rtlCol="0"/>
-          <a:lstStyle/>
-          <a:p>
-            <a:pPr rtl="0"/>
-            <a:r>
-              <a:rPr lang="it-IT"/>
-              <a:t>Obiettivi per il T1</a:t>
-            </a:r>
-          </a:p>
-        </p:txBody>
-      </p:sp>
-      <p:sp>
-        <p:nvSpPr>
-          <p:cNvPr id="3" name="Segnaposto testo 2">
-            <a:extLst>
-              <a:ext uri="{FF2B5EF4-FFF2-40B4-BE49-F238E27FC236}">
-                <a16:creationId xmlns:a16="http://schemas.microsoft.com/office/drawing/2014/main" id="{9CD657E5-4675-E84E-840E-4F6D4868C5A9}"/>
-              </a:ext>
-            </a:extLst>
-          </p:cNvPr>
-          <p:cNvSpPr>
-            <a:spLocks noGrp="1"/>
-          </p:cNvSpPr>
-          <p:nvPr>
-            <p:ph type="body" idx="1"/>
-          </p:nvPr>
-        </p:nvSpPr>
-        <p:spPr/>
-        <p:txBody>
-          <a:bodyPr rtlCol="0"/>
-          <a:lstStyle/>
-          <a:p>
-            <a:pPr rtl="0"/>
-            <a:r>
-              <a:rPr lang="it-IT"/>
-              <a:t>Priorità aziendali</a:t>
-            </a:r>
-          </a:p>
-        </p:txBody>
-      </p:sp>
-      <p:sp>
-        <p:nvSpPr>
-          <p:cNvPr id="5" name="Segnaposto contenuto 4">
-            <a:extLst>
-              <a:ext uri="{FF2B5EF4-FFF2-40B4-BE49-F238E27FC236}">
-                <a16:creationId xmlns:a16="http://schemas.microsoft.com/office/drawing/2014/main" id="{0B4B9306-DDC0-AD4F-A9C2-739C6AEB0172}"/>
-              </a:ext>
-            </a:extLst>
-          </p:cNvPr>
-          <p:cNvSpPr>
-            <a:spLocks noGrp="1"/>
-          </p:cNvSpPr>
-          <p:nvPr>
-            <p:ph sz="half" idx="2"/>
-          </p:nvPr>
-        </p:nvSpPr>
         <p:spPr>
           <a:xfrm>
-            <a:off x="964023" y="2786446"/>
-            <a:ext cx="4827178" cy="1942138"/>
+            <a:off x="964022" y="2476500"/>
+            <a:ext cx="7132320" cy="3289971"/>
           </a:xfrm>
         </p:spPr>
         <p:txBody>
@@ -21811,243 +22216,27 @@
           <a:p>
             <a:pPr rtl="0"/>
             <a:r>
-              <a:rPr lang="it-IT" dirty="0"/>
-              <a:t>Aumentare la soddisfazione dei clienti del 2%</a:t>
-            </a:r>
-          </a:p>
-          <a:p>
-            <a:pPr rtl="0"/>
-            <a:r>
-              <a:rPr lang="it-IT" dirty="0"/>
-              <a:t>Mantenere la crescita</a:t>
-            </a:r>
-          </a:p>
-          <a:p>
-            <a:pPr rtl="0"/>
-            <a:r>
-              <a:rPr lang="it-IT" dirty="0"/>
-              <a:t>Diversificare gli investimenti nel settore 2</a:t>
-            </a:r>
-          </a:p>
-          <a:p>
-            <a:pPr rtl="0"/>
-            <a:r>
-              <a:rPr lang="it-IT" dirty="0"/>
-              <a:t>Iniziativa di partnership con organizzazioni di terze parti</a:t>
-            </a:r>
-          </a:p>
-          <a:p>
-            <a:pPr marL="0" indent="0" rtl="0">
-              <a:buNone/>
-            </a:pPr>
-            <a:endParaRPr lang="it-IT" dirty="0"/>
-          </a:p>
-          <a:p>
-            <a:pPr rtl="0"/>
-            <a:endParaRPr lang="it-IT" dirty="0"/>
-          </a:p>
-        </p:txBody>
-      </p:sp>
-      <p:sp>
-        <p:nvSpPr>
-          <p:cNvPr id="4" name="Segnaposto testo 3">
-            <a:extLst>
-              <a:ext uri="{FF2B5EF4-FFF2-40B4-BE49-F238E27FC236}">
-                <a16:creationId xmlns:a16="http://schemas.microsoft.com/office/drawing/2014/main" id="{6AF03CC0-7DA0-ED4F-B612-580E138D588A}"/>
-              </a:ext>
-            </a:extLst>
-          </p:cNvPr>
-          <p:cNvSpPr>
-            <a:spLocks noGrp="1"/>
-          </p:cNvSpPr>
-          <p:nvPr>
-            <p:ph type="body" idx="10"/>
-          </p:nvPr>
-        </p:nvSpPr>
-        <p:spPr/>
-        <p:txBody>
-          <a:bodyPr rtlCol="0"/>
-          <a:lstStyle/>
-          <a:p>
-            <a:pPr rtl="0"/>
-            <a:r>
               <a:rPr lang="it-IT"/>
-              <a:t>Opportunità per i dipendenti</a:t>
-            </a:r>
-          </a:p>
-        </p:txBody>
-      </p:sp>
-      <p:sp>
-        <p:nvSpPr>
-          <p:cNvPr id="6" name="Segnaposto contenuto 5">
-            <a:extLst>
-              <a:ext uri="{FF2B5EF4-FFF2-40B4-BE49-F238E27FC236}">
-                <a16:creationId xmlns:a16="http://schemas.microsoft.com/office/drawing/2014/main" id="{B7D8EEE0-6E1C-9F47-936F-25FCC2FC368C}"/>
-              </a:ext>
-            </a:extLst>
-          </p:cNvPr>
-          <p:cNvSpPr>
-            <a:spLocks noGrp="1"/>
-          </p:cNvSpPr>
-          <p:nvPr>
-            <p:ph sz="half" idx="13"/>
-          </p:nvPr>
-        </p:nvSpPr>
-        <p:spPr>
-          <a:xfrm>
-            <a:off x="6362700" y="2799146"/>
-            <a:ext cx="5013754" cy="1942138"/>
-          </a:xfrm>
-        </p:spPr>
-        <p:txBody>
-          <a:bodyPr rtlCol="0"/>
-          <a:lstStyle/>
-          <a:p>
-            <a:pPr rtl="0"/>
-            <a:r>
-              <a:rPr lang="it-IT" dirty="0"/>
-              <a:t>Festeggiamento della fine dell'anno fiscale il 15 luglio </a:t>
-            </a:r>
-          </a:p>
-          <a:p>
-            <a:pPr rtl="0"/>
-            <a:r>
-              <a:rPr lang="it-IT" dirty="0"/>
-              <a:t>Giornata di formazione dei dipendenti il 14 agosto </a:t>
-            </a:r>
-          </a:p>
-          <a:p>
-            <a:pPr rtl="0"/>
-            <a:r>
-              <a:rPr lang="it-IT" dirty="0"/>
-              <a:t>Lezione yoga per i dipendenti il 3 settembre </a:t>
-            </a:r>
-          </a:p>
-          <a:p>
-            <a:pPr rtl="0"/>
-            <a:r>
-              <a:rPr lang="it-IT" dirty="0"/>
-              <a:t>Serie di seminari a partire dal 10 settembre </a:t>
-            </a:r>
-          </a:p>
-          <a:p>
-            <a:pPr marL="0" indent="0" rtl="0">
-              <a:buNone/>
-            </a:pPr>
-            <a:endParaRPr lang="it-IT" dirty="0"/>
-          </a:p>
-        </p:txBody>
-      </p:sp>
-      <p:sp>
-        <p:nvSpPr>
-          <p:cNvPr id="9" name="Segnaposto numero diapositiva 8">
-            <a:extLst>
-              <a:ext uri="{FF2B5EF4-FFF2-40B4-BE49-F238E27FC236}">
-                <a16:creationId xmlns:a16="http://schemas.microsoft.com/office/drawing/2014/main" id="{9A5802D8-6C81-6C4F-97CF-C1F2344EE894}"/>
-              </a:ext>
-            </a:extLst>
-          </p:cNvPr>
-          <p:cNvSpPr>
-            <a:spLocks noGrp="1"/>
-          </p:cNvSpPr>
-          <p:nvPr>
-            <p:ph type="sldNum" sz="quarter" idx="16"/>
-          </p:nvPr>
-        </p:nvSpPr>
-        <p:spPr>
-          <a:xfrm>
-            <a:off x="971550" y="6332220"/>
-            <a:ext cx="523240" cy="247651"/>
-          </a:xfrm>
-        </p:spPr>
-        <p:txBody>
-          <a:bodyPr rtlCol="0"/>
-          <a:lstStyle/>
-          <a:p>
-            <a:pPr algn="l" rtl="0"/>
-            <a:fld id="{294A09A9-5501-47C1-A89A-A340965A2BE2}" type="slidenum">
-              <a:rPr lang="it-IT" smtClean="0"/>
-              <a:pPr algn="l" rtl="0"/>
-              <a:t>19</a:t>
-            </a:fld>
+              <a:t>Lavorare con Contoso è stato fantastico. </a:t>
+            </a:r>
+            <a:br>
+              <a:rPr lang="it-IT"/>
+            </a:br>
+            <a:r>
+              <a:rPr lang="it-IT"/>
+              <a:t>Filippa era la mia rappresentante e ha anticipato ogni mia esigenza, lavorando diligentemente alla soluzione del problema.</a:t>
+            </a:r>
+            <a:br>
+              <a:rPr lang="it-IT"/>
+            </a:br>
             <a:endParaRPr lang="it-IT"/>
-          </a:p>
-        </p:txBody>
-      </p:sp>
-      <p:sp>
-        <p:nvSpPr>
-          <p:cNvPr id="8" name="Segnaposto piè di pagina 7">
-            <a:extLst>
-              <a:ext uri="{FF2B5EF4-FFF2-40B4-BE49-F238E27FC236}">
-                <a16:creationId xmlns:a16="http://schemas.microsoft.com/office/drawing/2014/main" id="{2A659727-BBB9-9B49-BCA1-694F74F717C4}"/>
-              </a:ext>
-            </a:extLst>
-          </p:cNvPr>
-          <p:cNvSpPr>
-            <a:spLocks noGrp="1"/>
-          </p:cNvSpPr>
-          <p:nvPr>
-            <p:ph type="ftr" sz="quarter" idx="15"/>
-          </p:nvPr>
-        </p:nvSpPr>
-        <p:spPr>
-          <a:xfrm>
-            <a:off x="1494790" y="6332220"/>
-            <a:ext cx="1497330" cy="247651"/>
-          </a:xfrm>
-        </p:spPr>
-        <p:txBody>
-          <a:bodyPr rtlCol="0"/>
-          <a:lstStyle/>
-          <a:p>
-            <a:pPr rtl="0"/>
-            <a:r>
-              <a:rPr lang="it-IT"/>
-              <a:t>Relazione annuale</a:t>
-            </a:r>
-            <a:endParaRPr lang="it-IT" sz="1100"/>
-          </a:p>
-        </p:txBody>
-      </p:sp>
-      <p:sp>
-        <p:nvSpPr>
-          <p:cNvPr id="7" name="Segnaposto data 6">
-            <a:extLst>
-              <a:ext uri="{FF2B5EF4-FFF2-40B4-BE49-F238E27FC236}">
-                <a16:creationId xmlns:a16="http://schemas.microsoft.com/office/drawing/2014/main" id="{99E44123-0AF5-4A4C-B0C7-BB7409DE8161}"/>
-              </a:ext>
-            </a:extLst>
-          </p:cNvPr>
-          <p:cNvSpPr>
-            <a:spLocks noGrp="1"/>
-          </p:cNvSpPr>
-          <p:nvPr>
-            <p:ph type="dt" sz="half" idx="14"/>
-          </p:nvPr>
-        </p:nvSpPr>
-        <p:spPr>
-          <a:xfrm>
-            <a:off x="2992120" y="6332220"/>
-            <a:ext cx="1313180" cy="247651"/>
-          </a:xfrm>
-        </p:spPr>
-        <p:txBody>
-          <a:bodyPr rtlCol="0"/>
-          <a:lstStyle/>
-          <a:p>
-            <a:pPr rtl="0"/>
-            <a:fld id="{716013CD-BB09-48C5-9D54-AFC6DFBDB414}" type="datetime4">
-              <a:rPr lang="it-IT" sz="1100" smtClean="0"/>
-              <a:t>8 febbraio 2024</a:t>
-            </a:fld>
-            <a:endParaRPr lang="it-IT" sz="1100"/>
           </a:p>
         </p:txBody>
       </p:sp>
     </p:spTree>
     <p:extLst>
       <p:ext uri="{BB962C8B-B14F-4D97-AF65-F5344CB8AC3E}">
-        <p14:creationId xmlns:p14="http://schemas.microsoft.com/office/powerpoint/2010/main" val="767675903"/>
+        <p14:creationId xmlns:p14="http://schemas.microsoft.com/office/powerpoint/2010/main" val="4206035864"/>
       </p:ext>
     </p:extLst>
   </p:cSld>
@@ -22159,10 +22348,10 @@
       </p:grpSpPr>
       <p:sp>
         <p:nvSpPr>
-          <p:cNvPr id="2" name="Titolo 1">
-            <a:extLst>
-              <a:ext uri="{FF2B5EF4-FFF2-40B4-BE49-F238E27FC236}">
-                <a16:creationId xmlns:a16="http://schemas.microsoft.com/office/drawing/2014/main" id="{C18026B5-2F88-BA48-A996-4A13FDFAA43A}"/>
+          <p:cNvPr id="3" name="Titolo 2">
+            <a:extLst>
+              <a:ext uri="{FF2B5EF4-FFF2-40B4-BE49-F238E27FC236}">
+                <a16:creationId xmlns:a16="http://schemas.microsoft.com/office/drawing/2014/main" id="{01EB1D7F-284F-6F46-99FA-EBB8ED69D7EA}"/>
               </a:ext>
             </a:extLst>
           </p:cNvPr>
@@ -22173,68 +22362,10 @@
             <p:ph type="title"/>
           </p:nvPr>
         </p:nvSpPr>
-        <p:spPr/>
-        <p:txBody>
-          <a:bodyPr rtlCol="0"/>
-          <a:lstStyle/>
-          <a:p>
-            <a:pPr rtl="0"/>
-            <a:r>
-              <a:rPr lang="it-IT"/>
-              <a:t>Obiettivi per il T2</a:t>
-            </a:r>
-          </a:p>
-        </p:txBody>
-      </p:sp>
-      <p:sp>
-        <p:nvSpPr>
-          <p:cNvPr id="3" name="Segnaposto testo 2">
-            <a:extLst>
-              <a:ext uri="{FF2B5EF4-FFF2-40B4-BE49-F238E27FC236}">
-                <a16:creationId xmlns:a16="http://schemas.microsoft.com/office/drawing/2014/main" id="{A5ABDF8F-0AD5-5C43-9EF3-8679B9897E01}"/>
-              </a:ext>
-            </a:extLst>
-          </p:cNvPr>
-          <p:cNvSpPr>
-            <a:spLocks noGrp="1"/>
-          </p:cNvSpPr>
-          <p:nvPr>
-            <p:ph type="body" idx="1"/>
-          </p:nvPr>
-        </p:nvSpPr>
-        <p:spPr/>
-        <p:txBody>
-          <a:bodyPr rtlCol="0"/>
-          <a:lstStyle/>
-          <a:p>
-            <a:pPr rtl="0"/>
-            <a:r>
-              <a:rPr lang="it-IT"/>
-              <a:t>Priorità aziendali</a:t>
-            </a:r>
-          </a:p>
-        </p:txBody>
-      </p:sp>
-      <p:sp>
-        <p:nvSpPr>
-          <p:cNvPr id="4" name="Segnaposto contenuto 3">
-            <a:extLst>
-              <a:ext uri="{FF2B5EF4-FFF2-40B4-BE49-F238E27FC236}">
-                <a16:creationId xmlns:a16="http://schemas.microsoft.com/office/drawing/2014/main" id="{7782A119-28D1-B54D-A879-A0DDEC296674}"/>
-              </a:ext>
-            </a:extLst>
-          </p:cNvPr>
-          <p:cNvSpPr>
-            <a:spLocks noGrp="1"/>
-          </p:cNvSpPr>
-          <p:nvPr>
-            <p:ph sz="half" idx="2"/>
-          </p:nvPr>
-        </p:nvSpPr>
         <p:spPr>
           <a:xfrm>
-            <a:off x="952500" y="2786446"/>
-            <a:ext cx="3036477" cy="1942138"/>
+            <a:off x="964022" y="879063"/>
+            <a:ext cx="7532277" cy="610863"/>
           </a:xfrm>
         </p:spPr>
         <p:txBody>
@@ -22243,35 +22374,52 @@
           <a:p>
             <a:pPr rtl="0"/>
             <a:r>
-              <a:rPr lang="it-IT"/>
-              <a:t>Aumentare la soddisfazione dei clienti del 2%</a:t>
-            </a:r>
-          </a:p>
-          <a:p>
-            <a:pPr rtl="0"/>
-            <a:r>
-              <a:rPr lang="it-IT"/>
-              <a:t>Mantenere la crescita</a:t>
-            </a:r>
-          </a:p>
-          <a:p>
-            <a:pPr marL="0" indent="0" rtl="0">
-              <a:buNone/>
-            </a:pPr>
-            <a:endParaRPr lang="it-IT"/>
-          </a:p>
-          <a:p>
-            <a:pPr rtl="0"/>
-            <a:endParaRPr lang="it-IT"/>
+              <a:rPr lang="it-IT" dirty="0"/>
+              <a:t>Il nostro team</a:t>
+            </a:r>
           </a:p>
         </p:txBody>
       </p:sp>
-      <p:sp>
-        <p:nvSpPr>
-          <p:cNvPr id="5" name="Segnaposto testo 4">
-            <a:extLst>
-              <a:ext uri="{FF2B5EF4-FFF2-40B4-BE49-F238E27FC236}">
-                <a16:creationId xmlns:a16="http://schemas.microsoft.com/office/drawing/2014/main" id="{B55E5840-ED0D-0349-88F3-4E90A0094985}"/>
+      <p:pic>
+        <p:nvPicPr>
+          <p:cNvPr id="37" name="Segnaposto immagine 36" descr="Ritratto di un membro del team">
+            <a:extLst>
+              <a:ext uri="{FF2B5EF4-FFF2-40B4-BE49-F238E27FC236}">
+                <a16:creationId xmlns:a16="http://schemas.microsoft.com/office/drawing/2014/main" id="{A6DA57CA-945B-4A0F-8110-3C4D57993698}"/>
+              </a:ext>
+            </a:extLst>
+          </p:cNvPr>
+          <p:cNvPicPr>
+            <a:picLocks noGrp="1" noChangeAspect="1"/>
+          </p:cNvPicPr>
+          <p:nvPr>
+            <p:ph type="pic" sz="quarter" idx="18"/>
+          </p:nvPr>
+        </p:nvPicPr>
+        <p:blipFill rotWithShape="1">
+          <a:blip r:embed="rId3">
+            <a:extLst>
+              <a:ext uri="{28A0092B-C50C-407E-A947-70E740481C1C}">
+                <a14:useLocalDpi xmlns:a14="http://schemas.microsoft.com/office/drawing/2010/main" val="0"/>
+              </a:ext>
+            </a:extLst>
+          </a:blip>
+          <a:srcRect/>
+          <a:stretch/>
+        </p:blipFill>
+        <p:spPr>
+          <a:xfrm>
+            <a:off x="954268" y="2572883"/>
+            <a:ext cx="2118245" cy="2037217"/>
+          </a:xfrm>
+        </p:spPr>
+      </p:pic>
+      <p:sp>
+        <p:nvSpPr>
+          <p:cNvPr id="6" name="Segnaposto testo 5">
+            <a:extLst>
+              <a:ext uri="{FF2B5EF4-FFF2-40B4-BE49-F238E27FC236}">
+                <a16:creationId xmlns:a16="http://schemas.microsoft.com/office/drawing/2014/main" id="{EA1E2644-1BD8-DB4D-B01F-F617AABF793F}"/>
               </a:ext>
             </a:extLst>
           </p:cNvPr>
@@ -22279,10 +22427,15 @@
             <a:spLocks noGrp="1"/>
           </p:cNvSpPr>
           <p:nvPr>
-            <p:ph type="body" idx="10"/>
-          </p:nvPr>
-        </p:nvSpPr>
-        <p:spPr/>
+            <p:ph type="body" sz="quarter" idx="11"/>
+          </p:nvPr>
+        </p:nvSpPr>
+        <p:spPr>
+          <a:xfrm>
+            <a:off x="952500" y="4986745"/>
+            <a:ext cx="2133600" cy="205837"/>
+          </a:xfrm>
+        </p:spPr>
         <p:txBody>
           <a:bodyPr rtlCol="0"/>
           <a:lstStyle/>
@@ -22290,17 +22443,21 @@
             <a:pPr rtl="0"/>
             <a:r>
               <a:rPr lang="it-IT"/>
-              <a:t>Altre priorità</a:t>
-            </a:r>
+              <a:t>Anna</a:t>
+            </a:r>
+          </a:p>
+          <a:p>
+            <a:pPr rtl="0"/>
+            <a:endParaRPr lang="it-IT"/>
           </a:p>
         </p:txBody>
       </p:sp>
       <p:sp>
         <p:nvSpPr>
-          <p:cNvPr id="6" name="Segnaposto contenuto 5">
-            <a:extLst>
-              <a:ext uri="{FF2B5EF4-FFF2-40B4-BE49-F238E27FC236}">
-                <a16:creationId xmlns:a16="http://schemas.microsoft.com/office/drawing/2014/main" id="{34801285-85FB-FD43-9631-322998389AF0}"/>
+          <p:cNvPr id="5" name="Segnaposto testo 4">
+            <a:extLst>
+              <a:ext uri="{FF2B5EF4-FFF2-40B4-BE49-F238E27FC236}">
+                <a16:creationId xmlns:a16="http://schemas.microsoft.com/office/drawing/2014/main" id="{9642AB8A-80CA-C941-A861-E9F7C174A121}"/>
               </a:ext>
             </a:extLst>
           </p:cNvPr>
@@ -22308,42 +22465,76 @@
             <a:spLocks noGrp="1"/>
           </p:cNvSpPr>
           <p:nvPr>
-            <p:ph sz="half" idx="11"/>
-          </p:nvPr>
-        </p:nvSpPr>
-        <p:spPr/>
+            <p:ph type="body" sz="quarter" idx="12"/>
+          </p:nvPr>
+        </p:nvSpPr>
+        <p:spPr>
+          <a:xfrm>
+            <a:off x="952500" y="5393169"/>
+            <a:ext cx="2133600" cy="369332"/>
+          </a:xfrm>
+        </p:spPr>
         <p:txBody>
           <a:bodyPr rtlCol="0"/>
           <a:lstStyle/>
           <a:p>
             <a:pPr rtl="0"/>
             <a:r>
-              <a:rPr lang="it-IT" dirty="0"/>
-              <a:t>Ridurre il numero di rotazioni </a:t>
-            </a:r>
-            <a:br>
-              <a:rPr lang="it-IT" dirty="0"/>
-            </a:br>
-            <a:r>
-              <a:rPr lang="it-IT" dirty="0"/>
-              <a:t>di almeno 2</a:t>
-            </a:r>
-          </a:p>
-          <a:p>
-            <a:pPr rtl="0"/>
-            <a:r>
-              <a:rPr lang="it-IT" dirty="0"/>
-              <a:t>Verificare che i costi di sviluppo rimangano all'interno del budget</a:t>
+              <a:rPr lang="it-IT"/>
+              <a:t>CEO</a:t>
             </a:r>
           </a:p>
         </p:txBody>
       </p:sp>
-      <p:sp>
-        <p:nvSpPr>
-          <p:cNvPr id="7" name="Segnaposto testo 6">
-            <a:extLst>
-              <a:ext uri="{FF2B5EF4-FFF2-40B4-BE49-F238E27FC236}">
-                <a16:creationId xmlns:a16="http://schemas.microsoft.com/office/drawing/2014/main" id="{8820E658-15B8-6C4B-A736-3D894774670E}"/>
+      <p:pic>
+        <p:nvPicPr>
+          <p:cNvPr id="19" name="Segnaposto immagine 13" descr="Ritratto di un membro del team">
+            <a:extLst>
+              <a:ext uri="{FF2B5EF4-FFF2-40B4-BE49-F238E27FC236}">
+                <a16:creationId xmlns:a16="http://schemas.microsoft.com/office/drawing/2014/main" id="{EF9CA003-7E17-ED41-92AE-D8D98C0825A7}"/>
+              </a:ext>
+            </a:extLst>
+          </p:cNvPr>
+          <p:cNvPicPr>
+            <a:picLocks noGrp="1" noChangeAspect="1"/>
+          </p:cNvPicPr>
+          <p:nvPr>
+            <p:ph type="pic" sz="quarter" idx="24"/>
+          </p:nvPr>
+        </p:nvPicPr>
+        <p:blipFill rotWithShape="1">
+          <a:blip r:embed="rId4">
+            <a:extLst>
+              <a:ext uri="{BEBA8EAE-BF5A-486C-A8C5-ECC9F3942E4B}">
+                <a14:imgProps xmlns:a14="http://schemas.microsoft.com/office/drawing/2010/main">
+                  <a14:imgLayer r:embed="rId5">
+                    <a14:imgEffect>
+                      <a14:saturation sat="0"/>
+                    </a14:imgEffect>
+                  </a14:imgLayer>
+                </a14:imgProps>
+              </a:ext>
+              <a:ext uri="{28A0092B-C50C-407E-A947-70E740481C1C}">
+                <a14:useLocalDpi xmlns:a14="http://schemas.microsoft.com/office/drawing/2010/main" val="0"/>
+              </a:ext>
+            </a:extLst>
+          </a:blip>
+          <a:srcRect/>
+          <a:stretch/>
+        </p:blipFill>
+        <p:spPr>
+          <a:xfrm>
+            <a:off x="3658280" y="2572883"/>
+            <a:ext cx="2118245" cy="2037217"/>
+          </a:xfrm>
+        </p:spPr>
+      </p:pic>
+      <p:sp>
+        <p:nvSpPr>
+          <p:cNvPr id="8" name="Segnaposto testo 7">
+            <a:extLst>
+              <a:ext uri="{FF2B5EF4-FFF2-40B4-BE49-F238E27FC236}">
+                <a16:creationId xmlns:a16="http://schemas.microsoft.com/office/drawing/2014/main" id="{AF43A531-88E8-744E-9BB5-FD05029B1D21}"/>
               </a:ext>
             </a:extLst>
           </p:cNvPr>
@@ -22351,10 +22542,15 @@
             <a:spLocks noGrp="1"/>
           </p:cNvSpPr>
           <p:nvPr>
-            <p:ph type="body" idx="12"/>
-          </p:nvPr>
-        </p:nvSpPr>
-        <p:spPr/>
+            <p:ph type="body" sz="quarter" idx="15"/>
+          </p:nvPr>
+        </p:nvSpPr>
+        <p:spPr>
+          <a:xfrm>
+            <a:off x="3663042" y="4986745"/>
+            <a:ext cx="2128157" cy="205837"/>
+          </a:xfrm>
+        </p:spPr>
         <p:txBody>
           <a:bodyPr rtlCol="0"/>
           <a:lstStyle/>
@@ -22362,17 +22558,17 @@
             <a:pPr rtl="0"/>
             <a:r>
               <a:rPr lang="it-IT"/>
-              <a:t>Opportunità per i dipendenti</a:t>
+              <a:t>Larissa</a:t>
             </a:r>
           </a:p>
         </p:txBody>
       </p:sp>
       <p:sp>
         <p:nvSpPr>
-          <p:cNvPr id="8" name="Segnaposto contenuto 7">
-            <a:extLst>
-              <a:ext uri="{FF2B5EF4-FFF2-40B4-BE49-F238E27FC236}">
-                <a16:creationId xmlns:a16="http://schemas.microsoft.com/office/drawing/2014/main" id="{7F52F621-1B1F-5E49-939F-12BD1A0FD522}"/>
+          <p:cNvPr id="7" name="Segnaposto testo 6">
+            <a:extLst>
+              <a:ext uri="{FF2B5EF4-FFF2-40B4-BE49-F238E27FC236}">
+                <a16:creationId xmlns:a16="http://schemas.microsoft.com/office/drawing/2014/main" id="{3590C1A1-4321-EC41-8248-D3B566DD51BD}"/>
               </a:ext>
             </a:extLst>
           </p:cNvPr>
@@ -22380,74 +22576,67 @@
             <a:spLocks noGrp="1"/>
           </p:cNvSpPr>
           <p:nvPr>
-            <p:ph sz="half" idx="13"/>
-          </p:nvPr>
-        </p:nvSpPr>
-        <p:spPr/>
+            <p:ph type="body" sz="quarter" idx="13"/>
+          </p:nvPr>
+        </p:nvSpPr>
+        <p:spPr>
+          <a:xfrm>
+            <a:off x="3663042" y="5393169"/>
+            <a:ext cx="2128157" cy="369332"/>
+          </a:xfrm>
+        </p:spPr>
         <p:txBody>
-          <a:bodyPr rtlCol="0">
-            <a:normAutofit lnSpcReduction="10000"/>
-          </a:bodyPr>
+          <a:bodyPr rtlCol="0"/>
           <a:lstStyle/>
           <a:p>
             <a:pPr rtl="0"/>
             <a:r>
               <a:rPr lang="it-IT"/>
-              <a:t>Inizio dei tirocinanti</a:t>
-            </a:r>
-          </a:p>
-          <a:p>
-            <a:pPr rtl="0"/>
-            <a:r>
-              <a:rPr lang="it-IT"/>
-              <a:t>Campionati ricreativi al coperto</a:t>
-            </a:r>
-          </a:p>
-          <a:p>
-            <a:pPr rtl="0"/>
-            <a:r>
-              <a:rPr lang="it-IT"/>
-              <a:t>Tornei di scacchi</a:t>
-            </a:r>
-          </a:p>
-          <a:p>
-            <a:pPr rtl="0"/>
-            <a:r>
-              <a:rPr lang="it-IT"/>
-              <a:t>Festa per guardare insieme la partita</a:t>
-            </a:r>
-          </a:p>
-          <a:p>
-            <a:pPr rtl="0"/>
-            <a:r>
-              <a:rPr lang="it-IT"/>
-              <a:t>Raccolta alimentare</a:t>
-            </a:r>
-          </a:p>
-          <a:p>
-            <a:pPr marL="0" indent="0" rtl="0">
-              <a:buNone/>
-            </a:pPr>
-            <a:endParaRPr lang="it-IT"/>
-          </a:p>
-          <a:p>
-            <a:pPr marL="0" indent="0" rtl="0">
-              <a:buNone/>
-            </a:pPr>
-            <a:endParaRPr lang="it-IT"/>
-          </a:p>
-          <a:p>
-            <a:pPr rtl="0"/>
-            <a:endParaRPr lang="it-IT"/>
+              <a:t>CFO</a:t>
+            </a:r>
           </a:p>
         </p:txBody>
       </p:sp>
-      <p:sp>
-        <p:nvSpPr>
-          <p:cNvPr id="11" name="Segnaposto numero diapositiva 10">
-            <a:extLst>
-              <a:ext uri="{FF2B5EF4-FFF2-40B4-BE49-F238E27FC236}">
-                <a16:creationId xmlns:a16="http://schemas.microsoft.com/office/drawing/2014/main" id="{8B50C3FA-D20D-3049-9C7F-6F37D4E022C5}"/>
+      <p:pic>
+        <p:nvPicPr>
+          <p:cNvPr id="41" name="Segnaposto immagine 40" descr="Ritratto di un membro del team">
+            <a:extLst>
+              <a:ext uri="{FF2B5EF4-FFF2-40B4-BE49-F238E27FC236}">
+                <a16:creationId xmlns:a16="http://schemas.microsoft.com/office/drawing/2014/main" id="{74EB486D-4A8D-4B29-8FD0-B96906E3E283}"/>
+              </a:ext>
+            </a:extLst>
+          </p:cNvPr>
+          <p:cNvPicPr>
+            <a:picLocks noGrp="1" noChangeAspect="1"/>
+          </p:cNvPicPr>
+          <p:nvPr>
+            <p:ph type="pic" sz="quarter" idx="27"/>
+          </p:nvPr>
+        </p:nvPicPr>
+        <p:blipFill rotWithShape="1">
+          <a:blip r:embed="rId6">
+            <a:extLst>
+              <a:ext uri="{28A0092B-C50C-407E-A947-70E740481C1C}">
+                <a14:useLocalDpi xmlns:a14="http://schemas.microsoft.com/office/drawing/2010/main" val="0"/>
+              </a:ext>
+            </a:extLst>
+          </a:blip>
+          <a:srcRect/>
+          <a:stretch/>
+        </p:blipFill>
+        <p:spPr>
+          <a:xfrm>
+            <a:off x="6362292" y="2572883"/>
+            <a:ext cx="2118245" cy="2037217"/>
+          </a:xfrm>
+        </p:spPr>
+      </p:pic>
+      <p:sp>
+        <p:nvSpPr>
+          <p:cNvPr id="10" name="Segnaposto testo 9">
+            <a:extLst>
+              <a:ext uri="{FF2B5EF4-FFF2-40B4-BE49-F238E27FC236}">
+                <a16:creationId xmlns:a16="http://schemas.microsoft.com/office/drawing/2014/main" id="{1DF7B21D-37D3-8344-AC78-C169C79D3D2A}"/>
               </a:ext>
             </a:extLst>
           </p:cNvPr>
@@ -22455,7 +22644,186 @@
             <a:spLocks noGrp="1"/>
           </p:cNvSpPr>
           <p:nvPr>
-            <p:ph type="sldNum" sz="quarter" idx="16"/>
+            <p:ph type="body" sz="quarter" idx="31"/>
+          </p:nvPr>
+        </p:nvSpPr>
+        <p:spPr>
+          <a:xfrm>
+            <a:off x="6367054" y="4986745"/>
+            <a:ext cx="2129245" cy="205837"/>
+          </a:xfrm>
+        </p:spPr>
+        <p:txBody>
+          <a:bodyPr rtlCol="0"/>
+          <a:lstStyle/>
+          <a:p>
+            <a:pPr rtl="0"/>
+            <a:r>
+              <a:rPr lang="it-IT"/>
+              <a:t>Gerolamo</a:t>
+            </a:r>
+          </a:p>
+        </p:txBody>
+      </p:sp>
+      <p:sp>
+        <p:nvSpPr>
+          <p:cNvPr id="9" name="Segnaposto testo 8">
+            <a:extLst>
+              <a:ext uri="{FF2B5EF4-FFF2-40B4-BE49-F238E27FC236}">
+                <a16:creationId xmlns:a16="http://schemas.microsoft.com/office/drawing/2014/main" id="{2581095F-0795-744B-A3E7-94DFB3CBF331}"/>
+              </a:ext>
+            </a:extLst>
+          </p:cNvPr>
+          <p:cNvSpPr>
+            <a:spLocks noGrp="1"/>
+          </p:cNvSpPr>
+          <p:nvPr>
+            <p:ph type="body" sz="quarter" idx="16"/>
+          </p:nvPr>
+        </p:nvSpPr>
+        <p:spPr>
+          <a:xfrm>
+            <a:off x="6367054" y="5393169"/>
+            <a:ext cx="2129245" cy="369332"/>
+          </a:xfrm>
+        </p:spPr>
+        <p:txBody>
+          <a:bodyPr rtlCol="0"/>
+          <a:lstStyle/>
+          <a:p>
+            <a:pPr rtl="0"/>
+            <a:r>
+              <a:rPr lang="it-IT"/>
+              <a:t>COO</a:t>
+            </a:r>
+          </a:p>
+        </p:txBody>
+      </p:sp>
+      <p:pic>
+        <p:nvPicPr>
+          <p:cNvPr id="21" name="Segnaposto immagine 18" descr="Ritratto di un membro del team">
+            <a:extLst>
+              <a:ext uri="{FF2B5EF4-FFF2-40B4-BE49-F238E27FC236}">
+                <a16:creationId xmlns:a16="http://schemas.microsoft.com/office/drawing/2014/main" id="{17C96991-59CF-8142-BA51-B8B56EE23D65}"/>
+              </a:ext>
+            </a:extLst>
+          </p:cNvPr>
+          <p:cNvPicPr>
+            <a:picLocks noGrp="1" noChangeAspect="1"/>
+          </p:cNvPicPr>
+          <p:nvPr>
+            <p:ph type="pic" sz="quarter" idx="30"/>
+          </p:nvPr>
+        </p:nvPicPr>
+        <p:blipFill rotWithShape="1">
+          <a:blip r:embed="rId7">
+            <a:extLst>
+              <a:ext uri="{BEBA8EAE-BF5A-486C-A8C5-ECC9F3942E4B}">
+                <a14:imgProps xmlns:a14="http://schemas.microsoft.com/office/drawing/2010/main">
+                  <a14:imgLayer r:embed="rId8">
+                    <a14:imgEffect>
+                      <a14:saturation sat="0"/>
+                    </a14:imgEffect>
+                  </a14:imgLayer>
+                </a14:imgProps>
+              </a:ext>
+              <a:ext uri="{28A0092B-C50C-407E-A947-70E740481C1C}">
+                <a14:useLocalDpi xmlns:a14="http://schemas.microsoft.com/office/drawing/2010/main" val="0"/>
+              </a:ext>
+            </a:extLst>
+          </a:blip>
+          <a:srcRect/>
+          <a:stretch/>
+        </p:blipFill>
+        <p:spPr>
+          <a:xfrm>
+            <a:off x="9112023" y="2572883"/>
+            <a:ext cx="2118245" cy="2037217"/>
+          </a:xfrm>
+        </p:spPr>
+      </p:pic>
+      <p:sp>
+        <p:nvSpPr>
+          <p:cNvPr id="12" name="Segnaposto testo 11">
+            <a:extLst>
+              <a:ext uri="{FF2B5EF4-FFF2-40B4-BE49-F238E27FC236}">
+                <a16:creationId xmlns:a16="http://schemas.microsoft.com/office/drawing/2014/main" id="{70695B8F-A3CD-4845-8150-758480179C28}"/>
+              </a:ext>
+            </a:extLst>
+          </p:cNvPr>
+          <p:cNvSpPr>
+            <a:spLocks noGrp="1"/>
+          </p:cNvSpPr>
+          <p:nvPr>
+            <p:ph type="body" sz="quarter" idx="21"/>
+          </p:nvPr>
+        </p:nvSpPr>
+        <p:spPr>
+          <a:xfrm>
+            <a:off x="9110254" y="4986745"/>
+            <a:ext cx="2129245" cy="205837"/>
+          </a:xfrm>
+        </p:spPr>
+        <p:txBody>
+          <a:bodyPr rtlCol="0"/>
+          <a:lstStyle/>
+          <a:p>
+            <a:pPr rtl="0"/>
+            <a:r>
+              <a:rPr lang="it-IT"/>
+              <a:t>Federico</a:t>
+            </a:r>
+          </a:p>
+        </p:txBody>
+      </p:sp>
+      <p:sp>
+        <p:nvSpPr>
+          <p:cNvPr id="11" name="Segnaposto testo 10">
+            <a:extLst>
+              <a:ext uri="{FF2B5EF4-FFF2-40B4-BE49-F238E27FC236}">
+                <a16:creationId xmlns:a16="http://schemas.microsoft.com/office/drawing/2014/main" id="{69B26C61-D5D7-CC42-848C-158367DB8216}"/>
+              </a:ext>
+            </a:extLst>
+          </p:cNvPr>
+          <p:cNvSpPr>
+            <a:spLocks noGrp="1"/>
+          </p:cNvSpPr>
+          <p:nvPr>
+            <p:ph type="body" sz="quarter" idx="19"/>
+          </p:nvPr>
+        </p:nvSpPr>
+        <p:spPr>
+          <a:xfrm>
+            <a:off x="9110254" y="5393169"/>
+            <a:ext cx="2129245" cy="369332"/>
+          </a:xfrm>
+        </p:spPr>
+        <p:txBody>
+          <a:bodyPr rtlCol="0"/>
+          <a:lstStyle/>
+          <a:p>
+            <a:pPr rtl="0"/>
+            <a:r>
+              <a:rPr lang="it-IT"/>
+              <a:t>CTO</a:t>
+            </a:r>
+          </a:p>
+        </p:txBody>
+      </p:sp>
+      <p:sp>
+        <p:nvSpPr>
+          <p:cNvPr id="17" name="Segnaposto numero diapositiva 16">
+            <a:extLst>
+              <a:ext uri="{FF2B5EF4-FFF2-40B4-BE49-F238E27FC236}">
+                <a16:creationId xmlns:a16="http://schemas.microsoft.com/office/drawing/2014/main" id="{32DA2B67-BDBB-C945-988B-6C0D86F697CE}"/>
+              </a:ext>
+            </a:extLst>
+          </p:cNvPr>
+          <p:cNvSpPr>
+            <a:spLocks noGrp="1"/>
+          </p:cNvSpPr>
+          <p:nvPr>
+            <p:ph type="sldNum" sz="quarter" idx="34"/>
           </p:nvPr>
         </p:nvSpPr>
         <p:spPr>
@@ -22468,10 +22836,10 @@
           <a:bodyPr rtlCol="0"/>
           <a:lstStyle/>
           <a:p>
-            <a:pPr algn="l" rtl="0"/>
+            <a:pPr rtl="0"/>
             <a:fld id="{294A09A9-5501-47C1-A89A-A340965A2BE2}" type="slidenum">
               <a:rPr lang="it-IT" smtClean="0"/>
-              <a:pPr algn="l" rtl="0"/>
+              <a:pPr rtl="0"/>
               <a:t>20</a:t>
             </a:fld>
             <a:endParaRPr lang="it-IT"/>
@@ -22480,10 +22848,10 @@
       </p:sp>
       <p:sp>
         <p:nvSpPr>
-          <p:cNvPr id="10" name="Segnaposto piè di pagina 9">
-            <a:extLst>
-              <a:ext uri="{FF2B5EF4-FFF2-40B4-BE49-F238E27FC236}">
-                <a16:creationId xmlns:a16="http://schemas.microsoft.com/office/drawing/2014/main" id="{56278D20-060E-1942-9A72-E600C02A8208}"/>
+          <p:cNvPr id="16" name="Segnaposto piè di pagina 15">
+            <a:extLst>
+              <a:ext uri="{FF2B5EF4-FFF2-40B4-BE49-F238E27FC236}">
+                <a16:creationId xmlns:a16="http://schemas.microsoft.com/office/drawing/2014/main" id="{1EAEE347-BDD8-5349-BB37-C8938BFCFF4C}"/>
               </a:ext>
             </a:extLst>
           </p:cNvPr>
@@ -22491,7 +22859,7 @@
             <a:spLocks noGrp="1"/>
           </p:cNvSpPr>
           <p:nvPr>
-            <p:ph type="ftr" sz="quarter" idx="15"/>
+            <p:ph type="ftr" sz="quarter" idx="33"/>
           </p:nvPr>
         </p:nvSpPr>
         <p:spPr>
@@ -22509,16 +22877,15 @@
               <a:rPr lang="it-IT"/>
               <a:t>Relazione annuale</a:t>
             </a:r>
-            <a:endParaRPr lang="it-IT" sz="1100"/>
           </a:p>
         </p:txBody>
       </p:sp>
       <p:sp>
         <p:nvSpPr>
-          <p:cNvPr id="9" name="Segnaposto data 8">
-            <a:extLst>
-              <a:ext uri="{FF2B5EF4-FFF2-40B4-BE49-F238E27FC236}">
-                <a16:creationId xmlns:a16="http://schemas.microsoft.com/office/drawing/2014/main" id="{AFD06229-BFA1-7D4D-B1E0-0A9F7FBF1F7E}"/>
+          <p:cNvPr id="15" name="Segnaposto data 14">
+            <a:extLst>
+              <a:ext uri="{FF2B5EF4-FFF2-40B4-BE49-F238E27FC236}">
+                <a16:creationId xmlns:a16="http://schemas.microsoft.com/office/drawing/2014/main" id="{B160BE06-EC01-1145-BF3B-C02AC24955C4}"/>
               </a:ext>
             </a:extLst>
           </p:cNvPr>
@@ -22526,7 +22893,7 @@
             <a:spLocks noGrp="1"/>
           </p:cNvSpPr>
           <p:nvPr>
-            <p:ph type="dt" sz="half" idx="14"/>
+            <p:ph type="dt" sz="half" idx="32"/>
           </p:nvPr>
         </p:nvSpPr>
         <p:spPr>
@@ -22540,18 +22907,18 @@
           <a:lstStyle/>
           <a:p>
             <a:pPr rtl="0"/>
-            <a:fld id="{6FA8A17B-5266-4DF8-A231-E5939ACD3554}" type="datetime4">
-              <a:rPr lang="it-IT" sz="1100" smtClean="0"/>
-              <a:t>8 febbraio 2024</a:t>
+            <a:fld id="{02F484EB-7C75-4C92-BF6F-0EA6345DD9AE}" type="datetime4">
+              <a:rPr lang="it-IT" smtClean="0"/>
+              <a:t>9 febbraio 2024</a:t>
             </a:fld>
-            <a:endParaRPr lang="it-IT" sz="1100"/>
+            <a:endParaRPr lang="it-IT"/>
           </a:p>
         </p:txBody>
       </p:sp>
     </p:spTree>
     <p:extLst>
       <p:ext uri="{BB962C8B-B14F-4D97-AF65-F5344CB8AC3E}">
-        <p14:creationId xmlns:p14="http://schemas.microsoft.com/office/powerpoint/2010/main" val="495483412"/>
+        <p14:creationId xmlns:p14="http://schemas.microsoft.com/office/powerpoint/2010/main" val="188845726"/>
       </p:ext>
     </p:extLst>
   </p:cSld>
@@ -22583,7 +22950,7 @@
           <p:cNvPr id="2" name="Titolo 1">
             <a:extLst>
               <a:ext uri="{FF2B5EF4-FFF2-40B4-BE49-F238E27FC236}">
-                <a16:creationId xmlns:a16="http://schemas.microsoft.com/office/drawing/2014/main" id="{8C122DF8-59D4-D94D-8ED9-F2F319899DBF}"/>
+                <a16:creationId xmlns:a16="http://schemas.microsoft.com/office/drawing/2014/main" id="{00319620-6CCC-A34D-9D45-D6B57F800708}"/>
               </a:ext>
             </a:extLst>
           </p:cNvPr>
@@ -22594,7 +22961,48 @@
             <p:ph type="title"/>
           </p:nvPr>
         </p:nvSpPr>
-        <p:spPr/>
+        <p:spPr>
+          <a:xfrm>
+            <a:off x="964023" y="879063"/>
+            <a:ext cx="6400604" cy="610863"/>
+          </a:xfrm>
+        </p:spPr>
+        <p:txBody>
+          <a:bodyPr rtlCol="0">
+            <a:normAutofit/>
+          </a:bodyPr>
+          <a:lstStyle/>
+          <a:p>
+            <a:pPr rtl="0"/>
+            <a:r>
+              <a:rPr lang="it-IT" dirty="0"/>
+              <a:t>Sequenza temporale</a:t>
+            </a:r>
+          </a:p>
+        </p:txBody>
+      </p:sp>
+      <p:sp>
+        <p:nvSpPr>
+          <p:cNvPr id="4" name="Segnaposto testo 3">
+            <a:extLst>
+              <a:ext uri="{FF2B5EF4-FFF2-40B4-BE49-F238E27FC236}">
+                <a16:creationId xmlns:a16="http://schemas.microsoft.com/office/drawing/2014/main" id="{86655189-E7B2-3A4A-99EE-997592791F7D}"/>
+              </a:ext>
+            </a:extLst>
+          </p:cNvPr>
+          <p:cNvSpPr>
+            <a:spLocks noGrp="1"/>
+          </p:cNvSpPr>
+          <p:nvPr>
+            <p:ph type="body" sz="quarter" idx="11"/>
+          </p:nvPr>
+        </p:nvSpPr>
+        <p:spPr>
+          <a:xfrm>
+            <a:off x="1296955" y="2568686"/>
+            <a:ext cx="2508926" cy="205837"/>
+          </a:xfrm>
+        </p:spPr>
         <p:txBody>
           <a:bodyPr rtlCol="0"/>
           <a:lstStyle/>
@@ -22602,17 +23010,17 @@
             <a:pPr rtl="0"/>
             <a:r>
               <a:rPr lang="it-IT"/>
-              <a:t>Riepilogo</a:t>
+              <a:t>T1 Luglio - Settembre</a:t>
             </a:r>
           </a:p>
         </p:txBody>
       </p:sp>
       <p:sp>
         <p:nvSpPr>
-          <p:cNvPr id="45" name="Segnaposto testo 44">
-            <a:extLst>
-              <a:ext uri="{FF2B5EF4-FFF2-40B4-BE49-F238E27FC236}">
-                <a16:creationId xmlns:a16="http://schemas.microsoft.com/office/drawing/2014/main" id="{803A1E73-C790-447A-974F-B3ADB50149F7}"/>
+          <p:cNvPr id="3" name="Segnaposto testo 2">
+            <a:extLst>
+              <a:ext uri="{FF2B5EF4-FFF2-40B4-BE49-F238E27FC236}">
+                <a16:creationId xmlns:a16="http://schemas.microsoft.com/office/drawing/2014/main" id="{6873C602-BA59-1744-B258-B489E00A3E14}"/>
               </a:ext>
             </a:extLst>
           </p:cNvPr>
@@ -22623,25 +23031,118 @@
             <p:ph type="body" sz="quarter" idx="12"/>
           </p:nvPr>
         </p:nvSpPr>
-        <p:spPr/>
+        <p:spPr>
+          <a:xfrm>
+            <a:off x="1296955" y="2934856"/>
+            <a:ext cx="2133600" cy="819202"/>
+          </a:xfrm>
+        </p:spPr>
         <p:txBody>
           <a:bodyPr rtlCol="0"/>
           <a:lstStyle/>
           <a:p>
             <a:pPr rtl="0"/>
             <a:r>
-              <a:rPr lang="it-IT"/>
-              <a:t>La nostra azienda procede spedita</a:t>
-            </a:r>
+              <a:rPr lang="it-IT" dirty="0" err="1"/>
+              <a:t>Lorem</a:t>
+            </a:r>
+            <a:r>
+              <a:rPr lang="it-IT" dirty="0"/>
+              <a:t> </a:t>
+            </a:r>
+            <a:r>
+              <a:rPr lang="it-IT" dirty="0" err="1"/>
+              <a:t>ipsum</a:t>
+            </a:r>
+            <a:r>
+              <a:rPr lang="it-IT" dirty="0"/>
+              <a:t> </a:t>
+            </a:r>
+            <a:r>
+              <a:rPr lang="it-IT" dirty="0" err="1"/>
+              <a:t>dolor</a:t>
+            </a:r>
+            <a:r>
+              <a:rPr lang="it-IT" dirty="0"/>
+              <a:t> </a:t>
+            </a:r>
+            <a:r>
+              <a:rPr lang="it-IT" dirty="0" err="1"/>
+              <a:t>sit</a:t>
+            </a:r>
+            <a:r>
+              <a:rPr lang="it-IT" dirty="0"/>
+              <a:t> </a:t>
+            </a:r>
+            <a:r>
+              <a:rPr lang="it-IT" dirty="0" err="1"/>
+              <a:t>amet</a:t>
+            </a:r>
+            <a:r>
+              <a:rPr lang="it-IT" dirty="0"/>
+              <a:t>, </a:t>
+            </a:r>
+            <a:r>
+              <a:rPr lang="it-IT" dirty="0" err="1"/>
+              <a:t>consectetuer</a:t>
+            </a:r>
+            <a:r>
+              <a:rPr lang="it-IT" dirty="0"/>
+              <a:t> </a:t>
+            </a:r>
+            <a:r>
+              <a:rPr lang="it-IT" dirty="0" err="1"/>
+              <a:t>adipiscing</a:t>
+            </a:r>
+            <a:r>
+              <a:rPr lang="it-IT" dirty="0"/>
+              <a:t> </a:t>
+            </a:r>
+            <a:r>
+              <a:rPr lang="it-IT" dirty="0" err="1"/>
+              <a:t>elit</a:t>
+            </a:r>
+            <a:r>
+              <a:rPr lang="it-IT" dirty="0"/>
+              <a:t>, sed </a:t>
+            </a:r>
+            <a:r>
+              <a:rPr lang="it-IT" dirty="0" err="1"/>
+              <a:t>diam</a:t>
+            </a:r>
+            <a:r>
+              <a:rPr lang="it-IT" dirty="0"/>
+              <a:t> </a:t>
+            </a:r>
+            <a:r>
+              <a:rPr lang="it-IT" dirty="0" err="1"/>
+              <a:t>nonummy</a:t>
+            </a:r>
+            <a:r>
+              <a:rPr lang="it-IT" dirty="0"/>
+              <a:t> </a:t>
+            </a:r>
+            <a:r>
+              <a:rPr lang="it-IT" dirty="0" err="1"/>
+              <a:t>nibh</a:t>
+            </a:r>
+            <a:r>
+              <a:rPr lang="it-IT" dirty="0"/>
+              <a:t>.</a:t>
+            </a:r>
+          </a:p>
+          <a:p>
+            <a:pPr rtl="0"/>
+            <a:endParaRPr lang="it-IT" dirty="0"/>
           </a:p>
         </p:txBody>
       </p:sp>
       <p:sp>
         <p:nvSpPr>
-          <p:cNvPr id="44" name="Segnaposto testo 43">
-            <a:extLst>
-              <a:ext uri="{FF2B5EF4-FFF2-40B4-BE49-F238E27FC236}">
-                <a16:creationId xmlns:a16="http://schemas.microsoft.com/office/drawing/2014/main" id="{906E4DF9-127F-4650-8BAA-2521A37885B0}"/>
+          <p:cNvPr id="6" name="Segnaposto testo 5">
+            <a:extLst>
+              <a:ext uri="{FF2B5EF4-FFF2-40B4-BE49-F238E27FC236}">
+                <a16:creationId xmlns:a16="http://schemas.microsoft.com/office/drawing/2014/main" id="{8D4284CF-DF13-E947-ADA5-0FD9AAC03C23}"/>
               </a:ext>
             </a:extLst>
           </p:cNvPr>
@@ -22649,10 +23150,15 @@
             <a:spLocks noGrp="1"/>
           </p:cNvSpPr>
           <p:nvPr>
-            <p:ph type="body" sz="quarter" idx="10"/>
-          </p:nvPr>
-        </p:nvSpPr>
-        <p:spPr/>
+            <p:ph type="body" sz="quarter" idx="31"/>
+          </p:nvPr>
+        </p:nvSpPr>
+        <p:spPr>
+          <a:xfrm>
+            <a:off x="3897798" y="4701908"/>
+            <a:ext cx="2931369" cy="205837"/>
+          </a:xfrm>
+        </p:spPr>
         <p:txBody>
           <a:bodyPr rtlCol="0"/>
           <a:lstStyle/>
@@ -22660,17 +23166,17 @@
             <a:pPr rtl="0"/>
             <a:r>
               <a:rPr lang="it-IT"/>
-              <a:t>Nell'ultimo trimestre, i profitti sono aumentati del 3%</a:t>
+              <a:t>T2 Ottobre -Dicembre	</a:t>
             </a:r>
           </a:p>
         </p:txBody>
       </p:sp>
       <p:sp>
         <p:nvSpPr>
-          <p:cNvPr id="47" name="Segnaposto testo 46">
-            <a:extLst>
-              <a:ext uri="{FF2B5EF4-FFF2-40B4-BE49-F238E27FC236}">
-                <a16:creationId xmlns:a16="http://schemas.microsoft.com/office/drawing/2014/main" id="{DDA232CE-EB44-41DD-920C-AEDD5C33D2A5}"/>
+          <p:cNvPr id="5" name="Segnaposto testo 4">
+            <a:extLst>
+              <a:ext uri="{FF2B5EF4-FFF2-40B4-BE49-F238E27FC236}">
+                <a16:creationId xmlns:a16="http://schemas.microsoft.com/office/drawing/2014/main" id="{FA4FEC49-A0F0-FB4E-9A87-B2EF11364721}"/>
               </a:ext>
             </a:extLst>
           </p:cNvPr>
@@ -22678,10 +23184,15 @@
             <a:spLocks noGrp="1"/>
           </p:cNvSpPr>
           <p:nvPr>
-            <p:ph type="body" sz="quarter" idx="14"/>
-          </p:nvPr>
-        </p:nvSpPr>
-        <p:spPr/>
+            <p:ph type="body" sz="quarter" idx="30"/>
+          </p:nvPr>
+        </p:nvSpPr>
+        <p:spPr>
+          <a:xfrm>
+            <a:off x="3897799" y="5087328"/>
+            <a:ext cx="2133600" cy="819202"/>
+          </a:xfrm>
+        </p:spPr>
         <p:txBody>
           <a:bodyPr rtlCol="0"/>
           <a:lstStyle/>
@@ -22689,17 +23200,21 @@
             <a:pPr rtl="0"/>
             <a:r>
               <a:rPr lang="it-IT"/>
-              <a:t>Ci stiamo dando da fare</a:t>
-            </a:r>
+              <a:t>Lorem ipsum dolor sit amet, consectetuer adipiscing elit, sed diam nonummy nibh.</a:t>
+            </a:r>
+          </a:p>
+          <a:p>
+            <a:pPr rtl="0"/>
+            <a:endParaRPr lang="it-IT"/>
           </a:p>
         </p:txBody>
       </p:sp>
       <p:sp>
         <p:nvSpPr>
-          <p:cNvPr id="46" name="Segnaposto testo 45">
-            <a:extLst>
-              <a:ext uri="{FF2B5EF4-FFF2-40B4-BE49-F238E27FC236}">
-                <a16:creationId xmlns:a16="http://schemas.microsoft.com/office/drawing/2014/main" id="{A09D80D2-95FB-43C6-96F8-7EF7737C28BA}"/>
+          <p:cNvPr id="10" name="Segnaposto testo 9">
+            <a:extLst>
+              <a:ext uri="{FF2B5EF4-FFF2-40B4-BE49-F238E27FC236}">
+                <a16:creationId xmlns:a16="http://schemas.microsoft.com/office/drawing/2014/main" id="{9C396C20-F6DF-C940-BE16-6E008BFF9CB9}"/>
               </a:ext>
             </a:extLst>
           </p:cNvPr>
@@ -22707,10 +23222,15 @@
             <a:spLocks noGrp="1"/>
           </p:cNvSpPr>
           <p:nvPr>
-            <p:ph type="body" sz="quarter" idx="13"/>
-          </p:nvPr>
-        </p:nvSpPr>
-        <p:spPr/>
+            <p:ph type="body" sz="quarter" idx="35"/>
+          </p:nvPr>
+        </p:nvSpPr>
+        <p:spPr>
+          <a:xfrm>
+            <a:off x="6438143" y="2568686"/>
+            <a:ext cx="2133600" cy="205837"/>
+          </a:xfrm>
+        </p:spPr>
         <p:txBody>
           <a:bodyPr rtlCol="0"/>
           <a:lstStyle/>
@@ -22718,17 +23238,17 @@
             <a:pPr rtl="0"/>
             <a:r>
               <a:rPr lang="it-IT"/>
-              <a:t>Abbiamo terminato il progetto di consolidamento</a:t>
+              <a:t>T3 Gennaio - Marzo	</a:t>
             </a:r>
           </a:p>
         </p:txBody>
       </p:sp>
       <p:sp>
         <p:nvSpPr>
-          <p:cNvPr id="49" name="Segnaposto testo 48">
-            <a:extLst>
-              <a:ext uri="{FF2B5EF4-FFF2-40B4-BE49-F238E27FC236}">
-                <a16:creationId xmlns:a16="http://schemas.microsoft.com/office/drawing/2014/main" id="{ED796758-F31D-4250-A439-D6DE9523C88B}"/>
+          <p:cNvPr id="9" name="Segnaposto testo 8">
+            <a:extLst>
+              <a:ext uri="{FF2B5EF4-FFF2-40B4-BE49-F238E27FC236}">
+                <a16:creationId xmlns:a16="http://schemas.microsoft.com/office/drawing/2014/main" id="{55F2A68F-70C1-7F46-9A1C-586701744F58}"/>
               </a:ext>
             </a:extLst>
           </p:cNvPr>
@@ -22736,10 +23256,15 @@
             <a:spLocks noGrp="1"/>
           </p:cNvSpPr>
           <p:nvPr>
-            <p:ph type="body" sz="quarter" idx="16"/>
-          </p:nvPr>
-        </p:nvSpPr>
-        <p:spPr/>
+            <p:ph type="body" sz="quarter" idx="34"/>
+          </p:nvPr>
+        </p:nvSpPr>
+        <p:spPr>
+          <a:xfrm>
+            <a:off x="6438143" y="2934856"/>
+            <a:ext cx="2133600" cy="819202"/>
+          </a:xfrm>
+        </p:spPr>
         <p:txBody>
           <a:bodyPr rtlCol="0"/>
           <a:lstStyle/>
@@ -22747,17 +23272,21 @@
             <a:pPr rtl="0"/>
             <a:r>
               <a:rPr lang="it-IT"/>
-              <a:t>Rispettiamo gli impegni con i clienti</a:t>
-            </a:r>
+              <a:t>Lorem ipsum dolor sit amet, consectetuer adipiscing elit, sed diam nonummy nibh.</a:t>
+            </a:r>
+          </a:p>
+          <a:p>
+            <a:pPr rtl="0"/>
+            <a:endParaRPr lang="it-IT"/>
           </a:p>
         </p:txBody>
       </p:sp>
       <p:sp>
         <p:nvSpPr>
-          <p:cNvPr id="48" name="Segnaposto testo 47">
-            <a:extLst>
-              <a:ext uri="{FF2B5EF4-FFF2-40B4-BE49-F238E27FC236}">
-                <a16:creationId xmlns:a16="http://schemas.microsoft.com/office/drawing/2014/main" id="{CEBFC0C0-C506-47F0-AE21-8A46DB86644A}"/>
+          <p:cNvPr id="8" name="Segnaposto testo 7">
+            <a:extLst>
+              <a:ext uri="{FF2B5EF4-FFF2-40B4-BE49-F238E27FC236}">
+                <a16:creationId xmlns:a16="http://schemas.microsoft.com/office/drawing/2014/main" id="{58554997-3B04-634C-A36E-69B03113315A}"/>
               </a:ext>
             </a:extLst>
           </p:cNvPr>
@@ -22765,10 +23294,15 @@
             <a:spLocks noGrp="1"/>
           </p:cNvSpPr>
           <p:nvPr>
-            <p:ph type="body" sz="quarter" idx="15"/>
-          </p:nvPr>
-        </p:nvSpPr>
-        <p:spPr/>
+            <p:ph type="body" sz="quarter" idx="33"/>
+          </p:nvPr>
+        </p:nvSpPr>
+        <p:spPr>
+          <a:xfrm>
+            <a:off x="9001711" y="4701908"/>
+            <a:ext cx="2133600" cy="205837"/>
+          </a:xfrm>
+        </p:spPr>
         <p:txBody>
           <a:bodyPr rtlCol="0"/>
           <a:lstStyle/>
@@ -22776,24 +23310,17 @@
             <a:pPr rtl="0"/>
             <a:r>
               <a:rPr lang="it-IT"/>
-              <a:t>L'anno scorso abbiamo assistito migliaia di clienti e</a:t>
-            </a:r>
-          </a:p>
-          <a:p>
-            <a:pPr rtl="0"/>
-            <a:r>
-              <a:rPr lang="it-IT"/>
-              <a:t>venduto 60.000 unità</a:t>
+              <a:t>T4 Aprile - Giugno	</a:t>
             </a:r>
           </a:p>
         </p:txBody>
       </p:sp>
       <p:sp>
         <p:nvSpPr>
-          <p:cNvPr id="51" name="Segnaposto testo 50">
-            <a:extLst>
-              <a:ext uri="{FF2B5EF4-FFF2-40B4-BE49-F238E27FC236}">
-                <a16:creationId xmlns:a16="http://schemas.microsoft.com/office/drawing/2014/main" id="{D582AC9C-B267-4C04-9E50-051DE433538C}"/>
+          <p:cNvPr id="7" name="Segnaposto testo 6">
+            <a:extLst>
+              <a:ext uri="{FF2B5EF4-FFF2-40B4-BE49-F238E27FC236}">
+                <a16:creationId xmlns:a16="http://schemas.microsoft.com/office/drawing/2014/main" id="{4E355B93-F7B4-8649-8BBF-819B529D7EC7}"/>
               </a:ext>
             </a:extLst>
           </p:cNvPr>
@@ -22801,10 +23328,15 @@
             <a:spLocks noGrp="1"/>
           </p:cNvSpPr>
           <p:nvPr>
-            <p:ph type="body" sz="quarter" idx="18"/>
-          </p:nvPr>
-        </p:nvSpPr>
-        <p:spPr/>
+            <p:ph type="body" sz="quarter" idx="32"/>
+          </p:nvPr>
+        </p:nvSpPr>
+        <p:spPr>
+          <a:xfrm>
+            <a:off x="9001711" y="5087328"/>
+            <a:ext cx="2133600" cy="819202"/>
+          </a:xfrm>
+        </p:spPr>
         <p:txBody>
           <a:bodyPr rtlCol="0"/>
           <a:lstStyle/>
@@ -22812,17 +23344,21 @@
             <a:pPr rtl="0"/>
             <a:r>
               <a:rPr lang="it-IT"/>
-              <a:t>I clienti ritornano</a:t>
-            </a:r>
+              <a:t>Lorem ipsum dolor sit amet, consectetuer adipiscing elit, sed diam nonummy nibh.</a:t>
+            </a:r>
+          </a:p>
+          <a:p>
+            <a:pPr rtl="0"/>
+            <a:endParaRPr lang="it-IT"/>
           </a:p>
         </p:txBody>
       </p:sp>
       <p:sp>
         <p:nvSpPr>
-          <p:cNvPr id="50" name="Segnaposto testo 49">
-            <a:extLst>
-              <a:ext uri="{FF2B5EF4-FFF2-40B4-BE49-F238E27FC236}">
-                <a16:creationId xmlns:a16="http://schemas.microsoft.com/office/drawing/2014/main" id="{C60A09F8-DA84-487F-81AC-337BE4A9F35B}"/>
+          <p:cNvPr id="13" name="Segnaposto numero diapositiva 12">
+            <a:extLst>
+              <a:ext uri="{FF2B5EF4-FFF2-40B4-BE49-F238E27FC236}">
+                <a16:creationId xmlns:a16="http://schemas.microsoft.com/office/drawing/2014/main" id="{B2B0E625-26CC-9744-9B92-56905E797B65}"/>
               </a:ext>
             </a:extLst>
           </p:cNvPr>
@@ -22830,94 +23366,7 @@
             <a:spLocks noGrp="1"/>
           </p:cNvSpPr>
           <p:nvPr>
-            <p:ph type="body" sz="quarter" idx="17"/>
-          </p:nvPr>
-        </p:nvSpPr>
-        <p:spPr/>
-        <p:txBody>
-          <a:bodyPr rtlCol="0"/>
-          <a:lstStyle/>
-          <a:p>
-            <a:pPr rtl="0"/>
-            <a:r>
-              <a:rPr lang="it-IT"/>
-              <a:t>Abbiamo aumentato la fidelizzazione del 4%</a:t>
-            </a:r>
-          </a:p>
-        </p:txBody>
-      </p:sp>
-      <p:sp>
-        <p:nvSpPr>
-          <p:cNvPr id="53" name="Segnaposto testo 52">
-            <a:extLst>
-              <a:ext uri="{FF2B5EF4-FFF2-40B4-BE49-F238E27FC236}">
-                <a16:creationId xmlns:a16="http://schemas.microsoft.com/office/drawing/2014/main" id="{A1B673DD-4FEC-4191-8446-77B89805FF2B}"/>
-              </a:ext>
-            </a:extLst>
-          </p:cNvPr>
-          <p:cNvSpPr>
-            <a:spLocks noGrp="1"/>
-          </p:cNvSpPr>
-          <p:nvPr>
-            <p:ph type="body" sz="quarter" idx="20"/>
-          </p:nvPr>
-        </p:nvSpPr>
-        <p:spPr/>
-        <p:txBody>
-          <a:bodyPr rtlCol="0"/>
-          <a:lstStyle/>
-          <a:p>
-            <a:pPr rtl="0"/>
-            <a:r>
-              <a:rPr lang="it-IT"/>
-              <a:t>Siamo leader</a:t>
-            </a:r>
-          </a:p>
-        </p:txBody>
-      </p:sp>
-      <p:sp>
-        <p:nvSpPr>
-          <p:cNvPr id="52" name="Segnaposto testo 51">
-            <a:extLst>
-              <a:ext uri="{FF2B5EF4-FFF2-40B4-BE49-F238E27FC236}">
-                <a16:creationId xmlns:a16="http://schemas.microsoft.com/office/drawing/2014/main" id="{1E84004F-53E7-47E5-A493-1980475C42D4}"/>
-              </a:ext>
-            </a:extLst>
-          </p:cNvPr>
-          <p:cNvSpPr>
-            <a:spLocks noGrp="1"/>
-          </p:cNvSpPr>
-          <p:nvPr>
-            <p:ph type="body" sz="quarter" idx="19"/>
-          </p:nvPr>
-        </p:nvSpPr>
-        <p:spPr/>
-        <p:txBody>
-          <a:bodyPr rtlCol="0"/>
-          <a:lstStyle/>
-          <a:p>
-            <a:pPr rtl="0"/>
-            <a:r>
-              <a:rPr lang="it-IT"/>
-              <a:t>Siamo tra le aziende principali in tutti i settori</a:t>
-            </a:r>
-          </a:p>
-        </p:txBody>
-      </p:sp>
-      <p:sp>
-        <p:nvSpPr>
-          <p:cNvPr id="5" name="Segnaposto numero diapositiva 4">
-            <a:extLst>
-              <a:ext uri="{FF2B5EF4-FFF2-40B4-BE49-F238E27FC236}">
-                <a16:creationId xmlns:a16="http://schemas.microsoft.com/office/drawing/2014/main" id="{AB744071-0CE2-7746-9315-22EC28A0F462}"/>
-              </a:ext>
-            </a:extLst>
-          </p:cNvPr>
-          <p:cNvSpPr>
-            <a:spLocks noGrp="1"/>
-          </p:cNvSpPr>
-          <p:nvPr>
-            <p:ph type="sldNum" sz="quarter" idx="23"/>
+            <p:ph type="sldNum" sz="quarter" idx="38"/>
           </p:nvPr>
         </p:nvSpPr>
         <p:spPr>
@@ -22942,10 +23391,10 @@
       </p:sp>
       <p:sp>
         <p:nvSpPr>
-          <p:cNvPr id="4" name="Segnaposto piè di pagina 3">
-            <a:extLst>
-              <a:ext uri="{FF2B5EF4-FFF2-40B4-BE49-F238E27FC236}">
-                <a16:creationId xmlns:a16="http://schemas.microsoft.com/office/drawing/2014/main" id="{529E91F3-E1A0-DB4A-8CD8-D9D1AB0FFB40}"/>
+          <p:cNvPr id="12" name="Segnaposto piè di pagina 11">
+            <a:extLst>
+              <a:ext uri="{FF2B5EF4-FFF2-40B4-BE49-F238E27FC236}">
+                <a16:creationId xmlns:a16="http://schemas.microsoft.com/office/drawing/2014/main" id="{6F29C953-E914-EE4E-B001-1E1EAD7BFD8A}"/>
               </a:ext>
             </a:extLst>
           </p:cNvPr>
@@ -22953,7 +23402,7 @@
             <a:spLocks noGrp="1"/>
           </p:cNvSpPr>
           <p:nvPr>
-            <p:ph type="ftr" sz="quarter" idx="22"/>
+            <p:ph type="ftr" sz="quarter" idx="37"/>
           </p:nvPr>
         </p:nvSpPr>
         <p:spPr>
@@ -22976,10 +23425,10 @@
       </p:sp>
       <p:sp>
         <p:nvSpPr>
-          <p:cNvPr id="3" name="Segnaposto data 2">
-            <a:extLst>
-              <a:ext uri="{FF2B5EF4-FFF2-40B4-BE49-F238E27FC236}">
-                <a16:creationId xmlns:a16="http://schemas.microsoft.com/office/drawing/2014/main" id="{4D5B7634-ADBA-124F-B8CA-431F07F18D44}"/>
+          <p:cNvPr id="11" name="Segnaposto data 10">
+            <a:extLst>
+              <a:ext uri="{FF2B5EF4-FFF2-40B4-BE49-F238E27FC236}">
+                <a16:creationId xmlns:a16="http://schemas.microsoft.com/office/drawing/2014/main" id="{188C120B-6FFA-9C42-80DF-9F19DE9503F4}"/>
               </a:ext>
             </a:extLst>
           </p:cNvPr>
@@ -22987,7 +23436,7 @@
             <a:spLocks noGrp="1"/>
           </p:cNvSpPr>
           <p:nvPr>
-            <p:ph type="dt" sz="half" idx="21"/>
+            <p:ph type="dt" sz="half" idx="36"/>
           </p:nvPr>
         </p:nvSpPr>
         <p:spPr>
@@ -23001,9 +23450,1240 @@
           <a:lstStyle/>
           <a:p>
             <a:pPr rtl="0"/>
+            <a:fld id="{6485A693-B538-4016-B2AD-9C857E455526}" type="datetime4">
+              <a:rPr lang="it-IT" smtClean="0"/>
+              <a:t>9 febbraio 2024</a:t>
+            </a:fld>
+            <a:endParaRPr lang="it-IT"/>
+          </a:p>
+        </p:txBody>
+      </p:sp>
+    </p:spTree>
+    <p:extLst>
+      <p:ext uri="{BB962C8B-B14F-4D97-AF65-F5344CB8AC3E}">
+        <p14:creationId xmlns:p14="http://schemas.microsoft.com/office/powerpoint/2010/main" val="2509101887"/>
+      </p:ext>
+    </p:extLst>
+  </p:cSld>
+  <p:clrMapOvr>
+    <a:masterClrMapping/>
+  </p:clrMapOvr>
+</p:sld>
+</file>
+
+<file path=ppt/slides/slide22.xml><?xml version="1.0" encoding="utf-8"?>
+<p:sld xmlns:a="http://schemas.openxmlformats.org/drawingml/2006/main" xmlns:r="http://schemas.openxmlformats.org/officeDocument/2006/relationships" xmlns:p="http://schemas.openxmlformats.org/presentationml/2006/main">
+  <p:cSld>
+    <p:spTree>
+      <p:nvGrpSpPr>
+        <p:cNvPr id="1" name=""/>
+        <p:cNvGrpSpPr/>
+        <p:nvPr/>
+      </p:nvGrpSpPr>
+      <p:grpSpPr>
+        <a:xfrm>
+          <a:off x="0" y="0"/>
+          <a:ext cx="0" cy="0"/>
+          <a:chOff x="0" y="0"/>
+          <a:chExt cx="0" cy="0"/>
+        </a:xfrm>
+      </p:grpSpPr>
+      <p:sp>
+        <p:nvSpPr>
+          <p:cNvPr id="2" name="Titolo 1">
+            <a:extLst>
+              <a:ext uri="{FF2B5EF4-FFF2-40B4-BE49-F238E27FC236}">
+                <a16:creationId xmlns:a16="http://schemas.microsoft.com/office/drawing/2014/main" id="{68F0FA04-6227-9040-92A6-9514A59B8E7B}"/>
+              </a:ext>
+            </a:extLst>
+          </p:cNvPr>
+          <p:cNvSpPr>
+            <a:spLocks noGrp="1"/>
+          </p:cNvSpPr>
+          <p:nvPr>
+            <p:ph type="title"/>
+          </p:nvPr>
+        </p:nvSpPr>
+        <p:spPr/>
+        <p:txBody>
+          <a:bodyPr rtlCol="0"/>
+          <a:lstStyle/>
+          <a:p>
+            <a:pPr rtl="0"/>
+            <a:r>
+              <a:rPr lang="it-IT"/>
+              <a:t>Obiettivi per il T1</a:t>
+            </a:r>
+          </a:p>
+        </p:txBody>
+      </p:sp>
+      <p:sp>
+        <p:nvSpPr>
+          <p:cNvPr id="3" name="Segnaposto testo 2">
+            <a:extLst>
+              <a:ext uri="{FF2B5EF4-FFF2-40B4-BE49-F238E27FC236}">
+                <a16:creationId xmlns:a16="http://schemas.microsoft.com/office/drawing/2014/main" id="{9CD657E5-4675-E84E-840E-4F6D4868C5A9}"/>
+              </a:ext>
+            </a:extLst>
+          </p:cNvPr>
+          <p:cNvSpPr>
+            <a:spLocks noGrp="1"/>
+          </p:cNvSpPr>
+          <p:nvPr>
+            <p:ph type="body" idx="1"/>
+          </p:nvPr>
+        </p:nvSpPr>
+        <p:spPr/>
+        <p:txBody>
+          <a:bodyPr rtlCol="0"/>
+          <a:lstStyle/>
+          <a:p>
+            <a:pPr rtl="0"/>
+            <a:r>
+              <a:rPr lang="it-IT"/>
+              <a:t>Priorità aziendali</a:t>
+            </a:r>
+          </a:p>
+        </p:txBody>
+      </p:sp>
+      <p:sp>
+        <p:nvSpPr>
+          <p:cNvPr id="5" name="Segnaposto contenuto 4">
+            <a:extLst>
+              <a:ext uri="{FF2B5EF4-FFF2-40B4-BE49-F238E27FC236}">
+                <a16:creationId xmlns:a16="http://schemas.microsoft.com/office/drawing/2014/main" id="{0B4B9306-DDC0-AD4F-A9C2-739C6AEB0172}"/>
+              </a:ext>
+            </a:extLst>
+          </p:cNvPr>
+          <p:cNvSpPr>
+            <a:spLocks noGrp="1"/>
+          </p:cNvSpPr>
+          <p:nvPr>
+            <p:ph sz="half" idx="2"/>
+          </p:nvPr>
+        </p:nvSpPr>
+        <p:spPr>
+          <a:xfrm>
+            <a:off x="964023" y="2786446"/>
+            <a:ext cx="4827178" cy="1942138"/>
+          </a:xfrm>
+        </p:spPr>
+        <p:txBody>
+          <a:bodyPr rtlCol="0"/>
+          <a:lstStyle/>
+          <a:p>
+            <a:pPr rtl="0"/>
+            <a:r>
+              <a:rPr lang="it-IT" dirty="0"/>
+              <a:t>Aumentare la soddisfazione dei clienti del 2%</a:t>
+            </a:r>
+          </a:p>
+          <a:p>
+            <a:pPr rtl="0"/>
+            <a:r>
+              <a:rPr lang="it-IT" dirty="0"/>
+              <a:t>Mantenere la crescita</a:t>
+            </a:r>
+          </a:p>
+          <a:p>
+            <a:pPr rtl="0"/>
+            <a:r>
+              <a:rPr lang="it-IT" dirty="0"/>
+              <a:t>Diversificare gli investimenti nel settore 2</a:t>
+            </a:r>
+          </a:p>
+          <a:p>
+            <a:pPr rtl="0"/>
+            <a:r>
+              <a:rPr lang="it-IT" dirty="0"/>
+              <a:t>Iniziativa di partnership con organizzazioni di terze parti</a:t>
+            </a:r>
+          </a:p>
+          <a:p>
+            <a:pPr marL="0" indent="0" rtl="0">
+              <a:buNone/>
+            </a:pPr>
+            <a:endParaRPr lang="it-IT" dirty="0"/>
+          </a:p>
+          <a:p>
+            <a:pPr rtl="0"/>
+            <a:endParaRPr lang="it-IT" dirty="0"/>
+          </a:p>
+        </p:txBody>
+      </p:sp>
+      <p:sp>
+        <p:nvSpPr>
+          <p:cNvPr id="4" name="Segnaposto testo 3">
+            <a:extLst>
+              <a:ext uri="{FF2B5EF4-FFF2-40B4-BE49-F238E27FC236}">
+                <a16:creationId xmlns:a16="http://schemas.microsoft.com/office/drawing/2014/main" id="{6AF03CC0-7DA0-ED4F-B612-580E138D588A}"/>
+              </a:ext>
+            </a:extLst>
+          </p:cNvPr>
+          <p:cNvSpPr>
+            <a:spLocks noGrp="1"/>
+          </p:cNvSpPr>
+          <p:nvPr>
+            <p:ph type="body" idx="10"/>
+          </p:nvPr>
+        </p:nvSpPr>
+        <p:spPr/>
+        <p:txBody>
+          <a:bodyPr rtlCol="0"/>
+          <a:lstStyle/>
+          <a:p>
+            <a:pPr rtl="0"/>
+            <a:r>
+              <a:rPr lang="it-IT"/>
+              <a:t>Opportunità per i dipendenti</a:t>
+            </a:r>
+          </a:p>
+        </p:txBody>
+      </p:sp>
+      <p:sp>
+        <p:nvSpPr>
+          <p:cNvPr id="6" name="Segnaposto contenuto 5">
+            <a:extLst>
+              <a:ext uri="{FF2B5EF4-FFF2-40B4-BE49-F238E27FC236}">
+                <a16:creationId xmlns:a16="http://schemas.microsoft.com/office/drawing/2014/main" id="{B7D8EEE0-6E1C-9F47-936F-25FCC2FC368C}"/>
+              </a:ext>
+            </a:extLst>
+          </p:cNvPr>
+          <p:cNvSpPr>
+            <a:spLocks noGrp="1"/>
+          </p:cNvSpPr>
+          <p:nvPr>
+            <p:ph sz="half" idx="13"/>
+          </p:nvPr>
+        </p:nvSpPr>
+        <p:spPr>
+          <a:xfrm>
+            <a:off x="6362700" y="2799146"/>
+            <a:ext cx="5013754" cy="1942138"/>
+          </a:xfrm>
+        </p:spPr>
+        <p:txBody>
+          <a:bodyPr rtlCol="0"/>
+          <a:lstStyle/>
+          <a:p>
+            <a:pPr rtl="0"/>
+            <a:r>
+              <a:rPr lang="it-IT" dirty="0"/>
+              <a:t>Festeggiamento della fine dell'anno fiscale il 15 luglio </a:t>
+            </a:r>
+          </a:p>
+          <a:p>
+            <a:pPr rtl="0"/>
+            <a:r>
+              <a:rPr lang="it-IT" dirty="0"/>
+              <a:t>Giornata di formazione dei dipendenti il 14 agosto </a:t>
+            </a:r>
+          </a:p>
+          <a:p>
+            <a:pPr rtl="0"/>
+            <a:r>
+              <a:rPr lang="it-IT" dirty="0"/>
+              <a:t>Lezione yoga per i dipendenti il 3 settembre </a:t>
+            </a:r>
+          </a:p>
+          <a:p>
+            <a:pPr rtl="0"/>
+            <a:r>
+              <a:rPr lang="it-IT" dirty="0"/>
+              <a:t>Serie di seminari a partire dal 10 settembre </a:t>
+            </a:r>
+          </a:p>
+          <a:p>
+            <a:pPr marL="0" indent="0" rtl="0">
+              <a:buNone/>
+            </a:pPr>
+            <a:endParaRPr lang="it-IT" dirty="0"/>
+          </a:p>
+        </p:txBody>
+      </p:sp>
+      <p:sp>
+        <p:nvSpPr>
+          <p:cNvPr id="9" name="Segnaposto numero diapositiva 8">
+            <a:extLst>
+              <a:ext uri="{FF2B5EF4-FFF2-40B4-BE49-F238E27FC236}">
+                <a16:creationId xmlns:a16="http://schemas.microsoft.com/office/drawing/2014/main" id="{9A5802D8-6C81-6C4F-97CF-C1F2344EE894}"/>
+              </a:ext>
+            </a:extLst>
+          </p:cNvPr>
+          <p:cNvSpPr>
+            <a:spLocks noGrp="1"/>
+          </p:cNvSpPr>
+          <p:nvPr>
+            <p:ph type="sldNum" sz="quarter" idx="16"/>
+          </p:nvPr>
+        </p:nvSpPr>
+        <p:spPr>
+          <a:xfrm>
+            <a:off x="971550" y="6332220"/>
+            <a:ext cx="523240" cy="247651"/>
+          </a:xfrm>
+        </p:spPr>
+        <p:txBody>
+          <a:bodyPr rtlCol="0"/>
+          <a:lstStyle/>
+          <a:p>
+            <a:pPr algn="l" rtl="0"/>
+            <a:fld id="{294A09A9-5501-47C1-A89A-A340965A2BE2}" type="slidenum">
+              <a:rPr lang="it-IT" smtClean="0"/>
+              <a:pPr algn="l" rtl="0"/>
+              <a:t>22</a:t>
+            </a:fld>
+            <a:endParaRPr lang="it-IT"/>
+          </a:p>
+        </p:txBody>
+      </p:sp>
+      <p:sp>
+        <p:nvSpPr>
+          <p:cNvPr id="8" name="Segnaposto piè di pagina 7">
+            <a:extLst>
+              <a:ext uri="{FF2B5EF4-FFF2-40B4-BE49-F238E27FC236}">
+                <a16:creationId xmlns:a16="http://schemas.microsoft.com/office/drawing/2014/main" id="{2A659727-BBB9-9B49-BCA1-694F74F717C4}"/>
+              </a:ext>
+            </a:extLst>
+          </p:cNvPr>
+          <p:cNvSpPr>
+            <a:spLocks noGrp="1"/>
+          </p:cNvSpPr>
+          <p:nvPr>
+            <p:ph type="ftr" sz="quarter" idx="15"/>
+          </p:nvPr>
+        </p:nvSpPr>
+        <p:spPr>
+          <a:xfrm>
+            <a:off x="1494790" y="6332220"/>
+            <a:ext cx="1497330" cy="247651"/>
+          </a:xfrm>
+        </p:spPr>
+        <p:txBody>
+          <a:bodyPr rtlCol="0"/>
+          <a:lstStyle/>
+          <a:p>
+            <a:pPr rtl="0"/>
+            <a:r>
+              <a:rPr lang="it-IT"/>
+              <a:t>Relazione annuale</a:t>
+            </a:r>
+            <a:endParaRPr lang="it-IT" sz="1100"/>
+          </a:p>
+        </p:txBody>
+      </p:sp>
+      <p:sp>
+        <p:nvSpPr>
+          <p:cNvPr id="7" name="Segnaposto data 6">
+            <a:extLst>
+              <a:ext uri="{FF2B5EF4-FFF2-40B4-BE49-F238E27FC236}">
+                <a16:creationId xmlns:a16="http://schemas.microsoft.com/office/drawing/2014/main" id="{99E44123-0AF5-4A4C-B0C7-BB7409DE8161}"/>
+              </a:ext>
+            </a:extLst>
+          </p:cNvPr>
+          <p:cNvSpPr>
+            <a:spLocks noGrp="1"/>
+          </p:cNvSpPr>
+          <p:nvPr>
+            <p:ph type="dt" sz="half" idx="14"/>
+          </p:nvPr>
+        </p:nvSpPr>
+        <p:spPr>
+          <a:xfrm>
+            <a:off x="2992120" y="6332220"/>
+            <a:ext cx="1313180" cy="247651"/>
+          </a:xfrm>
+        </p:spPr>
+        <p:txBody>
+          <a:bodyPr rtlCol="0"/>
+          <a:lstStyle/>
+          <a:p>
+            <a:pPr rtl="0"/>
+            <a:fld id="{716013CD-BB09-48C5-9D54-AFC6DFBDB414}" type="datetime4">
+              <a:rPr lang="it-IT" sz="1100" smtClean="0"/>
+              <a:t>9 febbraio 2024</a:t>
+            </a:fld>
+            <a:endParaRPr lang="it-IT" sz="1100"/>
+          </a:p>
+        </p:txBody>
+      </p:sp>
+    </p:spTree>
+    <p:extLst>
+      <p:ext uri="{BB962C8B-B14F-4D97-AF65-F5344CB8AC3E}">
+        <p14:creationId xmlns:p14="http://schemas.microsoft.com/office/powerpoint/2010/main" val="767675903"/>
+      </p:ext>
+    </p:extLst>
+  </p:cSld>
+  <p:clrMapOvr>
+    <a:masterClrMapping/>
+  </p:clrMapOvr>
+</p:sld>
+</file>
+
+<file path=ppt/slides/slide23.xml><?xml version="1.0" encoding="utf-8"?>
+<p:sld xmlns:a="http://schemas.openxmlformats.org/drawingml/2006/main" xmlns:r="http://schemas.openxmlformats.org/officeDocument/2006/relationships" xmlns:p="http://schemas.openxmlformats.org/presentationml/2006/main">
+  <p:cSld>
+    <p:spTree>
+      <p:nvGrpSpPr>
+        <p:cNvPr id="1" name=""/>
+        <p:cNvGrpSpPr/>
+        <p:nvPr/>
+      </p:nvGrpSpPr>
+      <p:grpSpPr>
+        <a:xfrm>
+          <a:off x="0" y="0"/>
+          <a:ext cx="0" cy="0"/>
+          <a:chOff x="0" y="0"/>
+          <a:chExt cx="0" cy="0"/>
+        </a:xfrm>
+      </p:grpSpPr>
+      <p:sp>
+        <p:nvSpPr>
+          <p:cNvPr id="2" name="Titolo 1">
+            <a:extLst>
+              <a:ext uri="{FF2B5EF4-FFF2-40B4-BE49-F238E27FC236}">
+                <a16:creationId xmlns:a16="http://schemas.microsoft.com/office/drawing/2014/main" id="{C18026B5-2F88-BA48-A996-4A13FDFAA43A}"/>
+              </a:ext>
+            </a:extLst>
+          </p:cNvPr>
+          <p:cNvSpPr>
+            <a:spLocks noGrp="1"/>
+          </p:cNvSpPr>
+          <p:nvPr>
+            <p:ph type="title"/>
+          </p:nvPr>
+        </p:nvSpPr>
+        <p:spPr/>
+        <p:txBody>
+          <a:bodyPr rtlCol="0"/>
+          <a:lstStyle/>
+          <a:p>
+            <a:pPr rtl="0"/>
+            <a:r>
+              <a:rPr lang="it-IT"/>
+              <a:t>Obiettivi per il T2</a:t>
+            </a:r>
+          </a:p>
+        </p:txBody>
+      </p:sp>
+      <p:sp>
+        <p:nvSpPr>
+          <p:cNvPr id="3" name="Segnaposto testo 2">
+            <a:extLst>
+              <a:ext uri="{FF2B5EF4-FFF2-40B4-BE49-F238E27FC236}">
+                <a16:creationId xmlns:a16="http://schemas.microsoft.com/office/drawing/2014/main" id="{A5ABDF8F-0AD5-5C43-9EF3-8679B9897E01}"/>
+              </a:ext>
+            </a:extLst>
+          </p:cNvPr>
+          <p:cNvSpPr>
+            <a:spLocks noGrp="1"/>
+          </p:cNvSpPr>
+          <p:nvPr>
+            <p:ph type="body" idx="1"/>
+          </p:nvPr>
+        </p:nvSpPr>
+        <p:spPr/>
+        <p:txBody>
+          <a:bodyPr rtlCol="0"/>
+          <a:lstStyle/>
+          <a:p>
+            <a:pPr rtl="0"/>
+            <a:r>
+              <a:rPr lang="it-IT"/>
+              <a:t>Priorità aziendali</a:t>
+            </a:r>
+          </a:p>
+        </p:txBody>
+      </p:sp>
+      <p:sp>
+        <p:nvSpPr>
+          <p:cNvPr id="4" name="Segnaposto contenuto 3">
+            <a:extLst>
+              <a:ext uri="{FF2B5EF4-FFF2-40B4-BE49-F238E27FC236}">
+                <a16:creationId xmlns:a16="http://schemas.microsoft.com/office/drawing/2014/main" id="{7782A119-28D1-B54D-A879-A0DDEC296674}"/>
+              </a:ext>
+            </a:extLst>
+          </p:cNvPr>
+          <p:cNvSpPr>
+            <a:spLocks noGrp="1"/>
+          </p:cNvSpPr>
+          <p:nvPr>
+            <p:ph sz="half" idx="2"/>
+          </p:nvPr>
+        </p:nvSpPr>
+        <p:spPr>
+          <a:xfrm>
+            <a:off x="952500" y="2786446"/>
+            <a:ext cx="3036477" cy="1942138"/>
+          </a:xfrm>
+        </p:spPr>
+        <p:txBody>
+          <a:bodyPr rtlCol="0"/>
+          <a:lstStyle/>
+          <a:p>
+            <a:pPr rtl="0"/>
+            <a:r>
+              <a:rPr lang="it-IT"/>
+              <a:t>Aumentare la soddisfazione dei clienti del 2%</a:t>
+            </a:r>
+          </a:p>
+          <a:p>
+            <a:pPr rtl="0"/>
+            <a:r>
+              <a:rPr lang="it-IT"/>
+              <a:t>Mantenere la crescita</a:t>
+            </a:r>
+          </a:p>
+          <a:p>
+            <a:pPr marL="0" indent="0" rtl="0">
+              <a:buNone/>
+            </a:pPr>
+            <a:endParaRPr lang="it-IT"/>
+          </a:p>
+          <a:p>
+            <a:pPr rtl="0"/>
+            <a:endParaRPr lang="it-IT"/>
+          </a:p>
+        </p:txBody>
+      </p:sp>
+      <p:sp>
+        <p:nvSpPr>
+          <p:cNvPr id="5" name="Segnaposto testo 4">
+            <a:extLst>
+              <a:ext uri="{FF2B5EF4-FFF2-40B4-BE49-F238E27FC236}">
+                <a16:creationId xmlns:a16="http://schemas.microsoft.com/office/drawing/2014/main" id="{B55E5840-ED0D-0349-88F3-4E90A0094985}"/>
+              </a:ext>
+            </a:extLst>
+          </p:cNvPr>
+          <p:cNvSpPr>
+            <a:spLocks noGrp="1"/>
+          </p:cNvSpPr>
+          <p:nvPr>
+            <p:ph type="body" idx="10"/>
+          </p:nvPr>
+        </p:nvSpPr>
+        <p:spPr/>
+        <p:txBody>
+          <a:bodyPr rtlCol="0"/>
+          <a:lstStyle/>
+          <a:p>
+            <a:pPr rtl="0"/>
+            <a:r>
+              <a:rPr lang="it-IT"/>
+              <a:t>Altre priorità</a:t>
+            </a:r>
+          </a:p>
+        </p:txBody>
+      </p:sp>
+      <p:sp>
+        <p:nvSpPr>
+          <p:cNvPr id="6" name="Segnaposto contenuto 5">
+            <a:extLst>
+              <a:ext uri="{FF2B5EF4-FFF2-40B4-BE49-F238E27FC236}">
+                <a16:creationId xmlns:a16="http://schemas.microsoft.com/office/drawing/2014/main" id="{34801285-85FB-FD43-9631-322998389AF0}"/>
+              </a:ext>
+            </a:extLst>
+          </p:cNvPr>
+          <p:cNvSpPr>
+            <a:spLocks noGrp="1"/>
+          </p:cNvSpPr>
+          <p:nvPr>
+            <p:ph sz="half" idx="11"/>
+          </p:nvPr>
+        </p:nvSpPr>
+        <p:spPr/>
+        <p:txBody>
+          <a:bodyPr rtlCol="0"/>
+          <a:lstStyle/>
+          <a:p>
+            <a:pPr rtl="0"/>
+            <a:r>
+              <a:rPr lang="it-IT" dirty="0"/>
+              <a:t>Ridurre il numero di rotazioni </a:t>
+            </a:r>
+            <a:br>
+              <a:rPr lang="it-IT" dirty="0"/>
+            </a:br>
+            <a:r>
+              <a:rPr lang="it-IT" dirty="0"/>
+              <a:t>di almeno 2</a:t>
+            </a:r>
+          </a:p>
+          <a:p>
+            <a:pPr rtl="0"/>
+            <a:r>
+              <a:rPr lang="it-IT" dirty="0"/>
+              <a:t>Verificare che i costi di sviluppo rimangano all'interno del budget</a:t>
+            </a:r>
+          </a:p>
+        </p:txBody>
+      </p:sp>
+      <p:sp>
+        <p:nvSpPr>
+          <p:cNvPr id="7" name="Segnaposto testo 6">
+            <a:extLst>
+              <a:ext uri="{FF2B5EF4-FFF2-40B4-BE49-F238E27FC236}">
+                <a16:creationId xmlns:a16="http://schemas.microsoft.com/office/drawing/2014/main" id="{8820E658-15B8-6C4B-A736-3D894774670E}"/>
+              </a:ext>
+            </a:extLst>
+          </p:cNvPr>
+          <p:cNvSpPr>
+            <a:spLocks noGrp="1"/>
+          </p:cNvSpPr>
+          <p:nvPr>
+            <p:ph type="body" idx="12"/>
+          </p:nvPr>
+        </p:nvSpPr>
+        <p:spPr/>
+        <p:txBody>
+          <a:bodyPr rtlCol="0"/>
+          <a:lstStyle/>
+          <a:p>
+            <a:pPr rtl="0"/>
+            <a:r>
+              <a:rPr lang="it-IT"/>
+              <a:t>Opportunità per i dipendenti</a:t>
+            </a:r>
+          </a:p>
+        </p:txBody>
+      </p:sp>
+      <p:sp>
+        <p:nvSpPr>
+          <p:cNvPr id="8" name="Segnaposto contenuto 7">
+            <a:extLst>
+              <a:ext uri="{FF2B5EF4-FFF2-40B4-BE49-F238E27FC236}">
+                <a16:creationId xmlns:a16="http://schemas.microsoft.com/office/drawing/2014/main" id="{7F52F621-1B1F-5E49-939F-12BD1A0FD522}"/>
+              </a:ext>
+            </a:extLst>
+          </p:cNvPr>
+          <p:cNvSpPr>
+            <a:spLocks noGrp="1"/>
+          </p:cNvSpPr>
+          <p:nvPr>
+            <p:ph sz="half" idx="13"/>
+          </p:nvPr>
+        </p:nvSpPr>
+        <p:spPr/>
+        <p:txBody>
+          <a:bodyPr rtlCol="0">
+            <a:normAutofit lnSpcReduction="10000"/>
+          </a:bodyPr>
+          <a:lstStyle/>
+          <a:p>
+            <a:pPr rtl="0"/>
+            <a:r>
+              <a:rPr lang="it-IT"/>
+              <a:t>Inizio dei tirocinanti</a:t>
+            </a:r>
+          </a:p>
+          <a:p>
+            <a:pPr rtl="0"/>
+            <a:r>
+              <a:rPr lang="it-IT"/>
+              <a:t>Campionati ricreativi al coperto</a:t>
+            </a:r>
+          </a:p>
+          <a:p>
+            <a:pPr rtl="0"/>
+            <a:r>
+              <a:rPr lang="it-IT"/>
+              <a:t>Tornei di scacchi</a:t>
+            </a:r>
+          </a:p>
+          <a:p>
+            <a:pPr rtl="0"/>
+            <a:r>
+              <a:rPr lang="it-IT"/>
+              <a:t>Festa per guardare insieme la partita</a:t>
+            </a:r>
+          </a:p>
+          <a:p>
+            <a:pPr rtl="0"/>
+            <a:r>
+              <a:rPr lang="it-IT"/>
+              <a:t>Raccolta alimentare</a:t>
+            </a:r>
+          </a:p>
+          <a:p>
+            <a:pPr marL="0" indent="0" rtl="0">
+              <a:buNone/>
+            </a:pPr>
+            <a:endParaRPr lang="it-IT"/>
+          </a:p>
+          <a:p>
+            <a:pPr marL="0" indent="0" rtl="0">
+              <a:buNone/>
+            </a:pPr>
+            <a:endParaRPr lang="it-IT"/>
+          </a:p>
+          <a:p>
+            <a:pPr rtl="0"/>
+            <a:endParaRPr lang="it-IT"/>
+          </a:p>
+        </p:txBody>
+      </p:sp>
+      <p:sp>
+        <p:nvSpPr>
+          <p:cNvPr id="11" name="Segnaposto numero diapositiva 10">
+            <a:extLst>
+              <a:ext uri="{FF2B5EF4-FFF2-40B4-BE49-F238E27FC236}">
+                <a16:creationId xmlns:a16="http://schemas.microsoft.com/office/drawing/2014/main" id="{8B50C3FA-D20D-3049-9C7F-6F37D4E022C5}"/>
+              </a:ext>
+            </a:extLst>
+          </p:cNvPr>
+          <p:cNvSpPr>
+            <a:spLocks noGrp="1"/>
+          </p:cNvSpPr>
+          <p:nvPr>
+            <p:ph type="sldNum" sz="quarter" idx="16"/>
+          </p:nvPr>
+        </p:nvSpPr>
+        <p:spPr>
+          <a:xfrm>
+            <a:off x="971550" y="6332220"/>
+            <a:ext cx="523240" cy="247651"/>
+          </a:xfrm>
+        </p:spPr>
+        <p:txBody>
+          <a:bodyPr rtlCol="0"/>
+          <a:lstStyle/>
+          <a:p>
+            <a:pPr algn="l" rtl="0"/>
+            <a:fld id="{294A09A9-5501-47C1-A89A-A340965A2BE2}" type="slidenum">
+              <a:rPr lang="it-IT" smtClean="0"/>
+              <a:pPr algn="l" rtl="0"/>
+              <a:t>23</a:t>
+            </a:fld>
+            <a:endParaRPr lang="it-IT"/>
+          </a:p>
+        </p:txBody>
+      </p:sp>
+      <p:sp>
+        <p:nvSpPr>
+          <p:cNvPr id="10" name="Segnaposto piè di pagina 9">
+            <a:extLst>
+              <a:ext uri="{FF2B5EF4-FFF2-40B4-BE49-F238E27FC236}">
+                <a16:creationId xmlns:a16="http://schemas.microsoft.com/office/drawing/2014/main" id="{56278D20-060E-1942-9A72-E600C02A8208}"/>
+              </a:ext>
+            </a:extLst>
+          </p:cNvPr>
+          <p:cNvSpPr>
+            <a:spLocks noGrp="1"/>
+          </p:cNvSpPr>
+          <p:nvPr>
+            <p:ph type="ftr" sz="quarter" idx="15"/>
+          </p:nvPr>
+        </p:nvSpPr>
+        <p:spPr>
+          <a:xfrm>
+            <a:off x="1494790" y="6332220"/>
+            <a:ext cx="1497330" cy="247651"/>
+          </a:xfrm>
+        </p:spPr>
+        <p:txBody>
+          <a:bodyPr rtlCol="0"/>
+          <a:lstStyle/>
+          <a:p>
+            <a:pPr rtl="0"/>
+            <a:r>
+              <a:rPr lang="it-IT"/>
+              <a:t>Relazione annuale</a:t>
+            </a:r>
+            <a:endParaRPr lang="it-IT" sz="1100"/>
+          </a:p>
+        </p:txBody>
+      </p:sp>
+      <p:sp>
+        <p:nvSpPr>
+          <p:cNvPr id="9" name="Segnaposto data 8">
+            <a:extLst>
+              <a:ext uri="{FF2B5EF4-FFF2-40B4-BE49-F238E27FC236}">
+                <a16:creationId xmlns:a16="http://schemas.microsoft.com/office/drawing/2014/main" id="{AFD06229-BFA1-7D4D-B1E0-0A9F7FBF1F7E}"/>
+              </a:ext>
+            </a:extLst>
+          </p:cNvPr>
+          <p:cNvSpPr>
+            <a:spLocks noGrp="1"/>
+          </p:cNvSpPr>
+          <p:nvPr>
+            <p:ph type="dt" sz="half" idx="14"/>
+          </p:nvPr>
+        </p:nvSpPr>
+        <p:spPr>
+          <a:xfrm>
+            <a:off x="2992120" y="6332220"/>
+            <a:ext cx="1313180" cy="247651"/>
+          </a:xfrm>
+        </p:spPr>
+        <p:txBody>
+          <a:bodyPr rtlCol="0"/>
+          <a:lstStyle/>
+          <a:p>
+            <a:pPr rtl="0"/>
+            <a:fld id="{6FA8A17B-5266-4DF8-A231-E5939ACD3554}" type="datetime4">
+              <a:rPr lang="it-IT" sz="1100" smtClean="0"/>
+              <a:t>9 febbraio 2024</a:t>
+            </a:fld>
+            <a:endParaRPr lang="it-IT" sz="1100"/>
+          </a:p>
+        </p:txBody>
+      </p:sp>
+    </p:spTree>
+    <p:extLst>
+      <p:ext uri="{BB962C8B-B14F-4D97-AF65-F5344CB8AC3E}">
+        <p14:creationId xmlns:p14="http://schemas.microsoft.com/office/powerpoint/2010/main" val="495483412"/>
+      </p:ext>
+    </p:extLst>
+  </p:cSld>
+  <p:clrMapOvr>
+    <a:masterClrMapping/>
+  </p:clrMapOvr>
+</p:sld>
+</file>
+
+<file path=ppt/slides/slide24.xml><?xml version="1.0" encoding="utf-8"?>
+<p:sld xmlns:a="http://schemas.openxmlformats.org/drawingml/2006/main" xmlns:r="http://schemas.openxmlformats.org/officeDocument/2006/relationships" xmlns:p="http://schemas.openxmlformats.org/presentationml/2006/main">
+  <p:cSld>
+    <p:spTree>
+      <p:nvGrpSpPr>
+        <p:cNvPr id="1" name=""/>
+        <p:cNvGrpSpPr/>
+        <p:nvPr/>
+      </p:nvGrpSpPr>
+      <p:grpSpPr>
+        <a:xfrm>
+          <a:off x="0" y="0"/>
+          <a:ext cx="0" cy="0"/>
+          <a:chOff x="0" y="0"/>
+          <a:chExt cx="0" cy="0"/>
+        </a:xfrm>
+      </p:grpSpPr>
+      <p:sp>
+        <p:nvSpPr>
+          <p:cNvPr id="2" name="Titolo 1">
+            <a:extLst>
+              <a:ext uri="{FF2B5EF4-FFF2-40B4-BE49-F238E27FC236}">
+                <a16:creationId xmlns:a16="http://schemas.microsoft.com/office/drawing/2014/main" id="{8C122DF8-59D4-D94D-8ED9-F2F319899DBF}"/>
+              </a:ext>
+            </a:extLst>
+          </p:cNvPr>
+          <p:cNvSpPr>
+            <a:spLocks noGrp="1"/>
+          </p:cNvSpPr>
+          <p:nvPr>
+            <p:ph type="title"/>
+          </p:nvPr>
+        </p:nvSpPr>
+        <p:spPr/>
+        <p:txBody>
+          <a:bodyPr rtlCol="0"/>
+          <a:lstStyle/>
+          <a:p>
+            <a:pPr rtl="0"/>
+            <a:r>
+              <a:rPr lang="it-IT"/>
+              <a:t>Riepilogo</a:t>
+            </a:r>
+          </a:p>
+        </p:txBody>
+      </p:sp>
+      <p:sp>
+        <p:nvSpPr>
+          <p:cNvPr id="45" name="Segnaposto testo 44">
+            <a:extLst>
+              <a:ext uri="{FF2B5EF4-FFF2-40B4-BE49-F238E27FC236}">
+                <a16:creationId xmlns:a16="http://schemas.microsoft.com/office/drawing/2014/main" id="{803A1E73-C790-447A-974F-B3ADB50149F7}"/>
+              </a:ext>
+            </a:extLst>
+          </p:cNvPr>
+          <p:cNvSpPr>
+            <a:spLocks noGrp="1"/>
+          </p:cNvSpPr>
+          <p:nvPr>
+            <p:ph type="body" sz="quarter" idx="12"/>
+          </p:nvPr>
+        </p:nvSpPr>
+        <p:spPr/>
+        <p:txBody>
+          <a:bodyPr rtlCol="0"/>
+          <a:lstStyle/>
+          <a:p>
+            <a:pPr rtl="0"/>
+            <a:r>
+              <a:rPr lang="it-IT"/>
+              <a:t>La nostra azienda procede spedita</a:t>
+            </a:r>
+          </a:p>
+        </p:txBody>
+      </p:sp>
+      <p:sp>
+        <p:nvSpPr>
+          <p:cNvPr id="44" name="Segnaposto testo 43">
+            <a:extLst>
+              <a:ext uri="{FF2B5EF4-FFF2-40B4-BE49-F238E27FC236}">
+                <a16:creationId xmlns:a16="http://schemas.microsoft.com/office/drawing/2014/main" id="{906E4DF9-127F-4650-8BAA-2521A37885B0}"/>
+              </a:ext>
+            </a:extLst>
+          </p:cNvPr>
+          <p:cNvSpPr>
+            <a:spLocks noGrp="1"/>
+          </p:cNvSpPr>
+          <p:nvPr>
+            <p:ph type="body" sz="quarter" idx="10"/>
+          </p:nvPr>
+        </p:nvSpPr>
+        <p:spPr/>
+        <p:txBody>
+          <a:bodyPr rtlCol="0"/>
+          <a:lstStyle/>
+          <a:p>
+            <a:pPr rtl="0"/>
+            <a:r>
+              <a:rPr lang="it-IT"/>
+              <a:t>Nell'ultimo trimestre, i profitti sono aumentati del 3%</a:t>
+            </a:r>
+          </a:p>
+        </p:txBody>
+      </p:sp>
+      <p:sp>
+        <p:nvSpPr>
+          <p:cNvPr id="47" name="Segnaposto testo 46">
+            <a:extLst>
+              <a:ext uri="{FF2B5EF4-FFF2-40B4-BE49-F238E27FC236}">
+                <a16:creationId xmlns:a16="http://schemas.microsoft.com/office/drawing/2014/main" id="{DDA232CE-EB44-41DD-920C-AEDD5C33D2A5}"/>
+              </a:ext>
+            </a:extLst>
+          </p:cNvPr>
+          <p:cNvSpPr>
+            <a:spLocks noGrp="1"/>
+          </p:cNvSpPr>
+          <p:nvPr>
+            <p:ph type="body" sz="quarter" idx="14"/>
+          </p:nvPr>
+        </p:nvSpPr>
+        <p:spPr/>
+        <p:txBody>
+          <a:bodyPr rtlCol="0"/>
+          <a:lstStyle/>
+          <a:p>
+            <a:pPr rtl="0"/>
+            <a:r>
+              <a:rPr lang="it-IT"/>
+              <a:t>Ci stiamo dando da fare</a:t>
+            </a:r>
+          </a:p>
+        </p:txBody>
+      </p:sp>
+      <p:sp>
+        <p:nvSpPr>
+          <p:cNvPr id="46" name="Segnaposto testo 45">
+            <a:extLst>
+              <a:ext uri="{FF2B5EF4-FFF2-40B4-BE49-F238E27FC236}">
+                <a16:creationId xmlns:a16="http://schemas.microsoft.com/office/drawing/2014/main" id="{A09D80D2-95FB-43C6-96F8-7EF7737C28BA}"/>
+              </a:ext>
+            </a:extLst>
+          </p:cNvPr>
+          <p:cNvSpPr>
+            <a:spLocks noGrp="1"/>
+          </p:cNvSpPr>
+          <p:nvPr>
+            <p:ph type="body" sz="quarter" idx="13"/>
+          </p:nvPr>
+        </p:nvSpPr>
+        <p:spPr/>
+        <p:txBody>
+          <a:bodyPr rtlCol="0"/>
+          <a:lstStyle/>
+          <a:p>
+            <a:pPr rtl="0"/>
+            <a:r>
+              <a:rPr lang="it-IT"/>
+              <a:t>Abbiamo terminato il progetto di consolidamento</a:t>
+            </a:r>
+          </a:p>
+        </p:txBody>
+      </p:sp>
+      <p:sp>
+        <p:nvSpPr>
+          <p:cNvPr id="49" name="Segnaposto testo 48">
+            <a:extLst>
+              <a:ext uri="{FF2B5EF4-FFF2-40B4-BE49-F238E27FC236}">
+                <a16:creationId xmlns:a16="http://schemas.microsoft.com/office/drawing/2014/main" id="{ED796758-F31D-4250-A439-D6DE9523C88B}"/>
+              </a:ext>
+            </a:extLst>
+          </p:cNvPr>
+          <p:cNvSpPr>
+            <a:spLocks noGrp="1"/>
+          </p:cNvSpPr>
+          <p:nvPr>
+            <p:ph type="body" sz="quarter" idx="16"/>
+          </p:nvPr>
+        </p:nvSpPr>
+        <p:spPr/>
+        <p:txBody>
+          <a:bodyPr rtlCol="0"/>
+          <a:lstStyle/>
+          <a:p>
+            <a:pPr rtl="0"/>
+            <a:r>
+              <a:rPr lang="it-IT"/>
+              <a:t>Rispettiamo gli impegni con i clienti</a:t>
+            </a:r>
+          </a:p>
+        </p:txBody>
+      </p:sp>
+      <p:sp>
+        <p:nvSpPr>
+          <p:cNvPr id="48" name="Segnaposto testo 47">
+            <a:extLst>
+              <a:ext uri="{FF2B5EF4-FFF2-40B4-BE49-F238E27FC236}">
+                <a16:creationId xmlns:a16="http://schemas.microsoft.com/office/drawing/2014/main" id="{CEBFC0C0-C506-47F0-AE21-8A46DB86644A}"/>
+              </a:ext>
+            </a:extLst>
+          </p:cNvPr>
+          <p:cNvSpPr>
+            <a:spLocks noGrp="1"/>
+          </p:cNvSpPr>
+          <p:nvPr>
+            <p:ph type="body" sz="quarter" idx="15"/>
+          </p:nvPr>
+        </p:nvSpPr>
+        <p:spPr/>
+        <p:txBody>
+          <a:bodyPr rtlCol="0"/>
+          <a:lstStyle/>
+          <a:p>
+            <a:pPr rtl="0"/>
+            <a:r>
+              <a:rPr lang="it-IT"/>
+              <a:t>L'anno scorso abbiamo assistito migliaia di clienti e</a:t>
+            </a:r>
+          </a:p>
+          <a:p>
+            <a:pPr rtl="0"/>
+            <a:r>
+              <a:rPr lang="it-IT"/>
+              <a:t>venduto 60.000 unità</a:t>
+            </a:r>
+          </a:p>
+        </p:txBody>
+      </p:sp>
+      <p:sp>
+        <p:nvSpPr>
+          <p:cNvPr id="51" name="Segnaposto testo 50">
+            <a:extLst>
+              <a:ext uri="{FF2B5EF4-FFF2-40B4-BE49-F238E27FC236}">
+                <a16:creationId xmlns:a16="http://schemas.microsoft.com/office/drawing/2014/main" id="{D582AC9C-B267-4C04-9E50-051DE433538C}"/>
+              </a:ext>
+            </a:extLst>
+          </p:cNvPr>
+          <p:cNvSpPr>
+            <a:spLocks noGrp="1"/>
+          </p:cNvSpPr>
+          <p:nvPr>
+            <p:ph type="body" sz="quarter" idx="18"/>
+          </p:nvPr>
+        </p:nvSpPr>
+        <p:spPr/>
+        <p:txBody>
+          <a:bodyPr rtlCol="0"/>
+          <a:lstStyle/>
+          <a:p>
+            <a:pPr rtl="0"/>
+            <a:r>
+              <a:rPr lang="it-IT"/>
+              <a:t>I clienti ritornano</a:t>
+            </a:r>
+          </a:p>
+        </p:txBody>
+      </p:sp>
+      <p:sp>
+        <p:nvSpPr>
+          <p:cNvPr id="50" name="Segnaposto testo 49">
+            <a:extLst>
+              <a:ext uri="{FF2B5EF4-FFF2-40B4-BE49-F238E27FC236}">
+                <a16:creationId xmlns:a16="http://schemas.microsoft.com/office/drawing/2014/main" id="{C60A09F8-DA84-487F-81AC-337BE4A9F35B}"/>
+              </a:ext>
+            </a:extLst>
+          </p:cNvPr>
+          <p:cNvSpPr>
+            <a:spLocks noGrp="1"/>
+          </p:cNvSpPr>
+          <p:nvPr>
+            <p:ph type="body" sz="quarter" idx="17"/>
+          </p:nvPr>
+        </p:nvSpPr>
+        <p:spPr/>
+        <p:txBody>
+          <a:bodyPr rtlCol="0"/>
+          <a:lstStyle/>
+          <a:p>
+            <a:pPr rtl="0"/>
+            <a:r>
+              <a:rPr lang="it-IT"/>
+              <a:t>Abbiamo aumentato la fidelizzazione del 4%</a:t>
+            </a:r>
+          </a:p>
+        </p:txBody>
+      </p:sp>
+      <p:sp>
+        <p:nvSpPr>
+          <p:cNvPr id="53" name="Segnaposto testo 52">
+            <a:extLst>
+              <a:ext uri="{FF2B5EF4-FFF2-40B4-BE49-F238E27FC236}">
+                <a16:creationId xmlns:a16="http://schemas.microsoft.com/office/drawing/2014/main" id="{A1B673DD-4FEC-4191-8446-77B89805FF2B}"/>
+              </a:ext>
+            </a:extLst>
+          </p:cNvPr>
+          <p:cNvSpPr>
+            <a:spLocks noGrp="1"/>
+          </p:cNvSpPr>
+          <p:nvPr>
+            <p:ph type="body" sz="quarter" idx="20"/>
+          </p:nvPr>
+        </p:nvSpPr>
+        <p:spPr/>
+        <p:txBody>
+          <a:bodyPr rtlCol="0"/>
+          <a:lstStyle/>
+          <a:p>
+            <a:pPr rtl="0"/>
+            <a:r>
+              <a:rPr lang="it-IT"/>
+              <a:t>Siamo leader</a:t>
+            </a:r>
+          </a:p>
+        </p:txBody>
+      </p:sp>
+      <p:sp>
+        <p:nvSpPr>
+          <p:cNvPr id="52" name="Segnaposto testo 51">
+            <a:extLst>
+              <a:ext uri="{FF2B5EF4-FFF2-40B4-BE49-F238E27FC236}">
+                <a16:creationId xmlns:a16="http://schemas.microsoft.com/office/drawing/2014/main" id="{1E84004F-53E7-47E5-A493-1980475C42D4}"/>
+              </a:ext>
+            </a:extLst>
+          </p:cNvPr>
+          <p:cNvSpPr>
+            <a:spLocks noGrp="1"/>
+          </p:cNvSpPr>
+          <p:nvPr>
+            <p:ph type="body" sz="quarter" idx="19"/>
+          </p:nvPr>
+        </p:nvSpPr>
+        <p:spPr/>
+        <p:txBody>
+          <a:bodyPr rtlCol="0"/>
+          <a:lstStyle/>
+          <a:p>
+            <a:pPr rtl="0"/>
+            <a:r>
+              <a:rPr lang="it-IT"/>
+              <a:t>Siamo tra le aziende principali in tutti i settori</a:t>
+            </a:r>
+          </a:p>
+        </p:txBody>
+      </p:sp>
+      <p:sp>
+        <p:nvSpPr>
+          <p:cNvPr id="5" name="Segnaposto numero diapositiva 4">
+            <a:extLst>
+              <a:ext uri="{FF2B5EF4-FFF2-40B4-BE49-F238E27FC236}">
+                <a16:creationId xmlns:a16="http://schemas.microsoft.com/office/drawing/2014/main" id="{AB744071-0CE2-7746-9315-22EC28A0F462}"/>
+              </a:ext>
+            </a:extLst>
+          </p:cNvPr>
+          <p:cNvSpPr>
+            <a:spLocks noGrp="1"/>
+          </p:cNvSpPr>
+          <p:nvPr>
+            <p:ph type="sldNum" sz="quarter" idx="23"/>
+          </p:nvPr>
+        </p:nvSpPr>
+        <p:spPr>
+          <a:xfrm>
+            <a:off x="971550" y="6332220"/>
+            <a:ext cx="523240" cy="247651"/>
+          </a:xfrm>
+        </p:spPr>
+        <p:txBody>
+          <a:bodyPr rtlCol="0"/>
+          <a:lstStyle/>
+          <a:p>
+            <a:pPr rtl="0"/>
+            <a:fld id="{294A09A9-5501-47C1-A89A-A340965A2BE2}" type="slidenum">
+              <a:rPr lang="it-IT" smtClean="0"/>
+              <a:pPr rtl="0"/>
+              <a:t>24</a:t>
+            </a:fld>
+            <a:endParaRPr lang="it-IT"/>
+          </a:p>
+        </p:txBody>
+      </p:sp>
+      <p:sp>
+        <p:nvSpPr>
+          <p:cNvPr id="4" name="Segnaposto piè di pagina 3">
+            <a:extLst>
+              <a:ext uri="{FF2B5EF4-FFF2-40B4-BE49-F238E27FC236}">
+                <a16:creationId xmlns:a16="http://schemas.microsoft.com/office/drawing/2014/main" id="{529E91F3-E1A0-DB4A-8CD8-D9D1AB0FFB40}"/>
+              </a:ext>
+            </a:extLst>
+          </p:cNvPr>
+          <p:cNvSpPr>
+            <a:spLocks noGrp="1"/>
+          </p:cNvSpPr>
+          <p:nvPr>
+            <p:ph type="ftr" sz="quarter" idx="22"/>
+          </p:nvPr>
+        </p:nvSpPr>
+        <p:spPr>
+          <a:xfrm>
+            <a:off x="1494790" y="6332220"/>
+            <a:ext cx="1497330" cy="247651"/>
+          </a:xfrm>
+        </p:spPr>
+        <p:txBody>
+          <a:bodyPr rtlCol="0"/>
+          <a:lstStyle/>
+          <a:p>
+            <a:pPr rtl="0"/>
+            <a:r>
+              <a:rPr lang="it-IT"/>
+              <a:t>Relazione annuale</a:t>
+            </a:r>
+          </a:p>
+        </p:txBody>
+      </p:sp>
+      <p:sp>
+        <p:nvSpPr>
+          <p:cNvPr id="3" name="Segnaposto data 2">
+            <a:extLst>
+              <a:ext uri="{FF2B5EF4-FFF2-40B4-BE49-F238E27FC236}">
+                <a16:creationId xmlns:a16="http://schemas.microsoft.com/office/drawing/2014/main" id="{4D5B7634-ADBA-124F-B8CA-431F07F18D44}"/>
+              </a:ext>
+            </a:extLst>
+          </p:cNvPr>
+          <p:cNvSpPr>
+            <a:spLocks noGrp="1"/>
+          </p:cNvSpPr>
+          <p:nvPr>
+            <p:ph type="dt" sz="half" idx="21"/>
+          </p:nvPr>
+        </p:nvSpPr>
+        <p:spPr>
+          <a:xfrm>
+            <a:off x="2992120" y="6332220"/>
+            <a:ext cx="1313180" cy="247651"/>
+          </a:xfrm>
+        </p:spPr>
+        <p:txBody>
+          <a:bodyPr rtlCol="0"/>
+          <a:lstStyle/>
+          <a:p>
+            <a:pPr rtl="0"/>
             <a:fld id="{A0829EB5-7920-4574-8D32-CEA0EB24B7CF}" type="datetime4">
               <a:rPr lang="it-IT" smtClean="0"/>
-              <a:t>8 febbraio 2024</a:t>
+              <a:t>9 febbraio 2024</a:t>
             </a:fld>
             <a:endParaRPr lang="it-IT"/>
           </a:p>
@@ -23022,7 +24702,7 @@
 </p:sld>
 </file>
 
-<file path=ppt/slides/slide22.xml><?xml version="1.0" encoding="utf-8"?>
+<file path=ppt/slides/slide25.xml><?xml version="1.0" encoding="utf-8"?>
 <p:sld xmlns:a="http://schemas.openxmlformats.org/drawingml/2006/main" xmlns:r="http://schemas.openxmlformats.org/officeDocument/2006/relationships" xmlns:p="http://schemas.openxmlformats.org/presentationml/2006/main">
   <p:cSld>
     <p:spTree>
@@ -26303,13 +27983,13 @@
   <p:clrMapOvr>
     <a:masterClrMapping/>
   </p:clrMapOvr>
-  <mc:AlternateContent xmlns:mc="http://schemas.openxmlformats.org/markup-compatibility/2006">
-    <mc:Choice xmlns:p159="http://schemas.microsoft.com/office/powerpoint/2015/09/main" Requires="p159">
+  <mc:AlternateContent xmlns:mc="http://schemas.openxmlformats.org/markup-compatibility/2006" xmlns:p159="http://schemas.microsoft.com/office/powerpoint/2015/09/main">
+    <mc:Choice Requires="p159">
       <p:transition xmlns:p14="http://schemas.microsoft.com/office/powerpoint/2010/main" spd="slow" p14:dur="1500">
         <p159:morph option="byObject"/>
       </p:transition>
     </mc:Choice>
-    <mc:Fallback>
+    <mc:Fallback xmlns="">
       <p:transition spd="slow">
         <p:fade/>
       </p:transition>
@@ -27367,15 +29047,6 @@
 </file>
 
 <file path=customXml/item2.xml><?xml version="1.0" encoding="utf-8"?>
-<?mso-contentType ?>
-<FormTemplates xmlns="http://schemas.microsoft.com/sharepoint/v3/contenttype/forms">
-  <Display>DocumentLibraryForm</Display>
-  <Edit>DocumentLibraryForm</Edit>
-  <New>DocumentLibraryForm</New>
-</FormTemplates>
-</file>
-
-<file path=customXml/item3.xml><?xml version="1.0" encoding="utf-8"?>
 <ct:contentTypeSchema xmlns:ct="http://schemas.microsoft.com/office/2006/metadata/contentType" xmlns:ma="http://schemas.microsoft.com/office/2006/metadata/properties/metaAttributes" ct:_="" ma:_="" ma:contentTypeName="Document" ma:contentTypeID="0x01010079F111ED35F8CC479449609E8A0923A6" ma:contentTypeVersion="12" ma:contentTypeDescription="Create a new document." ma:contentTypeScope="" ma:versionID="426e97fa315356fffbdcd9876fe988c2">
   <xsd:schema xmlns:xsd="http://www.w3.org/2001/XMLSchema" xmlns:xs="http://www.w3.org/2001/XMLSchema" xmlns:p="http://schemas.microsoft.com/office/2006/metadata/properties" xmlns:ns2="71af3243-3dd4-4a8d-8c0d-dd76da1f02a5" xmlns:ns3="16c05727-aa75-4e4a-9b5f-8a80a1165891" targetNamespace="http://schemas.microsoft.com/office/2006/metadata/properties" ma:root="true" ma:fieldsID="14b8f0def80e6d70ce3def20c90759ae" ns2:_="" ns3:_="">
     <xsd:import namespace="71af3243-3dd4-4a8d-8c0d-dd76da1f02a5"/>
@@ -27596,6 +29267,15 @@
 </ct:contentTypeSchema>
 </file>
 
+<file path=customXml/item3.xml><?xml version="1.0" encoding="utf-8"?>
+<?mso-contentType ?>
+<FormTemplates xmlns="http://schemas.microsoft.com/sharepoint/v3/contenttype/forms">
+  <Display>DocumentLibraryForm</Display>
+  <Edit>DocumentLibraryForm</Edit>
+  <New>DocumentLibraryForm</New>
+</FormTemplates>
+</file>
+
 <file path=customXml/itemProps1.xml><?xml version="1.0" encoding="utf-8"?>
 <ds:datastoreItem xmlns:ds="http://schemas.openxmlformats.org/officeDocument/2006/customXml" ds:itemID="{09EC1AB0-9704-404D-B6D3-819D938AC55B}">
   <ds:schemaRefs>
@@ -27614,14 +29294,6 @@
 </file>
 
 <file path=customXml/itemProps2.xml><?xml version="1.0" encoding="utf-8"?>
-<ds:datastoreItem xmlns:ds="http://schemas.openxmlformats.org/officeDocument/2006/customXml" ds:itemID="{1D20B6E4-879E-4E6C-BDE7-261540CD3765}">
-  <ds:schemaRefs>
-    <ds:schemaRef ds:uri="http://schemas.microsoft.com/sharepoint/v3/contenttype/forms"/>
-  </ds:schemaRefs>
-</ds:datastoreItem>
-</file>
-
-<file path=customXml/itemProps3.xml><?xml version="1.0" encoding="utf-8"?>
 <ds:datastoreItem xmlns:ds="http://schemas.openxmlformats.org/officeDocument/2006/customXml" ds:itemID="{94F21D10-BD83-491A-AAA6-945C2DB1EB01}">
   <ds:schemaRefs>
     <ds:schemaRef ds:uri="http://schemas.microsoft.com/office/2006/metadata/contentType"/>
@@ -27638,4 +29310,12 @@
     <ds:schemaRef ds:uri="http://schemas.microsoft.com/internal/obd"/>
   </ds:schemaRefs>
 </ds:datastoreItem>
+</file>
+
+<file path=customXml/itemProps3.xml><?xml version="1.0" encoding="utf-8"?>
+<ds:datastoreItem xmlns:ds="http://schemas.openxmlformats.org/officeDocument/2006/customXml" ds:itemID="{1D20B6E4-879E-4E6C-BDE7-261540CD3765}">
+  <ds:schemaRefs>
+    <ds:schemaRef ds:uri="http://schemas.microsoft.com/sharepoint/v3/contenttype/forms"/>
+  </ds:schemaRefs>
+</ds:datastoreItem>
 </file>